--- a/Presentaties/Sprint 4.pptx
+++ b/Presentaties/Sprint 4.pptx
@@ -9294,20 +9294,14 @@
           <a:p>
             <a:r>
               <a:rPr lang="nl-NL" dirty="0"/>
-              <a:t>(Wat gaat er de volgende sprint gebeuren)</a:t>
-            </a:r>
-            <a:br>
+              <a:t>Schaalmodel iteratie 2</a:t>
+            </a:r>
+          </a:p>
+          <a:p>
+            <a:r>
               <a:rPr lang="nl-NL" dirty="0"/>
-            </a:br>
-            <a:r>
-              <a:rPr lang="nl-NL" dirty="0"/>
-              <a:t>(Altijd minder beloven </a:t>
-            </a:r>
-            <a:r>
-              <a:rPr lang="nl-NL"/>
-              <a:t>meer geven)</a:t>
-            </a:r>
-            <a:endParaRPr lang="nl-NL" dirty="0"/>
+              <a:t>Eerste echte tests van complete design</a:t>
+            </a:r>
           </a:p>
         </p:txBody>
       </p:sp>
@@ -9750,27 +9744,6 @@
             <a:r>
               <a:rPr lang="nl-NL" dirty="0"/>
               <a:t>Schakeling controle over waterpompen</a:t>
-            </a:r>
-          </a:p>
-          <a:p>
-            <a:r>
-              <a:rPr lang="nl-NL" dirty="0"/>
-              <a:t>(Daarna slides aanmaken gebaseerd op hoeveel uitleg er nodig is)</a:t>
-            </a:r>
-            <a:br>
-              <a:rPr lang="nl-NL" dirty="0"/>
-            </a:br>
-            <a:r>
-              <a:rPr lang="nl-NL" dirty="0"/>
-              <a:t>(In de volgende uitbreidings-slides user </a:t>
-            </a:r>
-            <a:r>
-              <a:rPr lang="nl-NL" dirty="0" err="1"/>
-              <a:t>stories</a:t>
-            </a:r>
-            <a:r>
-              <a:rPr lang="nl-NL" dirty="0"/>
-              <a:t> meenemen)</a:t>
             </a:r>
           </a:p>
         </p:txBody>
@@ -10497,7 +10470,16 @@
           <a:p>
             <a:r>
               <a:rPr lang="nl-NL" dirty="0"/>
-              <a:t>Het schaalmodel waterdicht maken + uitbreiden</a:t>
+              <a:t>Het schaalmodel waterdicht maken + uitbreiden -&gt; Schaalmodel iteratie 2</a:t>
+            </a:r>
+          </a:p>
+          <a:p>
+            <a:pPr marL="0" indent="0">
+              <a:buNone/>
+            </a:pPr>
+            <a:r>
+              <a:rPr lang="nl-NL" dirty="0"/>
+              <a:t>	- Andere materialen?</a:t>
             </a:r>
           </a:p>
         </p:txBody>
@@ -10584,22 +10566,18 @@
           <a:p>
             <a:r>
               <a:rPr lang="nl-NL" dirty="0"/>
-              <a:t>(Wat is er goed/fout gegaan?)</a:t>
+              <a:t>Algemene communicatie</a:t>
+            </a:r>
+          </a:p>
+          <a:p>
+            <a:r>
+              <a:rPr lang="nl-NL" dirty="0"/>
+              <a:t>Budget -&gt; keuze materialen zeer verminderd</a:t>
             </a:r>
             <a:br>
               <a:rPr lang="nl-NL" dirty="0"/>
             </a:br>
-            <a:r>
-              <a:rPr lang="nl-NL" dirty="0"/>
-              <a:t>(Wat kan er beter?)</a:t>
-            </a:r>
-            <a:br>
-              <a:rPr lang="nl-NL" dirty="0"/>
-            </a:br>
-            <a:r>
-              <a:rPr lang="nl-NL" dirty="0"/>
-              <a:t>(Andere dingen waar wij tegenaan gelopen zijn als projectgroep?)</a:t>
-            </a:r>
+            <a:endParaRPr lang="nl-NL" dirty="0"/>
           </a:p>
         </p:txBody>
       </p:sp>
@@ -10866,11 +10844,12 @@
 </file>
 
 <file path=customXml/item1.xml><?xml version="1.0" encoding="utf-8"?>
-<p:properties xmlns:p="http://schemas.microsoft.com/office/2006/metadata/properties" xmlns:xsi="http://www.w3.org/2001/XMLSchema-instance" xmlns:pc="http://schemas.microsoft.com/office/infopath/2007/PartnerControls">
-  <documentManagement>
-    <_activity xmlns="8d5dcd13-9b93-4860-8686-258dec0e23be" xsi:nil="true"/>
-  </documentManagement>
-</p:properties>
+<?mso-contentType ?>
+<FormTemplates xmlns="http://schemas.microsoft.com/sharepoint/v3/contenttype/forms">
+  <Display>DocumentLibraryForm</Display>
+  <Edit>DocumentLibraryForm</Edit>
+  <New>DocumentLibraryForm</New>
+</FormTemplates>
 </file>
 
 <file path=customXml/item2.xml><?xml version="1.0" encoding="utf-8"?>
@@ -11068,26 +11047,17 @@
 </file>
 
 <file path=customXml/item3.xml><?xml version="1.0" encoding="utf-8"?>
-<?mso-contentType ?>
-<FormTemplates xmlns="http://schemas.microsoft.com/sharepoint/v3/contenttype/forms">
-  <Display>DocumentLibraryForm</Display>
-  <Edit>DocumentLibraryForm</Edit>
-  <New>DocumentLibraryForm</New>
-</FormTemplates>
+<p:properties xmlns:p="http://schemas.microsoft.com/office/2006/metadata/properties" xmlns:xsi="http://www.w3.org/2001/XMLSchema-instance" xmlns:pc="http://schemas.microsoft.com/office/infopath/2007/PartnerControls">
+  <documentManagement>
+    <_activity xmlns="8d5dcd13-9b93-4860-8686-258dec0e23be" xsi:nil="true"/>
+  </documentManagement>
+</p:properties>
 </file>
 
 <file path=customXml/itemProps1.xml><?xml version="1.0" encoding="utf-8"?>
-<ds:datastoreItem xmlns:ds="http://schemas.openxmlformats.org/officeDocument/2006/customXml" ds:itemID="{6BE63DC0-0E79-4D45-AB99-081F8145E24C}">
+<ds:datastoreItem xmlns:ds="http://schemas.openxmlformats.org/officeDocument/2006/customXml" ds:itemID="{33D4CFAA-434D-4462-B62D-1E23E4045646}">
   <ds:schemaRefs>
-    <ds:schemaRef ds:uri="http://purl.org/dc/terms/"/>
-    <ds:schemaRef ds:uri="http://schemas.microsoft.com/office/infopath/2007/PartnerControls"/>
-    <ds:schemaRef ds:uri="http://schemas.openxmlformats.org/package/2006/metadata/core-properties"/>
-    <ds:schemaRef ds:uri="http://purl.org/dc/elements/1.1/"/>
-    <ds:schemaRef ds:uri="http://schemas.microsoft.com/office/2006/documentManagement/types"/>
-    <ds:schemaRef ds:uri="http://www.w3.org/XML/1998/namespace"/>
-    <ds:schemaRef ds:uri="8d5dcd13-9b93-4860-8686-258dec0e23be"/>
-    <ds:schemaRef ds:uri="http://schemas.microsoft.com/office/2006/metadata/properties"/>
-    <ds:schemaRef ds:uri="http://purl.org/dc/dcmitype/"/>
+    <ds:schemaRef ds:uri="http://schemas.microsoft.com/sharepoint/v3/contenttype/forms"/>
   </ds:schemaRefs>
 </ds:datastoreItem>
 </file>
@@ -11111,9 +11081,17 @@
 </file>
 
 <file path=customXml/itemProps3.xml><?xml version="1.0" encoding="utf-8"?>
-<ds:datastoreItem xmlns:ds="http://schemas.openxmlformats.org/officeDocument/2006/customXml" ds:itemID="{33D4CFAA-434D-4462-B62D-1E23E4045646}">
+<ds:datastoreItem xmlns:ds="http://schemas.openxmlformats.org/officeDocument/2006/customXml" ds:itemID="{6BE63DC0-0E79-4D45-AB99-081F8145E24C}">
   <ds:schemaRefs>
-    <ds:schemaRef ds:uri="http://schemas.microsoft.com/sharepoint/v3/contenttype/forms"/>
+    <ds:schemaRef ds:uri="http://purl.org/dc/terms/"/>
+    <ds:schemaRef ds:uri="http://schemas.microsoft.com/office/infopath/2007/PartnerControls"/>
+    <ds:schemaRef ds:uri="http://schemas.openxmlformats.org/package/2006/metadata/core-properties"/>
+    <ds:schemaRef ds:uri="http://purl.org/dc/elements/1.1/"/>
+    <ds:schemaRef ds:uri="http://schemas.microsoft.com/office/2006/documentManagement/types"/>
+    <ds:schemaRef ds:uri="http://www.w3.org/XML/1998/namespace"/>
+    <ds:schemaRef ds:uri="8d5dcd13-9b93-4860-8686-258dec0e23be"/>
+    <ds:schemaRef ds:uri="http://schemas.microsoft.com/office/2006/metadata/properties"/>
+    <ds:schemaRef ds:uri="http://purl.org/dc/dcmitype/"/>
   </ds:schemaRefs>
 </ds:datastoreItem>
 </file>
--- a/Presentaties/Sprint 4.pptx
+++ b/Presentaties/Sprint 4.pptx
@@ -120,6 +120,43 @@
     </p:ext>
   </p:extLst>
 </p:presentation>
+</file>
+
+<file path=ppt/revisionInfo.xml><?xml version="1.0" encoding="utf-8"?>
+<p1510:revInfo xmlns:a="http://schemas.openxmlformats.org/drawingml/2006/main" xmlns:r="http://schemas.openxmlformats.org/officeDocument/2006/relationships" xmlns:p1510="http://schemas.microsoft.com/office/powerpoint/2015/10/main">
+  <p1510:revLst>
+    <p1510:client id="{2C3CF025-71C6-4A79-82F7-3365A43B7B07}" v="12" dt="2025-11-25T11:40:15.735"/>
+  </p1510:revLst>
+</p1510:revInfo>
+</file>
+
+<file path=ppt/changesInfos/changesInfo1.xml><?xml version="1.0" encoding="utf-8"?>
+<pc:chgInfo xmlns:a="http://schemas.openxmlformats.org/drawingml/2006/main" xmlns:r="http://schemas.openxmlformats.org/officeDocument/2006/relationships" xmlns:ac="http://schemas.microsoft.com/office/drawing/2013/main/command" xmlns:pc="http://schemas.microsoft.com/office/powerpoint/2013/main/command">
+  <pc:docChgLst>
+    <pc:chgData name="Dax Visser (1110166)" userId="18ef0d71-56ab-4448-86a5-7ac2420fc301" providerId="ADAL" clId="{2C3CF025-71C6-4A79-82F7-3365A43B7B07}"/>
+    <pc:docChg chg="custSel modSld">
+      <pc:chgData name="Dax Visser (1110166)" userId="18ef0d71-56ab-4448-86a5-7ac2420fc301" providerId="ADAL" clId="{2C3CF025-71C6-4A79-82F7-3365A43B7B07}" dt="2025-11-25T11:40:28.514" v="27"/>
+      <pc:docMkLst>
+        <pc:docMk/>
+      </pc:docMkLst>
+      <pc:sldChg chg="addSp modSp mod modAnim">
+        <pc:chgData name="Dax Visser (1110166)" userId="18ef0d71-56ab-4448-86a5-7ac2420fc301" providerId="ADAL" clId="{2C3CF025-71C6-4A79-82F7-3365A43B7B07}" dt="2025-11-25T11:40:28.514" v="27"/>
+        <pc:sldMkLst>
+          <pc:docMk/>
+          <pc:sldMk cId="1698587137" sldId="270"/>
+        </pc:sldMkLst>
+        <pc:graphicFrameChg chg="add mod modGraphic">
+          <ac:chgData name="Dax Visser (1110166)" userId="18ef0d71-56ab-4448-86a5-7ac2420fc301" providerId="ADAL" clId="{2C3CF025-71C6-4A79-82F7-3365A43B7B07}" dt="2025-11-25T11:40:28.514" v="27"/>
+          <ac:graphicFrameMkLst>
+            <pc:docMk/>
+            <pc:sldMk cId="1698587137" sldId="270"/>
+            <ac:graphicFrameMk id="4" creationId="{D3FD436B-84D2-562C-90F8-F3980E1E393D}"/>
+          </ac:graphicFrameMkLst>
+        </pc:graphicFrameChg>
+      </pc:sldChg>
+    </pc:docChg>
+  </pc:docChgLst>
+</pc:chgInfo>
 </file>
 
 <file path=ppt/diagrams/colors1.xml><?xml version="1.0" encoding="utf-8"?>
@@ -3695,7 +3732,7 @@
           <a:p>
             <a:fld id="{D5EC4132-83FF-430E-8473-4C6C1D8D7455}" type="slidenum">
               <a:rPr lang="nl-NL" smtClean="0"/>
-              <a:t>‹#›</a:t>
+              <a:t>‹nr.›</a:t>
             </a:fld>
             <a:endParaRPr lang="nl-NL"/>
           </a:p>
@@ -4019,7 +4056,7 @@
           <a:p>
             <a:fld id="{D5EC4132-83FF-430E-8473-4C6C1D8D7455}" type="slidenum">
               <a:rPr lang="nl-NL" smtClean="0"/>
-              <a:t>‹#›</a:t>
+              <a:t>‹nr.›</a:t>
             </a:fld>
             <a:endParaRPr lang="nl-NL"/>
           </a:p>
@@ -4297,7 +4334,7 @@
           <a:p>
             <a:fld id="{D5EC4132-83FF-430E-8473-4C6C1D8D7455}" type="slidenum">
               <a:rPr lang="nl-NL" smtClean="0"/>
-              <a:t>‹#›</a:t>
+              <a:t>‹nr.›</a:t>
             </a:fld>
             <a:endParaRPr lang="nl-NL"/>
           </a:p>
@@ -4865,7 +4902,7 @@
           <a:p>
             <a:fld id="{D5EC4132-83FF-430E-8473-4C6C1D8D7455}" type="slidenum">
               <a:rPr lang="nl-NL" smtClean="0"/>
-              <a:t>‹#›</a:t>
+              <a:t>‹nr.›</a:t>
             </a:fld>
             <a:endParaRPr lang="nl-NL"/>
           </a:p>
@@ -5143,7 +5180,7 @@
           <a:p>
             <a:fld id="{D5EC4132-83FF-430E-8473-4C6C1D8D7455}" type="slidenum">
               <a:rPr lang="nl-NL" smtClean="0"/>
-              <a:t>‹#›</a:t>
+              <a:t>‹nr.›</a:t>
             </a:fld>
             <a:endParaRPr lang="nl-NL"/>
           </a:p>
@@ -5705,7 +5742,7 @@
           <a:p>
             <a:fld id="{D5EC4132-83FF-430E-8473-4C6C1D8D7455}" type="slidenum">
               <a:rPr lang="nl-NL" smtClean="0"/>
-              <a:t>‹#›</a:t>
+              <a:t>‹nr.›</a:t>
             </a:fld>
             <a:endParaRPr lang="nl-NL"/>
           </a:p>
@@ -6032,7 +6069,7 @@
           <a:p>
             <a:fld id="{D5EC4132-83FF-430E-8473-4C6C1D8D7455}" type="slidenum">
               <a:rPr lang="nl-NL" smtClean="0"/>
-              <a:t>‹#›</a:t>
+              <a:t>‹nr.›</a:t>
             </a:fld>
             <a:endParaRPr lang="nl-NL"/>
           </a:p>
@@ -6209,7 +6246,7 @@
           <a:p>
             <a:fld id="{D5EC4132-83FF-430E-8473-4C6C1D8D7455}" type="slidenum">
               <a:rPr lang="nl-NL" smtClean="0"/>
-              <a:t>‹#›</a:t>
+              <a:t>‹nr.›</a:t>
             </a:fld>
             <a:endParaRPr lang="nl-NL"/>
           </a:p>
@@ -6447,7 +6484,7 @@
           <a:p>
             <a:fld id="{D5EC4132-83FF-430E-8473-4C6C1D8D7455}" type="slidenum">
               <a:rPr lang="nl-NL" smtClean="0"/>
-              <a:t>‹#›</a:t>
+              <a:t>‹nr.›</a:t>
             </a:fld>
             <a:endParaRPr lang="nl-NL"/>
           </a:p>
@@ -6647,7 +6684,7 @@
           <a:p>
             <a:fld id="{D5EC4132-83FF-430E-8473-4C6C1D8D7455}" type="slidenum">
               <a:rPr lang="nl-NL" smtClean="0"/>
-              <a:t>‹#›</a:t>
+              <a:t>‹nr.›</a:t>
             </a:fld>
             <a:endParaRPr lang="nl-NL"/>
           </a:p>
@@ -6923,7 +6960,7 @@
           <a:p>
             <a:fld id="{D5EC4132-83FF-430E-8473-4C6C1D8D7455}" type="slidenum">
               <a:rPr lang="nl-NL" smtClean="0"/>
-              <a:t>‹#›</a:t>
+              <a:t>‹nr.›</a:t>
             </a:fld>
             <a:endParaRPr lang="nl-NL"/>
           </a:p>
@@ -7189,7 +7226,7 @@
           <a:p>
             <a:fld id="{D5EC4132-83FF-430E-8473-4C6C1D8D7455}" type="slidenum">
               <a:rPr lang="nl-NL" smtClean="0"/>
-              <a:t>‹#›</a:t>
+              <a:t>‹nr.›</a:t>
             </a:fld>
             <a:endParaRPr lang="nl-NL"/>
           </a:p>
@@ -7563,7 +7600,7 @@
           <a:p>
             <a:fld id="{D5EC4132-83FF-430E-8473-4C6C1D8D7455}" type="slidenum">
               <a:rPr lang="nl-NL" smtClean="0"/>
-              <a:t>‹#›</a:t>
+              <a:t>‹nr.›</a:t>
             </a:fld>
             <a:endParaRPr lang="nl-NL"/>
           </a:p>
@@ -7711,7 +7748,7 @@
           <a:p>
             <a:fld id="{D5EC4132-83FF-430E-8473-4C6C1D8D7455}" type="slidenum">
               <a:rPr lang="nl-NL" smtClean="0"/>
-              <a:t>‹#›</a:t>
+              <a:t>‹nr.›</a:t>
             </a:fld>
             <a:endParaRPr lang="nl-NL"/>
           </a:p>
@@ -7836,7 +7873,7 @@
           <a:p>
             <a:fld id="{D5EC4132-83FF-430E-8473-4C6C1D8D7455}" type="slidenum">
               <a:rPr lang="nl-NL" smtClean="0"/>
-              <a:t>‹#›</a:t>
+              <a:t>‹nr.›</a:t>
             </a:fld>
             <a:endParaRPr lang="nl-NL"/>
           </a:p>
@@ -8121,7 +8158,7 @@
           <a:p>
             <a:fld id="{D5EC4132-83FF-430E-8473-4C6C1D8D7455}" type="slidenum">
               <a:rPr lang="nl-NL" smtClean="0"/>
-              <a:t>‹#›</a:t>
+              <a:t>‹nr.›</a:t>
             </a:fld>
             <a:endParaRPr lang="nl-NL"/>
           </a:p>
@@ -8445,7 +8482,7 @@
           <a:p>
             <a:fld id="{D5EC4132-83FF-430E-8473-4C6C1D8D7455}" type="slidenum">
               <a:rPr lang="nl-NL" smtClean="0"/>
-              <a:t>‹#›</a:t>
+              <a:t>‹nr.›</a:t>
             </a:fld>
             <a:endParaRPr lang="nl-NL"/>
           </a:p>
@@ -8695,7 +8732,7 @@
           <a:p>
             <a:fld id="{D5EC4132-83FF-430E-8473-4C6C1D8D7455}" type="slidenum">
               <a:rPr lang="nl-NL" smtClean="0"/>
-              <a:t>‹#›</a:t>
+              <a:t>‹nr.›</a:t>
             </a:fld>
             <a:endParaRPr lang="nl-NL"/>
           </a:p>
@@ -9846,6 +9883,130 @@
           </a:p>
         </p:txBody>
       </p:sp>
+      <mc:AlternateContent xmlns:mc="http://schemas.openxmlformats.org/markup-compatibility/2006">
+        <mc:Choice xmlns:am3d="http://schemas.microsoft.com/office/drawing/2017/model3d" Requires="am3d">
+          <p:graphicFrame>
+            <p:nvGraphicFramePr>
+              <p:cNvPr id="4" name="3D-model 3">
+                <a:extLst>
+                  <a:ext uri="{FF2B5EF4-FFF2-40B4-BE49-F238E27FC236}">
+                    <a16:creationId xmlns:a16="http://schemas.microsoft.com/office/drawing/2014/main" id="{D3FD436B-84D2-562C-90F8-F3980E1E393D}"/>
+                  </a:ext>
+                </a:extLst>
+              </p:cNvPr>
+              <p:cNvGraphicFramePr>
+                <a:graphicFrameLocks noChangeAspect="1"/>
+              </p:cNvGraphicFramePr>
+              <p:nvPr>
+                <p:extLst>
+                  <p:ext uri="{D42A27DB-BD31-4B8C-83A1-F6EECF244321}">
+                    <p14:modId xmlns:p14="http://schemas.microsoft.com/office/powerpoint/2010/main" val="3380427729"/>
+                  </p:ext>
+                </p:extLst>
+              </p:nvPr>
+            </p:nvGraphicFramePr>
+            <p:xfrm>
+              <a:off x="5803389" y="480228"/>
+              <a:ext cx="4602725" cy="3411453"/>
+            </p:xfrm>
+            <a:graphic>
+              <a:graphicData uri="http://schemas.microsoft.com/office/drawing/2017/model3d">
+                <am3d:model3d r:embed="rId2">
+                  <am3d:spPr>
+                    <a:xfrm>
+                      <a:off x="0" y="0"/>
+                      <a:ext cx="4602725" cy="3411453"/>
+                    </a:xfrm>
+                    <a:prstGeom prst="rect">
+                      <a:avLst/>
+                    </a:prstGeom>
+                  </am3d:spPr>
+                  <am3d:camera>
+                    <am3d:pos x="0" y="0" z="67055967"/>
+                    <am3d:up dx="0" dy="36000000" dz="0"/>
+                    <am3d:lookAt x="0" y="0" z="0"/>
+                    <am3d:perspective fov="2700000"/>
+                  </am3d:camera>
+                  <am3d:trans>
+                    <am3d:meterPerModelUnit n="3333" d="1000000"/>
+                    <am3d:preTrans dx="-9720000" dy="-9600000" dz="-3240000"/>
+                    <am3d:scale>
+                      <am3d:sx n="1000000" d="1000000"/>
+                      <am3d:sy n="1000000" d="1000000"/>
+                      <am3d:sz n="1000000" d="1000000"/>
+                    </am3d:scale>
+                    <am3d:rot ax="-2992648" ay="75217" az="-89225"/>
+                    <am3d:postTrans dx="0" dy="0" dz="0"/>
+                  </am3d:trans>
+                  <am3d:raster rName="Office3DRenderer" rVer="16.0.8326">
+                    <am3d:blip r:embed="rId3"/>
+                  </am3d:raster>
+                  <am3d:objViewport viewportSz="5418660"/>
+                  <am3d:ambientLight>
+                    <am3d:clr>
+                      <a:scrgbClr r="50000" g="50000" b="50000"/>
+                    </am3d:clr>
+                    <am3d:illuminance n="500000" d="1000000"/>
+                  </am3d:ambientLight>
+                  <am3d:ptLight rad="0">
+                    <am3d:clr>
+                      <a:scrgbClr r="100000" g="75000" b="50000"/>
+                    </am3d:clr>
+                    <am3d:intensity n="9765625" d="1000000"/>
+                    <am3d:pos x="21959998" y="70920001" z="16344003"/>
+                  </am3d:ptLight>
+                  <am3d:ptLight rad="0">
+                    <am3d:clr>
+                      <a:scrgbClr r="40000" g="60000" b="95000"/>
+                    </am3d:clr>
+                    <am3d:intensity n="12250000" d="1000000"/>
+                    <am3d:pos x="-37964106" y="51130435" z="57631972"/>
+                  </am3d:ptLight>
+                  <am3d:ptLight rad="0">
+                    <am3d:clr>
+                      <a:scrgbClr r="86837" g="72700" b="100000"/>
+                    </am3d:clr>
+                    <am3d:intensity n="3125000" d="1000000"/>
+                    <am3d:pos x="-37739122" y="58056624" z="-34769649"/>
+                  </am3d:ptLight>
+                </am3d:model3d>
+              </a:graphicData>
+            </a:graphic>
+          </p:graphicFrame>
+        </mc:Choice>
+        <mc:Fallback>
+          <p:pic>
+            <p:nvPicPr>
+              <p:cNvPr id="4" name="3D-model 3">
+                <a:extLst>
+                  <a:ext uri="{FF2B5EF4-FFF2-40B4-BE49-F238E27FC236}">
+                    <a16:creationId xmlns:a16="http://schemas.microsoft.com/office/drawing/2014/main" id="{D3FD436B-84D2-562C-90F8-F3980E1E393D}"/>
+                  </a:ext>
+                </a:extLst>
+              </p:cNvPr>
+              <p:cNvPicPr>
+                <a:picLocks noGrp="1" noRot="1" noChangeAspect="1" noMove="1" noResize="1" noEditPoints="1" noAdjustHandles="1" noChangeArrowheads="1" noChangeShapeType="1" noCrop="1"/>
+              </p:cNvPicPr>
+              <p:nvPr/>
+            </p:nvPicPr>
+            <p:blipFill>
+              <a:blip r:embed="rId3"/>
+              <a:stretch>
+                <a:fillRect/>
+              </a:stretch>
+            </p:blipFill>
+            <p:spPr>
+              <a:xfrm>
+                <a:off x="5803389" y="480228"/>
+                <a:ext cx="4602725" cy="3411453"/>
+              </a:xfrm>
+              <a:prstGeom prst="rect">
+                <a:avLst/>
+              </a:prstGeom>
+            </p:spPr>
+          </p:pic>
+        </mc:Fallback>
+      </mc:AlternateContent>
     </p:spTree>
     <p:extLst>
       <p:ext uri="{BB962C8B-B14F-4D97-AF65-F5344CB8AC3E}">
@@ -9856,6 +10017,2378 @@
   <p:clrMapOvr>
     <a:masterClrMapping/>
   </p:clrMapOvr>
+  <p:timing>
+    <p:tnLst>
+      <p:par>
+        <p:cTn id="1" dur="indefinite" restart="never" nodeType="tmRoot">
+          <p:childTnLst>
+            <p:seq concurrent="1" nextAc="seek">
+              <p:cTn id="2" dur="indefinite" nodeType="mainSeq">
+                <p:childTnLst>
+                  <p:par>
+                    <p:cTn id="3" fill="hold">
+                      <p:stCondLst>
+                        <p:cond delay="indefinite"/>
+                      </p:stCondLst>
+                      <p:childTnLst>
+                        <p:par>
+                          <p:cTn id="4" fill="hold">
+                            <p:stCondLst>
+                              <p:cond delay="0"/>
+                            </p:stCondLst>
+                            <p:childTnLst>
+                              <p:par>
+                                <p:cTn id="5" presetID="39" presetClass="emph" presetSubtype="2" fill="hold" nodeType="clickEffect">
+                                  <p:stCondLst>
+                                    <p:cond delay="0"/>
+                                  </p:stCondLst>
+                                  <p:childTnLst>
+                                    <p:anim calcmode="lin" valueType="num">
+                                      <p:cBhvr additive="sum">
+                                        <p:cTn id="6" dur="2000" fill="hold"/>
+                                        <p:tgtEl>
+                                          <p:spTgt spid="4"/>
+                                        </p:tgtEl>
+                                        <p:attrNameLst>
+                                          <p:attrName>3d.object.rotation.y</p:attrName>
+                                        </p:attrNameLst>
+                                      </p:cBhvr>
+                                      <p:tavLst>
+                                        <p:tav tm="0">
+                                          <p:val>
+                                            <p:fltVal val="0"/>
+                                          </p:val>
+                                        </p:tav>
+                                        <p:tav tm="1120">
+                                          <p:val>
+                                            <p:fltVal val="-0.0012"/>
+                                          </p:val>
+                                        </p:tav>
+                                        <p:tav tm="2250">
+                                          <p:val>
+                                            <p:fltVal val="-0.0098"/>
+                                          </p:val>
+                                        </p:tav>
+                                        <p:tav tm="3370">
+                                          <p:val>
+                                            <p:fltVal val="-0.033"/>
+                                          </p:val>
+                                        </p:tav>
+                                        <p:tav tm="4490">
+                                          <p:val>
+                                            <p:fltVal val="-0.0789"/>
+                                          </p:val>
+                                        </p:tav>
+                                        <p:tav tm="5620">
+                                          <p:val>
+                                            <p:fltVal val="-0.1548"/>
+                                          </p:val>
+                                        </p:tav>
+                                        <p:tav tm="6740">
+                                          <p:val>
+                                            <p:fltVal val="-0.267"/>
+                                          </p:val>
+                                        </p:tav>
+                                        <p:tav tm="7870">
+                                          <p:val>
+                                            <p:fltVal val="-0.4235"/>
+                                          </p:val>
+                                        </p:tav>
+                                        <p:tav tm="8990">
+                                          <p:val>
+                                            <p:fltVal val="-0.6337"/>
+                                          </p:val>
+                                        </p:tav>
+                                        <p:tav tm="10110">
+                                          <p:val>
+                                            <p:fltVal val="-0.9013"/>
+                                          </p:val>
+                                        </p:tav>
+                                        <p:tav tm="11240">
+                                          <p:val>
+                                            <p:fltVal val="-1.2353"/>
+                                          </p:val>
+                                        </p:tav>
+                                        <p:tav tm="12360">
+                                          <p:val>
+                                            <p:fltVal val="-1.647"/>
+                                          </p:val>
+                                        </p:tav>
+                                        <p:tav tm="13480">
+                                          <p:val>
+                                            <p:fltVal val="-2.0869"/>
+                                          </p:val>
+                                        </p:tav>
+                                        <p:tav tm="14610">
+                                          <p:val>
+                                            <p:fltVal val="-2.4538"/>
+                                          </p:val>
+                                        </p:tav>
+                                        <p:tav tm="15730">
+                                          <p:val>
+                                            <p:fltVal val="-2.7534"/>
+                                          </p:val>
+                                        </p:tav>
+                                        <p:tav tm="16850">
+                                          <p:val>
+                                            <p:fltVal val="-2.9876"/>
+                                          </p:val>
+                                        </p:tav>
+                                        <p:tav tm="17980">
+                                          <p:val>
+                                            <p:fltVal val="-3.1669"/>
+                                          </p:val>
+                                        </p:tav>
+                                        <p:tav tm="19100">
+                                          <p:val>
+                                            <p:fltVal val="-3.2996"/>
+                                          </p:val>
+                                        </p:tav>
+                                        <p:tav tm="20220">
+                                          <p:val>
+                                            <p:fltVal val="-3.3906"/>
+                                          </p:val>
+                                        </p:tav>
+                                        <p:tav tm="21350">
+                                          <p:val>
+                                            <p:fltVal val="-3.4488"/>
+                                          </p:val>
+                                        </p:tav>
+                                        <p:tav tm="22470">
+                                          <p:val>
+                                            <p:fltVal val="-3.4815"/>
+                                          </p:val>
+                                        </p:tav>
+                                        <p:tav tm="23600">
+                                          <p:val>
+                                            <p:fltVal val="-3.4961"/>
+                                          </p:val>
+                                        </p:tav>
+                                        <p:tav tm="24720">
+                                          <p:val>
+                                            <p:fltVal val="-3.4998"/>
+                                          </p:val>
+                                        </p:tav>
+                                        <p:tav tm="25840">
+                                          <p:val>
+                                            <p:fltVal val="-3.0301"/>
+                                          </p:val>
+                                        </p:tav>
+                                        <p:tav tm="26970">
+                                          <p:val>
+                                            <p:fltVal val="-0.9661"/>
+                                          </p:val>
+                                        </p:tav>
+                                        <p:tav tm="28090">
+                                          <p:val>
+                                            <p:fltVal val="2.1525"/>
+                                          </p:val>
+                                        </p:tav>
+                                        <p:tav tm="29210">
+                                          <p:val>
+                                            <p:fltVal val="6.1215"/>
+                                          </p:val>
+                                        </p:tav>
+                                        <p:tav tm="30340">
+                                          <p:val>
+                                            <p:fltVal val="10.8322"/>
+                                          </p:val>
+                                        </p:tav>
+                                        <p:tav tm="31460">
+                                          <p:val>
+                                            <p:fltVal val="16.2132"/>
+                                          </p:val>
+                                        </p:tav>
+                                        <p:tav tm="32580">
+                                          <p:val>
+                                            <p:fltVal val="22.2128"/>
+                                          </p:val>
+                                        </p:tav>
+                                        <p:tav tm="33710">
+                                          <p:val>
+                                            <p:fltVal val="28.7297"/>
+                                          </p:val>
+                                        </p:tav>
+                                        <p:tav tm="34830">
+                                          <p:val>
+                                            <p:fltVal val="35.8493"/>
+                                          </p:val>
+                                        </p:tav>
+                                        <p:tav tm="35960">
+                                          <p:val>
+                                            <p:fltVal val="43.4888"/>
+                                          </p:val>
+                                        </p:tav>
+                                        <p:tav tm="37080">
+                                          <p:val>
+                                            <p:fltVal val="51.6257"/>
+                                          </p:val>
+                                        </p:tav>
+                                        <p:tav tm="38200">
+                                          <p:val>
+                                            <p:fltVal val="60.2402"/>
+                                          </p:val>
+                                        </p:tav>
+                                        <p:tav tm="39330">
+                                          <p:val>
+                                            <p:fltVal val="69.3155"/>
+                                          </p:val>
+                                        </p:tav>
+                                        <p:tav tm="40450">
+                                          <p:val>
+                                            <p:fltVal val="78.8364"/>
+                                          </p:val>
+                                        </p:tav>
+                                        <p:tav tm="41570">
+                                          <p:val>
+                                            <p:fltVal val="88.6987"/>
+                                          </p:val>
+                                        </p:tav>
+                                        <p:tav tm="42700">
+                                          <p:val>
+                                            <p:fltVal val="99.0679"/>
+                                          </p:val>
+                                        </p:tav>
+                                        <p:tav tm="43820">
+                                          <p:val>
+                                            <p:fltVal val="109.8461"/>
+                                          </p:val>
+                                        </p:tav>
+                                        <p:tav tm="44940">
+                                          <p:val>
+                                            <p:fltVal val="121.0232"/>
+                                          </p:val>
+                                        </p:tav>
+                                        <p:tav tm="46070">
+                                          <p:val>
+                                            <p:fltVal val="132.5899"/>
+                                          </p:val>
+                                        </p:tav>
+                                        <p:tav tm="47190">
+                                          <p:val>
+                                            <p:fltVal val="144.5376"/>
+                                          </p:val>
+                                        </p:tav>
+                                        <p:tav tm="48310">
+                                          <p:val>
+                                            <p:fltVal val="156.85851"/>
+                                          </p:val>
+                                        </p:tav>
+                                        <p:tav tm="49440">
+                                          <p:val>
+                                            <p:fltVal val="169.43021"/>
+                                          </p:val>
+                                        </p:tav>
+                                        <p:tav tm="50560">
+                                          <p:val>
+                                            <p:fltVal val="182.34309"/>
+                                          </p:val>
+                                        </p:tav>
+                                        <p:tav tm="51690">
+                                          <p:val>
+                                            <p:fltVal val="195.1411"/>
+                                          </p:val>
+                                        </p:tav>
+                                        <p:tav tm="52810">
+                                          <p:val>
+                                            <p:fltVal val="207.6945"/>
+                                          </p:val>
+                                        </p:tav>
+                                        <p:tav tm="53930">
+                                          <p:val>
+                                            <p:fltVal val="219.77251"/>
+                                          </p:val>
+                                        </p:tav>
+                                        <p:tav tm="55060">
+                                          <p:val>
+                                            <p:fltVal val="231.4814"/>
+                                          </p:val>
+                                        </p:tav>
+                                        <p:tav tm="56180">
+                                          <p:val>
+                                            <p:fltVal val="242.91341"/>
+                                          </p:val>
+                                        </p:tav>
+                                        <p:tav tm="57300">
+                                          <p:val>
+                                            <p:fltVal val="253.8558"/>
+                                          </p:val>
+                                        </p:tav>
+                                        <p:tav tm="58430">
+                                          <p:val>
+                                            <p:fltVal val="264.40329"/>
+                                          </p:val>
+                                        </p:tav>
+                                        <p:tav tm="59550">
+                                          <p:val>
+                                            <p:fltVal val="274.63501"/>
+                                          </p:val>
+                                        </p:tav>
+                                        <p:tav tm="60670">
+                                          <p:val>
+                                            <p:fltVal val="284.35721"/>
+                                          </p:val>
+                                        </p:tav>
+                                        <p:tav tm="61800">
+                                          <p:val>
+                                            <p:fltVal val="293.6507"/>
+                                          </p:val>
+                                        </p:tav>
+                                        <p:tav tm="62920">
+                                          <p:val>
+                                            <p:fltVal val="302.57959"/>
+                                          </p:val>
+                                        </p:tav>
+                                        <p:tav tm="64040">
+                                          <p:val>
+                                            <p:fltVal val="310.96921"/>
+                                          </p:val>
+                                        </p:tav>
+                                        <p:tav tm="65170">
+                                          <p:val>
+                                            <p:fltVal val="318.88379"/>
+                                          </p:val>
+                                        </p:tav>
+                                        <p:tav tm="66290">
+                                          <p:val>
+                                            <p:fltVal val="326.36801"/>
+                                          </p:val>
+                                        </p:tav>
+                                        <p:tav tm="67420">
+                                          <p:val>
+                                            <p:fltVal val="333.26511"/>
+                                          </p:val>
+                                        </p:tav>
+                                        <p:tav tm="68540">
+                                          <p:val>
+                                            <p:fltVal val="339.6712"/>
+                                          </p:val>
+                                        </p:tav>
+                                        <p:tav tm="69660">
+                                          <p:val>
+                                            <p:fltVal val="345.43851"/>
+                                          </p:val>
+                                        </p:tav>
+                                        <p:tav tm="70790">
+                                          <p:val>
+                                            <p:fltVal val="350.58469"/>
+                                          </p:val>
+                                        </p:tav>
+                                        <p:tav tm="71910">
+                                          <p:val>
+                                            <p:fltVal val="355.09189"/>
+                                          </p:val>
+                                        </p:tav>
+                                        <p:tav tm="73030">
+                                          <p:val>
+                                            <p:fltVal val="358.80179"/>
+                                          </p:val>
+                                        </p:tav>
+                                        <p:tav tm="74160">
+                                          <p:val>
+                                            <p:fltVal val="361.63531"/>
+                                          </p:val>
+                                        </p:tav>
+                                        <p:tav tm="75280">
+                                          <p:val>
+                                            <p:fltVal val="363.345"/>
+                                          </p:val>
+                                        </p:tav>
+                                        <p:tav tm="76400">
+                                          <p:val>
+                                            <p:fltVal val="363.4978"/>
+                                          </p:val>
+                                        </p:tav>
+                                        <p:tav tm="77530">
+                                          <p:val>
+                                            <p:fltVal val="363.47061"/>
+                                          </p:val>
+                                        </p:tav>
+                                        <p:tav tm="78650">
+                                          <p:val>
+                                            <p:fltVal val="363.38339"/>
+                                          </p:val>
+                                        </p:tav>
+                                        <p:tav tm="79780">
+                                          <p:val>
+                                            <p:fltVal val="363.20349"/>
+                                          </p:val>
+                                        </p:tav>
+                                        <p:tav tm="80900">
+                                          <p:val>
+                                            <p:fltVal val="362.8963"/>
+                                          </p:val>
+                                        </p:tav>
+                                        <p:tav tm="82020">
+                                          <p:val>
+                                            <p:fltVal val="362.4227"/>
+                                          </p:val>
+                                        </p:tav>
+                                        <p:tav tm="83150">
+                                          <p:val>
+                                            <p:fltVal val="361.7569"/>
+                                          </p:val>
+                                        </p:tav>
+                                        <p:tav tm="84270">
+                                          <p:val>
+                                            <p:fltVal val="361.0874"/>
+                                          </p:val>
+                                        </p:tav>
+                                        <p:tav tm="85390">
+                                          <p:val>
+                                            <p:fltVal val="360.6105"/>
+                                          </p:val>
+                                        </p:tav>
+                                        <p:tav tm="86520">
+                                          <p:val>
+                                            <p:fltVal val="360.30069"/>
+                                          </p:val>
+                                        </p:tav>
+                                        <p:tav tm="87640">
+                                          <p:val>
+                                            <p:fltVal val="360.1188"/>
+                                          </p:val>
+                                        </p:tav>
+                                        <p:tav tm="88760">
+                                          <p:val>
+                                            <p:fltVal val="360.03021"/>
+                                          </p:val>
+                                        </p:tav>
+                                        <p:tav tm="89890">
+                                          <p:val>
+                                            <p:fltVal val="360.00229"/>
+                                          </p:val>
+                                        </p:tav>
+                                        <p:tav tm="91010">
+                                          <p:val>
+                                            <p:fltVal val="360"/>
+                                          </p:val>
+                                        </p:tav>
+                                        <p:tav tm="92130">
+                                          <p:val>
+                                            <p:fltVal val="360"/>
+                                          </p:val>
+                                        </p:tav>
+                                        <p:tav tm="93260">
+                                          <p:val>
+                                            <p:fltVal val="360"/>
+                                          </p:val>
+                                        </p:tav>
+                                        <p:tav tm="94380">
+                                          <p:val>
+                                            <p:fltVal val="360"/>
+                                          </p:val>
+                                        </p:tav>
+                                        <p:tav tm="95510">
+                                          <p:val>
+                                            <p:fltVal val="360"/>
+                                          </p:val>
+                                        </p:tav>
+                                        <p:tav tm="96630">
+                                          <p:val>
+                                            <p:fltVal val="360"/>
+                                          </p:val>
+                                        </p:tav>
+                                        <p:tav tm="97750">
+                                          <p:val>
+                                            <p:fltVal val="360"/>
+                                          </p:val>
+                                        </p:tav>
+                                        <p:tav tm="98880">
+                                          <p:val>
+                                            <p:fltVal val="360"/>
+                                          </p:val>
+                                        </p:tav>
+                                        <p:tav tm="100000">
+                                          <p:val>
+                                            <p:fltVal val="360"/>
+                                          </p:val>
+                                        </p:tav>
+                                      </p:tavLst>
+                                    </p:anim>
+                                    <p:anim calcmode="lin" valueType="num">
+                                      <p:cBhvr additive="sum">
+                                        <p:cTn id="7" dur="2000" fill="hold"/>
+                                        <p:tgtEl>
+                                          <p:spTgt spid="4"/>
+                                        </p:tgtEl>
+                                        <p:attrNameLst>
+                                          <p:attrName>3d.object.translation.y</p:attrName>
+                                        </p:attrNameLst>
+                                      </p:cBhvr>
+                                      <p:tavLst>
+                                        <p:tav tm="0">
+                                          <p:val>
+                                            <p:fltVal val="0"/>
+                                          </p:val>
+                                        </p:tav>
+                                        <p:tav tm="1120">
+                                          <p:val>
+                                            <p:fltVal val="0"/>
+                                          </p:val>
+                                        </p:tav>
+                                        <p:tav tm="2250">
+                                          <p:val>
+                                            <p:fltVal val="-10E-5"/>
+                                          </p:val>
+                                        </p:tav>
+                                        <p:tav tm="3370">
+                                          <p:val>
+                                            <p:fltVal val="-0.0004"/>
+                                          </p:val>
+                                        </p:tav>
+                                        <p:tav tm="4490">
+                                          <p:val>
+                                            <p:fltVal val="-0.0011"/>
+                                          </p:val>
+                                        </p:tav>
+                                        <p:tav tm="5620">
+                                          <p:val>
+                                            <p:fltVal val="-0.0021"/>
+                                          </p:val>
+                                        </p:tav>
+                                        <p:tav tm="6740">
+                                          <p:val>
+                                            <p:fltVal val="-0.0037"/>
+                                          </p:val>
+                                        </p:tav>
+                                        <p:tav tm="7870">
+                                          <p:val>
+                                            <p:fltVal val="-0.0059"/>
+                                          </p:val>
+                                        </p:tav>
+                                        <p:tav tm="8990">
+                                          <p:val>
+                                            <p:fltVal val="-0.0088"/>
+                                          </p:val>
+                                        </p:tav>
+                                        <p:tav tm="10110">
+                                          <p:val>
+                                            <p:fltVal val="-0.0125"/>
+                                          </p:val>
+                                        </p:tav>
+                                        <p:tav tm="11240">
+                                          <p:val>
+                                            <p:fltVal val="-0.0162"/>
+                                          </p:val>
+                                        </p:tav>
+                                        <p:tav tm="12360">
+                                          <p:val>
+                                            <p:fltVal val="-0.0191"/>
+                                          </p:val>
+                                        </p:tav>
+                                        <p:tav tm="13480">
+                                          <p:val>
+                                            <p:fltVal val="-0.0213"/>
+                                          </p:val>
+                                        </p:tav>
+                                        <p:tav tm="14610">
+                                          <p:val>
+                                            <p:fltVal val="-0.0228"/>
+                                          </p:val>
+                                        </p:tav>
+                                        <p:tav tm="15730">
+                                          <p:val>
+                                            <p:fltVal val="-0.0239"/>
+                                          </p:val>
+                                        </p:tav>
+                                        <p:tav tm="16850">
+                                          <p:val>
+                                            <p:fltVal val="-0.0245"/>
+                                          </p:val>
+                                        </p:tav>
+                                        <p:tav tm="17980">
+                                          <p:val>
+                                            <p:fltVal val="-0.0248"/>
+                                          </p:val>
+                                        </p:tav>
+                                        <p:tav tm="19100">
+                                          <p:val>
+                                            <p:fltVal val="-0.0249"/>
+                                          </p:val>
+                                        </p:tav>
+                                        <p:tav tm="20220">
+                                          <p:val>
+                                            <p:fltVal val="-0.0249"/>
+                                          </p:val>
+                                        </p:tav>
+                                        <p:tav tm="21350">
+                                          <p:val>
+                                            <p:fltVal val="-0.0248"/>
+                                          </p:val>
+                                        </p:tav>
+                                        <p:tav tm="22470">
+                                          <p:val>
+                                            <p:fltVal val="-0.0241"/>
+                                          </p:val>
+                                        </p:tav>
+                                        <p:tav tm="23600">
+                                          <p:val>
+                                            <p:fltVal val="-0.022"/>
+                                          </p:val>
+                                        </p:tav>
+                                        <p:tav tm="24720">
+                                          <p:val>
+                                            <p:fltVal val="-0.0179"/>
+                                          </p:val>
+                                        </p:tav>
+                                        <p:tav tm="25840">
+                                          <p:val>
+                                            <p:fltVal val="-0.0113"/>
+                                          </p:val>
+                                        </p:tav>
+                                        <p:tav tm="26970">
+                                          <p:val>
+                                            <p:fltVal val="-0.0013"/>
+                                          </p:val>
+                                        </p:tav>
+                                        <p:tav tm="28090">
+                                          <p:val>
+                                            <p:fltVal val="0.0124"/>
+                                          </p:val>
+                                        </p:tav>
+                                        <p:tav tm="29210">
+                                          <p:val>
+                                            <p:fltVal val="0.0309"/>
+                                          </p:val>
+                                        </p:tav>
+                                        <p:tav tm="30340">
+                                          <p:val>
+                                            <p:fltVal val="0.0546"/>
+                                          </p:val>
+                                        </p:tav>
+                                        <p:tav tm="31460">
+                                          <p:val>
+                                            <p:fltVal val="0.0842"/>
+                                          </p:val>
+                                        </p:tav>
+                                        <p:tav tm="32580">
+                                          <p:val>
+                                            <p:fltVal val="0.1204"/>
+                                          </p:val>
+                                        </p:tav>
+                                        <p:tav tm="33710">
+                                          <p:val>
+                                            <p:fltVal val="0.1634"/>
+                                          </p:val>
+                                        </p:tav>
+                                        <p:tav tm="34830">
+                                          <p:val>
+                                            <p:fltVal val="0.2145"/>
+                                          </p:val>
+                                        </p:tav>
+                                        <p:tav tm="35960">
+                                          <p:val>
+                                            <p:fltVal val="0.2711"/>
+                                          </p:val>
+                                        </p:tav>
+                                        <p:tav tm="37080">
+                                          <p:val>
+                                            <p:fltVal val="0.3207"/>
+                                          </p:val>
+                                        </p:tav>
+                                        <p:tav tm="38200">
+                                          <p:val>
+                                            <p:fltVal val="0.3625"/>
+                                          </p:val>
+                                        </p:tav>
+                                        <p:tav tm="39330">
+                                          <p:val>
+                                            <p:fltVal val="0.3973"/>
+                                          </p:val>
+                                        </p:tav>
+                                        <p:tav tm="40450">
+                                          <p:val>
+                                            <p:fltVal val="0.4256"/>
+                                          </p:val>
+                                        </p:tav>
+                                        <p:tav tm="41570">
+                                          <p:val>
+                                            <p:fltVal val="0.448"/>
+                                          </p:val>
+                                        </p:tav>
+                                        <p:tav tm="42700">
+                                          <p:val>
+                                            <p:fltVal val="0.4655"/>
+                                          </p:val>
+                                        </p:tav>
+                                        <p:tav tm="43820">
+                                          <p:val>
+                                            <p:fltVal val="0.4786"/>
+                                          </p:val>
+                                        </p:tav>
+                                        <p:tav tm="44940">
+                                          <p:val>
+                                            <p:fltVal val="0.4878"/>
+                                          </p:val>
+                                        </p:tav>
+                                        <p:tav tm="46070">
+                                          <p:val>
+                                            <p:fltVal val="0.4939"/>
+                                          </p:val>
+                                        </p:tav>
+                                        <p:tav tm="47190">
+                                          <p:val>
+                                            <p:fltVal val="0.4975"/>
+                                          </p:val>
+                                        </p:tav>
+                                        <p:tav tm="48310">
+                                          <p:val>
+                                            <p:fltVal val="0.4993"/>
+                                          </p:val>
+                                        </p:tav>
+                                        <p:tav tm="49440">
+                                          <p:val>
+                                            <p:fltVal val="0.4999"/>
+                                          </p:val>
+                                        </p:tav>
+                                        <p:tav tm="50560">
+                                          <p:val>
+                                            <p:fltVal val="0.4999"/>
+                                          </p:val>
+                                        </p:tav>
+                                        <p:tav tm="51690">
+                                          <p:val>
+                                            <p:fltVal val="0.4998"/>
+                                          </p:val>
+                                        </p:tav>
+                                        <p:tav tm="52810">
+                                          <p:val>
+                                            <p:fltVal val="0.4988"/>
+                                          </p:val>
+                                        </p:tav>
+                                        <p:tav tm="53930">
+                                          <p:val>
+                                            <p:fltVal val="0.4965"/>
+                                          </p:val>
+                                        </p:tav>
+                                        <p:tav tm="55060">
+                                          <p:val>
+                                            <p:fltVal val="0.4921"/>
+                                          </p:val>
+                                        </p:tav>
+                                        <p:tav tm="56180">
+                                          <p:val>
+                                            <p:fltVal val="0.485"/>
+                                          </p:val>
+                                        </p:tav>
+                                        <p:tav tm="57300">
+                                          <p:val>
+                                            <p:fltVal val="0.4746"/>
+                                          </p:val>
+                                        </p:tav>
+                                        <p:tav tm="58430">
+                                          <p:val>
+                                            <p:fltVal val="0.4603"/>
+                                          </p:val>
+                                        </p:tav>
+                                        <p:tav tm="59550">
+                                          <p:val>
+                                            <p:fltVal val="0.4411"/>
+                                          </p:val>
+                                        </p:tav>
+                                        <p:tav tm="60670">
+                                          <p:val>
+                                            <p:fltVal val="0.4169"/>
+                                          </p:val>
+                                        </p:tav>
+                                        <p:tav tm="61800">
+                                          <p:val>
+                                            <p:fltVal val="0.3868"/>
+                                          </p:val>
+                                        </p:tav>
+                                        <p:tav tm="62920">
+                                          <p:val>
+                                            <p:fltVal val="0.3499"/>
+                                          </p:val>
+                                        </p:tav>
+                                        <p:tav tm="64040">
+                                          <p:val>
+                                            <p:fltVal val="0.306"/>
+                                          </p:val>
+                                        </p:tav>
+                                        <p:tav tm="65170">
+                                          <p:val>
+                                            <p:fltVal val="0.2544"/>
+                                          </p:val>
+                                        </p:tav>
+                                        <p:tav tm="66290">
+                                          <p:val>
+                                            <p:fltVal val="0.1981"/>
+                                          </p:val>
+                                        </p:tav>
+                                        <p:tav tm="67420">
+                                          <p:val>
+                                            <p:fltVal val="0.1498"/>
+                                          </p:val>
+                                        </p:tav>
+                                        <p:tav tm="68540">
+                                          <p:val>
+                                            <p:fltVal val="0.1087"/>
+                                          </p:val>
+                                        </p:tav>
+                                        <p:tav tm="69660">
+                                          <p:val>
+                                            <p:fltVal val="0.0748"/>
+                                          </p:val>
+                                        </p:tav>
+                                        <p:tav tm="70790">
+                                          <p:val>
+                                            <p:fltVal val="0.0473"/>
+                                          </p:val>
+                                        </p:tav>
+                                        <p:tav tm="71910">
+                                          <p:val>
+                                            <p:fltVal val="0.0251"/>
+                                          </p:val>
+                                        </p:tav>
+                                        <p:tav tm="73030">
+                                          <p:val>
+                                            <p:fltVal val="0.0082"/>
+                                          </p:val>
+                                        </p:tav>
+                                        <p:tav tm="74160">
+                                          <p:val>
+                                            <p:fltVal val="-0.0044"/>
+                                          </p:val>
+                                        </p:tav>
+                                        <p:tav tm="75280">
+                                          <p:val>
+                                            <p:fltVal val="-0.0134"/>
+                                          </p:val>
+                                        </p:tav>
+                                        <p:tav tm="76400">
+                                          <p:val>
+                                            <p:fltVal val="-0.0192"/>
+                                          </p:val>
+                                        </p:tav>
+                                        <p:tav tm="77530">
+                                          <p:val>
+                                            <p:fltVal val="-0.0227"/>
+                                          </p:val>
+                                        </p:tav>
+                                        <p:tav tm="78650">
+                                          <p:val>
+                                            <p:fltVal val="-0.0244"/>
+                                          </p:val>
+                                        </p:tav>
+                                        <p:tav tm="79780">
+                                          <p:val>
+                                            <p:fltVal val="-0.0249"/>
+                                          </p:val>
+                                        </p:tav>
+                                        <p:tav tm="80900">
+                                          <p:val>
+                                            <p:fltVal val="-0.0249"/>
+                                          </p:val>
+                                        </p:tav>
+                                        <p:tav tm="82020">
+                                          <p:val>
+                                            <p:fltVal val="-0.0244"/>
+                                          </p:val>
+                                        </p:tav>
+                                        <p:tav tm="83150">
+                                          <p:val>
+                                            <p:fltVal val="-0.0219"/>
+                                          </p:val>
+                                        </p:tav>
+                                        <p:tav tm="84270">
+                                          <p:val>
+                                            <p:fltVal val="-0.0156"/>
+                                          </p:val>
+                                        </p:tav>
+                                        <p:tav tm="85390">
+                                          <p:val>
+                                            <p:fltVal val="-0.0039"/>
+                                          </p:val>
+                                        </p:tav>
+                                        <p:tav tm="86520">
+                                          <p:val>
+                                            <p:fltVal val="0.0104"/>
+                                          </p:val>
+                                        </p:tav>
+                                        <p:tav tm="87640">
+                                          <p:val>
+                                            <p:fltVal val="0.0192"/>
+                                          </p:val>
+                                        </p:tav>
+                                        <p:tav tm="88760">
+                                          <p:val>
+                                            <p:fltVal val="0.0235"/>
+                                          </p:val>
+                                        </p:tav>
+                                        <p:tav tm="89890">
+                                          <p:val>
+                                            <p:fltVal val="0.0248"/>
+                                          </p:val>
+                                        </p:tav>
+                                        <p:tav tm="91010">
+                                          <p:val>
+                                            <p:fltVal val="0.0249"/>
+                                          </p:val>
+                                        </p:tav>
+                                        <p:tav tm="92130">
+                                          <p:val>
+                                            <p:fltVal val="0.0247"/>
+                                          </p:val>
+                                        </p:tav>
+                                        <p:tav tm="93260">
+                                          <p:val>
+                                            <p:fltVal val="0.0234"/>
+                                          </p:val>
+                                        </p:tav>
+                                        <p:tav tm="94380">
+                                          <p:val>
+                                            <p:fltVal val="0.0202"/>
+                                          </p:val>
+                                        </p:tav>
+                                        <p:tav tm="95510">
+                                          <p:val>
+                                            <p:fltVal val="0.0143"/>
+                                          </p:val>
+                                        </p:tav>
+                                        <p:tav tm="96630">
+                                          <p:val>
+                                            <p:fltVal val="0.0071"/>
+                                          </p:val>
+                                        </p:tav>
+                                        <p:tav tm="97750">
+                                          <p:val>
+                                            <p:fltVal val="0.0027"/>
+                                          </p:val>
+                                        </p:tav>
+                                        <p:tav tm="98880">
+                                          <p:val>
+                                            <p:fltVal val="0.0007"/>
+                                          </p:val>
+                                        </p:tav>
+                                        <p:tav tm="100000">
+                                          <p:val>
+                                            <p:fltVal val="0"/>
+                                          </p:val>
+                                        </p:tav>
+                                      </p:tavLst>
+                                    </p:anim>
+                                    <p:anim calcmode="lin" valueType="num">
+                                      <p:cBhvr additive="mult">
+                                        <p:cTn id="8" dur="2000" fill="hold"/>
+                                        <p:tgtEl>
+                                          <p:spTgt spid="4"/>
+                                        </p:tgtEl>
+                                        <p:attrNameLst>
+                                          <p:attrName>3d.object.scale.x</p:attrName>
+                                        </p:attrNameLst>
+                                      </p:cBhvr>
+                                      <p:tavLst>
+                                        <p:tav tm="0">
+                                          <p:val>
+                                            <p:fltVal val="1"/>
+                                          </p:val>
+                                        </p:tav>
+                                        <p:tav tm="1120">
+                                          <p:val>
+                                            <p:fltVal val="1"/>
+                                          </p:val>
+                                        </p:tav>
+                                        <p:tav tm="2250">
+                                          <p:val>
+                                            <p:fltVal val="1.0002"/>
+                                          </p:val>
+                                        </p:tav>
+                                        <p:tav tm="3370">
+                                          <p:val>
+                                            <p:fltVal val="1.0009"/>
+                                          </p:val>
+                                        </p:tav>
+                                        <p:tav tm="4490">
+                                          <p:val>
+                                            <p:fltVal val="1.0023"/>
+                                          </p:val>
+                                        </p:tav>
+                                        <p:tav tm="5620">
+                                          <p:val>
+                                            <p:fltVal val="1.0046"/>
+                                          </p:val>
+                                        </p:tav>
+                                        <p:tav tm="6740">
+                                          <p:val>
+                                            <p:fltVal val="1.008"/>
+                                          </p:val>
+                                        </p:tav>
+                                        <p:tav tm="7870">
+                                          <p:val>
+                                            <p:fltVal val="1.0127"/>
+                                          </p:val>
+                                        </p:tav>
+                                        <p:tav tm="8990">
+                                          <p:val>
+                                            <p:fltVal val="1.019"/>
+                                          </p:val>
+                                        </p:tav>
+                                        <p:tav tm="10110">
+                                          <p:val>
+                                            <p:fltVal val="1.0271"/>
+                                          </p:val>
+                                        </p:tav>
+                                        <p:tav tm="11240">
+                                          <p:val>
+                                            <p:fltVal val="1.0351"/>
+                                          </p:val>
+                                        </p:tav>
+                                        <p:tav tm="12360">
+                                          <p:val>
+                                            <p:fltVal val="1.0414"/>
+                                          </p:val>
+                                        </p:tav>
+                                        <p:tav tm="13480">
+                                          <p:val>
+                                            <p:fltVal val="1.046"/>
+                                          </p:val>
+                                        </p:tav>
+                                        <p:tav tm="14610">
+                                          <p:val>
+                                            <p:fltVal val="1.0494"/>
+                                          </p:val>
+                                        </p:tav>
+                                        <p:tav tm="15730">
+                                          <p:val>
+                                            <p:fltVal val="1.0516"/>
+                                          </p:val>
+                                        </p:tav>
+                                        <p:tav tm="16850">
+                                          <p:val>
+                                            <p:fltVal val="1.053"/>
+                                          </p:val>
+                                        </p:tav>
+                                        <p:tav tm="17980">
+                                          <p:val>
+                                            <p:fltVal val="1.0537"/>
+                                          </p:val>
+                                        </p:tav>
+                                        <p:tav tm="19100">
+                                          <p:val>
+                                            <p:fltVal val="1.0539"/>
+                                          </p:val>
+                                        </p:tav>
+                                        <p:tav tm="20220">
+                                          <p:val>
+                                            <p:fltVal val="1.054"/>
+                                          </p:val>
+                                        </p:tav>
+                                        <p:tav tm="21350">
+                                          <p:val>
+                                            <p:fltVal val="1.0536"/>
+                                          </p:val>
+                                        </p:tav>
+                                        <p:tav tm="22470">
+                                          <p:val>
+                                            <p:fltVal val="1.0515"/>
+                                          </p:val>
+                                        </p:tav>
+                                        <p:tav tm="23600">
+                                          <p:val>
+                                            <p:fltVal val="1.0457"/>
+                                          </p:val>
+                                        </p:tav>
+                                        <p:tav tm="24720">
+                                          <p:val>
+                                            <p:fltVal val="1.0344"/>
+                                          </p:val>
+                                        </p:tav>
+                                        <p:tav tm="25840">
+                                          <p:val>
+                                            <p:fltVal val="1.0183"/>
+                                          </p:val>
+                                        </p:tav>
+                                        <p:tav tm="26970">
+                                          <p:val>
+                                            <p:fltVal val="1.0076"/>
+                                          </p:val>
+                                        </p:tav>
+                                        <p:tav tm="28090">
+                                          <p:val>
+                                            <p:fltVal val="1.0021"/>
+                                          </p:val>
+                                        </p:tav>
+                                        <p:tav tm="29210">
+                                          <p:val>
+                                            <p:fltVal val="1.0002"/>
+                                          </p:val>
+                                        </p:tav>
+                                        <p:tav tm="30340">
+                                          <p:val>
+                                            <p:fltVal val="1"/>
+                                          </p:val>
+                                        </p:tav>
+                                        <p:tav tm="31460">
+                                          <p:val>
+                                            <p:fltVal val="1"/>
+                                          </p:val>
+                                        </p:tav>
+                                        <p:tav tm="32580">
+                                          <p:val>
+                                            <p:fltVal val="1"/>
+                                          </p:val>
+                                        </p:tav>
+                                        <p:tav tm="33710">
+                                          <p:val>
+                                            <p:fltVal val="1"/>
+                                          </p:val>
+                                        </p:tav>
+                                        <p:tav tm="34830">
+                                          <p:val>
+                                            <p:fltVal val="1"/>
+                                          </p:val>
+                                        </p:tav>
+                                        <p:tav tm="35960">
+                                          <p:val>
+                                            <p:fltVal val="1"/>
+                                          </p:val>
+                                        </p:tav>
+                                        <p:tav tm="37080">
+                                          <p:val>
+                                            <p:fltVal val="1"/>
+                                          </p:val>
+                                        </p:tav>
+                                        <p:tav tm="38200">
+                                          <p:val>
+                                            <p:fltVal val="1"/>
+                                          </p:val>
+                                        </p:tav>
+                                        <p:tav tm="39330">
+                                          <p:val>
+                                            <p:fltVal val="1"/>
+                                          </p:val>
+                                        </p:tav>
+                                        <p:tav tm="40450">
+                                          <p:val>
+                                            <p:fltVal val="1"/>
+                                          </p:val>
+                                        </p:tav>
+                                        <p:tav tm="41570">
+                                          <p:val>
+                                            <p:fltVal val="1"/>
+                                          </p:val>
+                                        </p:tav>
+                                        <p:tav tm="42700">
+                                          <p:val>
+                                            <p:fltVal val="1"/>
+                                          </p:val>
+                                        </p:tav>
+                                        <p:tav tm="43820">
+                                          <p:val>
+                                            <p:fltVal val="1"/>
+                                          </p:val>
+                                        </p:tav>
+                                        <p:tav tm="44940">
+                                          <p:val>
+                                            <p:fltVal val="1"/>
+                                          </p:val>
+                                        </p:tav>
+                                        <p:tav tm="46070">
+                                          <p:val>
+                                            <p:fltVal val="1"/>
+                                          </p:val>
+                                        </p:tav>
+                                        <p:tav tm="47190">
+                                          <p:val>
+                                            <p:fltVal val="1"/>
+                                          </p:val>
+                                        </p:tav>
+                                        <p:tav tm="48310">
+                                          <p:val>
+                                            <p:fltVal val="1"/>
+                                          </p:val>
+                                        </p:tav>
+                                        <p:tav tm="49440">
+                                          <p:val>
+                                            <p:fltVal val="1"/>
+                                          </p:val>
+                                        </p:tav>
+                                        <p:tav tm="50560">
+                                          <p:val>
+                                            <p:fltVal val="1"/>
+                                          </p:val>
+                                        </p:tav>
+                                        <p:tav tm="51690">
+                                          <p:val>
+                                            <p:fltVal val="1"/>
+                                          </p:val>
+                                        </p:tav>
+                                        <p:tav tm="52810">
+                                          <p:val>
+                                            <p:fltVal val="1"/>
+                                          </p:val>
+                                        </p:tav>
+                                        <p:tav tm="53930">
+                                          <p:val>
+                                            <p:fltVal val="1"/>
+                                          </p:val>
+                                        </p:tav>
+                                        <p:tav tm="55060">
+                                          <p:val>
+                                            <p:fltVal val="1"/>
+                                          </p:val>
+                                        </p:tav>
+                                        <p:tav tm="56180">
+                                          <p:val>
+                                            <p:fltVal val="1"/>
+                                          </p:val>
+                                        </p:tav>
+                                        <p:tav tm="57300">
+                                          <p:val>
+                                            <p:fltVal val="1"/>
+                                          </p:val>
+                                        </p:tav>
+                                        <p:tav tm="58430">
+                                          <p:val>
+                                            <p:fltVal val="1"/>
+                                          </p:val>
+                                        </p:tav>
+                                        <p:tav tm="59550">
+                                          <p:val>
+                                            <p:fltVal val="1"/>
+                                          </p:val>
+                                        </p:tav>
+                                        <p:tav tm="60670">
+                                          <p:val>
+                                            <p:fltVal val="1"/>
+                                          </p:val>
+                                        </p:tav>
+                                        <p:tav tm="61800">
+                                          <p:val>
+                                            <p:fltVal val="1"/>
+                                          </p:val>
+                                        </p:tav>
+                                        <p:tav tm="62920">
+                                          <p:val>
+                                            <p:fltVal val="1"/>
+                                          </p:val>
+                                        </p:tav>
+                                        <p:tav tm="64040">
+                                          <p:val>
+                                            <p:fltVal val="1"/>
+                                          </p:val>
+                                        </p:tav>
+                                        <p:tav tm="65170">
+                                          <p:val>
+                                            <p:fltVal val="1"/>
+                                          </p:val>
+                                        </p:tav>
+                                        <p:tav tm="66290">
+                                          <p:val>
+                                            <p:fltVal val="1"/>
+                                          </p:val>
+                                        </p:tav>
+                                        <p:tav tm="67420">
+                                          <p:val>
+                                            <p:fltVal val="1"/>
+                                          </p:val>
+                                        </p:tav>
+                                        <p:tav tm="68540">
+                                          <p:val>
+                                            <p:fltVal val="1.0006"/>
+                                          </p:val>
+                                        </p:tav>
+                                        <p:tav tm="69660">
+                                          <p:val>
+                                            <p:fltVal val="1.0024"/>
+                                          </p:val>
+                                        </p:tav>
+                                        <p:tav tm="70790">
+                                          <p:val>
+                                            <p:fltVal val="1.006"/>
+                                          </p:val>
+                                        </p:tav>
+                                        <p:tav tm="71910">
+                                          <p:val>
+                                            <p:fltVal val="1.0121"/>
+                                          </p:val>
+                                        </p:tav>
+                                        <p:tav tm="73030">
+                                          <p:val>
+                                            <p:fltVal val="1.0213"/>
+                                          </p:val>
+                                        </p:tav>
+                                        <p:tav tm="74160">
+                                          <p:val>
+                                            <p:fltVal val="1.0331"/>
+                                          </p:val>
+                                        </p:tav>
+                                        <p:tav tm="75280">
+                                          <p:val>
+                                            <p:fltVal val="1.0422"/>
+                                          </p:val>
+                                        </p:tav>
+                                        <p:tav tm="76400">
+                                          <p:val>
+                                            <p:fltVal val="1.0482"/>
+                                          </p:val>
+                                        </p:tav>
+                                        <p:tav tm="77530">
+                                          <p:val>
+                                            <p:fltVal val="1.0516"/>
+                                          </p:val>
+                                        </p:tav>
+                                        <p:tav tm="78650">
+                                          <p:val>
+                                            <p:fltVal val="1.0534"/>
+                                          </p:val>
+                                        </p:tav>
+                                        <p:tav tm="79780">
+                                          <p:val>
+                                            <p:fltVal val="1.0539"/>
+                                          </p:val>
+                                        </p:tav>
+                                        <p:tav tm="80900">
+                                          <p:val>
+                                            <p:fltVal val="1.0539"/>
+                                          </p:val>
+                                        </p:tav>
+                                        <p:tav tm="82020">
+                                          <p:val>
+                                            <p:fltVal val="1.0534"/>
+                                          </p:val>
+                                        </p:tav>
+                                        <p:tav tm="83150">
+                                          <p:val>
+                                            <p:fltVal val="1.0506"/>
+                                          </p:val>
+                                        </p:tav>
+                                        <p:tav tm="84270">
+                                          <p:val>
+                                            <p:fltVal val="1.0439"/>
+                                          </p:val>
+                                        </p:tav>
+                                        <p:tav tm="85390">
+                                          <p:val>
+                                            <p:fltVal val="1.0312"/>
+                                          </p:val>
+                                        </p:tav>
+                                        <p:tav tm="86520">
+                                          <p:val>
+                                            <p:fltVal val="1.0156"/>
+                                          </p:val>
+                                        </p:tav>
+                                        <p:tav tm="87640">
+                                          <p:val>
+                                            <p:fltVal val="1.0061"/>
+                                          </p:val>
+                                        </p:tav>
+                                        <p:tav tm="88760">
+                                          <p:val>
+                                            <p:fltVal val="1.0015"/>
+                                          </p:val>
+                                        </p:tav>
+                                        <p:tav tm="89890">
+                                          <p:val>
+                                            <p:fltVal val="1.0001"/>
+                                          </p:val>
+                                        </p:tav>
+                                        <p:tav tm="91010">
+                                          <p:val>
+                                            <p:fltVal val="1"/>
+                                          </p:val>
+                                        </p:tav>
+                                        <p:tav tm="92130">
+                                          <p:val>
+                                            <p:fltVal val="1"/>
+                                          </p:val>
+                                        </p:tav>
+                                        <p:tav tm="93260">
+                                          <p:val>
+                                            <p:fltVal val="1"/>
+                                          </p:val>
+                                        </p:tav>
+                                        <p:tav tm="94380">
+                                          <p:val>
+                                            <p:fltVal val="1"/>
+                                          </p:val>
+                                        </p:tav>
+                                        <p:tav tm="95510">
+                                          <p:val>
+                                            <p:fltVal val="1"/>
+                                          </p:val>
+                                        </p:tav>
+                                        <p:tav tm="96630">
+                                          <p:val>
+                                            <p:fltVal val="1"/>
+                                          </p:val>
+                                        </p:tav>
+                                        <p:tav tm="97750">
+                                          <p:val>
+                                            <p:fltVal val="1"/>
+                                          </p:val>
+                                        </p:tav>
+                                        <p:tav tm="98880">
+                                          <p:val>
+                                            <p:fltVal val="1"/>
+                                          </p:val>
+                                        </p:tav>
+                                        <p:tav tm="100000">
+                                          <p:val>
+                                            <p:fltVal val="1"/>
+                                          </p:val>
+                                        </p:tav>
+                                      </p:tavLst>
+                                    </p:anim>
+                                    <p:anim calcmode="lin" valueType="num">
+                                      <p:cBhvr additive="mult">
+                                        <p:cTn id="9" dur="2000" fill="hold"/>
+                                        <p:tgtEl>
+                                          <p:spTgt spid="4"/>
+                                        </p:tgtEl>
+                                        <p:attrNameLst>
+                                          <p:attrName>3d.object.scale.y</p:attrName>
+                                        </p:attrNameLst>
+                                      </p:cBhvr>
+                                      <p:tavLst>
+                                        <p:tav tm="0">
+                                          <p:val>
+                                            <p:fltVal val="1"/>
+                                          </p:val>
+                                        </p:tav>
+                                        <p:tav tm="1120">
+                                          <p:val>
+                                            <p:fltVal val="0.9999"/>
+                                          </p:val>
+                                        </p:tav>
+                                        <p:tav tm="2250">
+                                          <p:val>
+                                            <p:fltVal val="0.9994"/>
+                                          </p:val>
+                                        </p:tav>
+                                        <p:tav tm="3370">
+                                          <p:val>
+                                            <p:fltVal val="0.9981"/>
+                                          </p:val>
+                                        </p:tav>
+                                        <p:tav tm="4490">
+                                          <p:val>
+                                            <p:fltVal val="0.9955"/>
+                                          </p:val>
+                                        </p:tav>
+                                        <p:tav tm="5620">
+                                          <p:val>
+                                            <p:fltVal val="0.9913"/>
+                                          </p:val>
+                                        </p:tav>
+                                        <p:tav tm="6740">
+                                          <p:val>
+                                            <p:fltVal val="0.985"/>
+                                          </p:val>
+                                        </p:tav>
+                                        <p:tav tm="7870">
+                                          <p:val>
+                                            <p:fltVal val="0.9763"/>
+                                          </p:val>
+                                        </p:tav>
+                                        <p:tav tm="8990">
+                                          <p:val>
+                                            <p:fltVal val="0.9646"/>
+                                          </p:val>
+                                        </p:tav>
+                                        <p:tav tm="10110">
+                                          <p:val>
+                                            <p:fltVal val="0.9497"/>
+                                          </p:val>
+                                        </p:tav>
+                                        <p:tav tm="11240">
+                                          <p:val>
+                                            <p:fltVal val="0.9348"/>
+                                          </p:val>
+                                        </p:tav>
+                                        <p:tav tm="12360">
+                                          <p:val>
+                                            <p:fltVal val="0.9232"/>
+                                          </p:val>
+                                        </p:tav>
+                                        <p:tav tm="13480">
+                                          <p:val>
+                                            <p:fltVal val="0.9146"/>
+                                          </p:val>
+                                        </p:tav>
+                                        <p:tav tm="14610">
+                                          <p:val>
+                                            <p:fltVal val="0.9084"/>
+                                          </p:val>
+                                        </p:tav>
+                                        <p:tav tm="15730">
+                                          <p:val>
+                                            <p:fltVal val="0.9042"/>
+                                          </p:val>
+                                        </p:tav>
+                                        <p:tav tm="16850">
+                                          <p:val>
+                                            <p:fltVal val="0.9017"/>
+                                          </p:val>
+                                        </p:tav>
+                                        <p:tav tm="17980">
+                                          <p:val>
+                                            <p:fltVal val="0.9005"/>
+                                          </p:val>
+                                        </p:tav>
+                                        <p:tav tm="19100">
+                                          <p:val>
+                                            <p:fltVal val="0.9"/>
+                                          </p:val>
+                                        </p:tav>
+                                        <p:tav tm="20220">
+                                          <p:val>
+                                            <p:fltVal val="0.8999"/>
+                                          </p:val>
+                                        </p:tav>
+                                        <p:tav tm="21350">
+                                          <p:val>
+                                            <p:fltVal val="0.9006"/>
+                                          </p:val>
+                                        </p:tav>
+                                        <p:tav tm="22470">
+                                          <p:val>
+                                            <p:fltVal val="0.9046"/>
+                                          </p:val>
+                                        </p:tav>
+                                        <p:tav tm="23600">
+                                          <p:val>
+                                            <p:fltVal val="0.9153"/>
+                                          </p:val>
+                                        </p:tav>
+                                        <p:tav tm="24720">
+                                          <p:val>
+                                            <p:fltVal val="0.9362"/>
+                                          </p:val>
+                                        </p:tav>
+                                        <p:tav tm="25840">
+                                          <p:val>
+                                            <p:fltVal val="0.9659"/>
+                                          </p:val>
+                                        </p:tav>
+                                        <p:tav tm="26970">
+                                          <p:val>
+                                            <p:fltVal val="0.9858"/>
+                                          </p:val>
+                                        </p:tav>
+                                        <p:tav tm="28090">
+                                          <p:val>
+                                            <p:fltVal val="0.9959"/>
+                                          </p:val>
+                                        </p:tav>
+                                        <p:tav tm="29210">
+                                          <p:val>
+                                            <p:fltVal val="0.9995"/>
+                                          </p:val>
+                                        </p:tav>
+                                        <p:tav tm="30340">
+                                          <p:val>
+                                            <p:fltVal val="1"/>
+                                          </p:val>
+                                        </p:tav>
+                                        <p:tav tm="31460">
+                                          <p:val>
+                                            <p:fltVal val="1"/>
+                                          </p:val>
+                                        </p:tav>
+                                        <p:tav tm="32580">
+                                          <p:val>
+                                            <p:fltVal val="1"/>
+                                          </p:val>
+                                        </p:tav>
+                                        <p:tav tm="33710">
+                                          <p:val>
+                                            <p:fltVal val="1"/>
+                                          </p:val>
+                                        </p:tav>
+                                        <p:tav tm="34830">
+                                          <p:val>
+                                            <p:fltVal val="1"/>
+                                          </p:val>
+                                        </p:tav>
+                                        <p:tav tm="35960">
+                                          <p:val>
+                                            <p:fltVal val="1"/>
+                                          </p:val>
+                                        </p:tav>
+                                        <p:tav tm="37080">
+                                          <p:val>
+                                            <p:fltVal val="1"/>
+                                          </p:val>
+                                        </p:tav>
+                                        <p:tav tm="38200">
+                                          <p:val>
+                                            <p:fltVal val="1"/>
+                                          </p:val>
+                                        </p:tav>
+                                        <p:tav tm="39330">
+                                          <p:val>
+                                            <p:fltVal val="1"/>
+                                          </p:val>
+                                        </p:tav>
+                                        <p:tav tm="40450">
+                                          <p:val>
+                                            <p:fltVal val="1"/>
+                                          </p:val>
+                                        </p:tav>
+                                        <p:tav tm="41570">
+                                          <p:val>
+                                            <p:fltVal val="1"/>
+                                          </p:val>
+                                        </p:tav>
+                                        <p:tav tm="42700">
+                                          <p:val>
+                                            <p:fltVal val="1"/>
+                                          </p:val>
+                                        </p:tav>
+                                        <p:tav tm="43820">
+                                          <p:val>
+                                            <p:fltVal val="1"/>
+                                          </p:val>
+                                        </p:tav>
+                                        <p:tav tm="44940">
+                                          <p:val>
+                                            <p:fltVal val="1"/>
+                                          </p:val>
+                                        </p:tav>
+                                        <p:tav tm="46070">
+                                          <p:val>
+                                            <p:fltVal val="1"/>
+                                          </p:val>
+                                        </p:tav>
+                                        <p:tav tm="47190">
+                                          <p:val>
+                                            <p:fltVal val="1"/>
+                                          </p:val>
+                                        </p:tav>
+                                        <p:tav tm="48310">
+                                          <p:val>
+                                            <p:fltVal val="1"/>
+                                          </p:val>
+                                        </p:tav>
+                                        <p:tav tm="49440">
+                                          <p:val>
+                                            <p:fltVal val="1"/>
+                                          </p:val>
+                                        </p:tav>
+                                        <p:tav tm="50560">
+                                          <p:val>
+                                            <p:fltVal val="1"/>
+                                          </p:val>
+                                        </p:tav>
+                                        <p:tav tm="51690">
+                                          <p:val>
+                                            <p:fltVal val="1"/>
+                                          </p:val>
+                                        </p:tav>
+                                        <p:tav tm="52810">
+                                          <p:val>
+                                            <p:fltVal val="1"/>
+                                          </p:val>
+                                        </p:tav>
+                                        <p:tav tm="53930">
+                                          <p:val>
+                                            <p:fltVal val="1"/>
+                                          </p:val>
+                                        </p:tav>
+                                        <p:tav tm="55060">
+                                          <p:val>
+                                            <p:fltVal val="1"/>
+                                          </p:val>
+                                        </p:tav>
+                                        <p:tav tm="56180">
+                                          <p:val>
+                                            <p:fltVal val="1"/>
+                                          </p:val>
+                                        </p:tav>
+                                        <p:tav tm="57300">
+                                          <p:val>
+                                            <p:fltVal val="1"/>
+                                          </p:val>
+                                        </p:tav>
+                                        <p:tav tm="58430">
+                                          <p:val>
+                                            <p:fltVal val="1"/>
+                                          </p:val>
+                                        </p:tav>
+                                        <p:tav tm="59550">
+                                          <p:val>
+                                            <p:fltVal val="1"/>
+                                          </p:val>
+                                        </p:tav>
+                                        <p:tav tm="60670">
+                                          <p:val>
+                                            <p:fltVal val="1"/>
+                                          </p:val>
+                                        </p:tav>
+                                        <p:tav tm="61800">
+                                          <p:val>
+                                            <p:fltVal val="1"/>
+                                          </p:val>
+                                        </p:tav>
+                                        <p:tav tm="62920">
+                                          <p:val>
+                                            <p:fltVal val="1"/>
+                                          </p:val>
+                                        </p:tav>
+                                        <p:tav tm="64040">
+                                          <p:val>
+                                            <p:fltVal val="1"/>
+                                          </p:val>
+                                        </p:tav>
+                                        <p:tav tm="65170">
+                                          <p:val>
+                                            <p:fltVal val="1"/>
+                                          </p:val>
+                                        </p:tav>
+                                        <p:tav tm="66290">
+                                          <p:val>
+                                            <p:fltVal val="1"/>
+                                          </p:val>
+                                        </p:tav>
+                                        <p:tav tm="67420">
+                                          <p:val>
+                                            <p:fltVal val="0.9998"/>
+                                          </p:val>
+                                        </p:tav>
+                                        <p:tav tm="68540">
+                                          <p:val>
+                                            <p:fltVal val="0.9987"/>
+                                          </p:val>
+                                        </p:tav>
+                                        <p:tav tm="69660">
+                                          <p:val>
+                                            <p:fltVal val="0.9955"/>
+                                          </p:val>
+                                        </p:tav>
+                                        <p:tav tm="70790">
+                                          <p:val>
+                                            <p:fltVal val="0.9888"/>
+                                          </p:val>
+                                        </p:tav>
+                                        <p:tav tm="71910">
+                                          <p:val>
+                                            <p:fltVal val="0.9775"/>
+                                          </p:val>
+                                        </p:tav>
+                                        <p:tav tm="73030">
+                                          <p:val>
+                                            <p:fltVal val="0.9605"/>
+                                          </p:val>
+                                        </p:tav>
+                                        <p:tav tm="74160">
+                                          <p:val>
+                                            <p:fltVal val="0.9385"/>
+                                          </p:val>
+                                        </p:tav>
+                                        <p:tav tm="75280">
+                                          <p:val>
+                                            <p:fltVal val="0.9217"/>
+                                          </p:val>
+                                        </p:tav>
+                                        <p:tav tm="76400">
+                                          <p:val>
+                                            <p:fltVal val="0.9107"/>
+                                          </p:val>
+                                        </p:tav>
+                                        <p:tav tm="77530">
+                                          <p:val>
+                                            <p:fltVal val="0.9042"/>
+                                          </p:val>
+                                        </p:tav>
+                                        <p:tav tm="78650">
+                                          <p:val>
+                                            <p:fltVal val="0.901"/>
+                                          </p:val>
+                                        </p:tav>
+                                        <p:tav tm="79780">
+                                          <p:val>
+                                            <p:fltVal val="0.9"/>
+                                          </p:val>
+                                        </p:tav>
+                                        <p:tav tm="80900">
+                                          <p:val>
+                                            <p:fltVal val="0.9"/>
+                                          </p:val>
+                                        </p:tav>
+                                        <p:tav tm="82020">
+                                          <p:val>
+                                            <p:fltVal val="0.901"/>
+                                          </p:val>
+                                        </p:tav>
+                                        <p:tav tm="83150">
+                                          <p:val>
+                                            <p:fltVal val="0.9061"/>
+                                          </p:val>
+                                        </p:tav>
+                                        <p:tav tm="84270">
+                                          <p:val>
+                                            <p:fltVal val="0.9186"/>
+                                          </p:val>
+                                        </p:tav>
+                                        <p:tav tm="85390">
+                                          <p:val>
+                                            <p:fltVal val="0.942"/>
+                                          </p:val>
+                                        </p:tav>
+                                        <p:tav tm="86520">
+                                          <p:val>
+                                            <p:fltVal val="0.9709"/>
+                                          </p:val>
+                                        </p:tav>
+                                        <p:tav tm="87640">
+                                          <p:val>
+                                            <p:fltVal val="0.9885"/>
+                                          </p:val>
+                                        </p:tav>
+                                        <p:tav tm="88760">
+                                          <p:val>
+                                            <p:fltVal val="0.997"/>
+                                          </p:val>
+                                        </p:tav>
+                                        <p:tav tm="89890">
+                                          <p:val>
+                                            <p:fltVal val="0.9997"/>
+                                          </p:val>
+                                        </p:tav>
+                                        <p:tav tm="91010">
+                                          <p:val>
+                                            <p:fltVal val="1"/>
+                                          </p:val>
+                                        </p:tav>
+                                        <p:tav tm="92130">
+                                          <p:val>
+                                            <p:fltVal val="1"/>
+                                          </p:val>
+                                        </p:tav>
+                                        <p:tav tm="93260">
+                                          <p:val>
+                                            <p:fltVal val="1"/>
+                                          </p:val>
+                                        </p:tav>
+                                        <p:tav tm="94380">
+                                          <p:val>
+                                            <p:fltVal val="1"/>
+                                          </p:val>
+                                        </p:tav>
+                                        <p:tav tm="95510">
+                                          <p:val>
+                                            <p:fltVal val="1"/>
+                                          </p:val>
+                                        </p:tav>
+                                        <p:tav tm="96630">
+                                          <p:val>
+                                            <p:fltVal val="1"/>
+                                          </p:val>
+                                        </p:tav>
+                                        <p:tav tm="97750">
+                                          <p:val>
+                                            <p:fltVal val="1"/>
+                                          </p:val>
+                                        </p:tav>
+                                        <p:tav tm="98880">
+                                          <p:val>
+                                            <p:fltVal val="1"/>
+                                          </p:val>
+                                        </p:tav>
+                                        <p:tav tm="100000">
+                                          <p:val>
+                                            <p:fltVal val="1"/>
+                                          </p:val>
+                                        </p:tav>
+                                      </p:tavLst>
+                                    </p:anim>
+                                    <p:anim calcmode="lin" valueType="num">
+                                      <p:cBhvr additive="mult">
+                                        <p:cTn id="10" dur="2000" fill="hold"/>
+                                        <p:tgtEl>
+                                          <p:spTgt spid="4"/>
+                                        </p:tgtEl>
+                                        <p:attrNameLst>
+                                          <p:attrName>3d.object.scale.z</p:attrName>
+                                        </p:attrNameLst>
+                                      </p:cBhvr>
+                                      <p:tavLst>
+                                        <p:tav tm="0">
+                                          <p:val>
+                                            <p:fltVal val="1"/>
+                                          </p:val>
+                                        </p:tav>
+                                        <p:tav tm="1120">
+                                          <p:val>
+                                            <p:fltVal val="1"/>
+                                          </p:val>
+                                        </p:tav>
+                                        <p:tav tm="2250">
+                                          <p:val>
+                                            <p:fltVal val="1.0002"/>
+                                          </p:val>
+                                        </p:tav>
+                                        <p:tav tm="3370">
+                                          <p:val>
+                                            <p:fltVal val="1.0009"/>
+                                          </p:val>
+                                        </p:tav>
+                                        <p:tav tm="4490">
+                                          <p:val>
+                                            <p:fltVal val="1.0023"/>
+                                          </p:val>
+                                        </p:tav>
+                                        <p:tav tm="5620">
+                                          <p:val>
+                                            <p:fltVal val="1.0046"/>
+                                          </p:val>
+                                        </p:tav>
+                                        <p:tav tm="6740">
+                                          <p:val>
+                                            <p:fltVal val="1.008"/>
+                                          </p:val>
+                                        </p:tav>
+                                        <p:tav tm="7870">
+                                          <p:val>
+                                            <p:fltVal val="1.0127"/>
+                                          </p:val>
+                                        </p:tav>
+                                        <p:tav tm="8990">
+                                          <p:val>
+                                            <p:fltVal val="1.019"/>
+                                          </p:val>
+                                        </p:tav>
+                                        <p:tav tm="10110">
+                                          <p:val>
+                                            <p:fltVal val="1.0271"/>
+                                          </p:val>
+                                        </p:tav>
+                                        <p:tav tm="11240">
+                                          <p:val>
+                                            <p:fltVal val="1.0351"/>
+                                          </p:val>
+                                        </p:tav>
+                                        <p:tav tm="12360">
+                                          <p:val>
+                                            <p:fltVal val="1.0414"/>
+                                          </p:val>
+                                        </p:tav>
+                                        <p:tav tm="13480">
+                                          <p:val>
+                                            <p:fltVal val="1.046"/>
+                                          </p:val>
+                                        </p:tav>
+                                        <p:tav tm="14610">
+                                          <p:val>
+                                            <p:fltVal val="1.0494"/>
+                                          </p:val>
+                                        </p:tav>
+                                        <p:tav tm="15730">
+                                          <p:val>
+                                            <p:fltVal val="1.0516"/>
+                                          </p:val>
+                                        </p:tav>
+                                        <p:tav tm="16850">
+                                          <p:val>
+                                            <p:fltVal val="1.053"/>
+                                          </p:val>
+                                        </p:tav>
+                                        <p:tav tm="17980">
+                                          <p:val>
+                                            <p:fltVal val="1.0537"/>
+                                          </p:val>
+                                        </p:tav>
+                                        <p:tav tm="19100">
+                                          <p:val>
+                                            <p:fltVal val="1.0539"/>
+                                          </p:val>
+                                        </p:tav>
+                                        <p:tav tm="20220">
+                                          <p:val>
+                                            <p:fltVal val="1.054"/>
+                                          </p:val>
+                                        </p:tav>
+                                        <p:tav tm="21350">
+                                          <p:val>
+                                            <p:fltVal val="1.0536"/>
+                                          </p:val>
+                                        </p:tav>
+                                        <p:tav tm="22470">
+                                          <p:val>
+                                            <p:fltVal val="1.0515"/>
+                                          </p:val>
+                                        </p:tav>
+                                        <p:tav tm="23600">
+                                          <p:val>
+                                            <p:fltVal val="1.0457"/>
+                                          </p:val>
+                                        </p:tav>
+                                        <p:tav tm="24720">
+                                          <p:val>
+                                            <p:fltVal val="1.0344"/>
+                                          </p:val>
+                                        </p:tav>
+                                        <p:tav tm="25840">
+                                          <p:val>
+                                            <p:fltVal val="1.0183"/>
+                                          </p:val>
+                                        </p:tav>
+                                        <p:tav tm="26970">
+                                          <p:val>
+                                            <p:fltVal val="1.0076"/>
+                                          </p:val>
+                                        </p:tav>
+                                        <p:tav tm="28090">
+                                          <p:val>
+                                            <p:fltVal val="1.0021"/>
+                                          </p:val>
+                                        </p:tav>
+                                        <p:tav tm="29210">
+                                          <p:val>
+                                            <p:fltVal val="1.0002"/>
+                                          </p:val>
+                                        </p:tav>
+                                        <p:tav tm="30340">
+                                          <p:val>
+                                            <p:fltVal val="1"/>
+                                          </p:val>
+                                        </p:tav>
+                                        <p:tav tm="31460">
+                                          <p:val>
+                                            <p:fltVal val="1"/>
+                                          </p:val>
+                                        </p:tav>
+                                        <p:tav tm="32580">
+                                          <p:val>
+                                            <p:fltVal val="1"/>
+                                          </p:val>
+                                        </p:tav>
+                                        <p:tav tm="33710">
+                                          <p:val>
+                                            <p:fltVal val="1"/>
+                                          </p:val>
+                                        </p:tav>
+                                        <p:tav tm="34830">
+                                          <p:val>
+                                            <p:fltVal val="1"/>
+                                          </p:val>
+                                        </p:tav>
+                                        <p:tav tm="35960">
+                                          <p:val>
+                                            <p:fltVal val="1"/>
+                                          </p:val>
+                                        </p:tav>
+                                        <p:tav tm="37080">
+                                          <p:val>
+                                            <p:fltVal val="1"/>
+                                          </p:val>
+                                        </p:tav>
+                                        <p:tav tm="38200">
+                                          <p:val>
+                                            <p:fltVal val="1"/>
+                                          </p:val>
+                                        </p:tav>
+                                        <p:tav tm="39330">
+                                          <p:val>
+                                            <p:fltVal val="1"/>
+                                          </p:val>
+                                        </p:tav>
+                                        <p:tav tm="40450">
+                                          <p:val>
+                                            <p:fltVal val="1"/>
+                                          </p:val>
+                                        </p:tav>
+                                        <p:tav tm="41570">
+                                          <p:val>
+                                            <p:fltVal val="1"/>
+                                          </p:val>
+                                        </p:tav>
+                                        <p:tav tm="42700">
+                                          <p:val>
+                                            <p:fltVal val="1"/>
+                                          </p:val>
+                                        </p:tav>
+                                        <p:tav tm="43820">
+                                          <p:val>
+                                            <p:fltVal val="1"/>
+                                          </p:val>
+                                        </p:tav>
+                                        <p:tav tm="44940">
+                                          <p:val>
+                                            <p:fltVal val="1"/>
+                                          </p:val>
+                                        </p:tav>
+                                        <p:tav tm="46070">
+                                          <p:val>
+                                            <p:fltVal val="1"/>
+                                          </p:val>
+                                        </p:tav>
+                                        <p:tav tm="47190">
+                                          <p:val>
+                                            <p:fltVal val="1"/>
+                                          </p:val>
+                                        </p:tav>
+                                        <p:tav tm="48310">
+                                          <p:val>
+                                            <p:fltVal val="1"/>
+                                          </p:val>
+                                        </p:tav>
+                                        <p:tav tm="49440">
+                                          <p:val>
+                                            <p:fltVal val="1"/>
+                                          </p:val>
+                                        </p:tav>
+                                        <p:tav tm="50560">
+                                          <p:val>
+                                            <p:fltVal val="1"/>
+                                          </p:val>
+                                        </p:tav>
+                                        <p:tav tm="51690">
+                                          <p:val>
+                                            <p:fltVal val="1"/>
+                                          </p:val>
+                                        </p:tav>
+                                        <p:tav tm="52810">
+                                          <p:val>
+                                            <p:fltVal val="1"/>
+                                          </p:val>
+                                        </p:tav>
+                                        <p:tav tm="53930">
+                                          <p:val>
+                                            <p:fltVal val="1"/>
+                                          </p:val>
+                                        </p:tav>
+                                        <p:tav tm="55060">
+                                          <p:val>
+                                            <p:fltVal val="1"/>
+                                          </p:val>
+                                        </p:tav>
+                                        <p:tav tm="56180">
+                                          <p:val>
+                                            <p:fltVal val="1"/>
+                                          </p:val>
+                                        </p:tav>
+                                        <p:tav tm="57300">
+                                          <p:val>
+                                            <p:fltVal val="1"/>
+                                          </p:val>
+                                        </p:tav>
+                                        <p:tav tm="58430">
+                                          <p:val>
+                                            <p:fltVal val="1"/>
+                                          </p:val>
+                                        </p:tav>
+                                        <p:tav tm="59550">
+                                          <p:val>
+                                            <p:fltVal val="1"/>
+                                          </p:val>
+                                        </p:tav>
+                                        <p:tav tm="60670">
+                                          <p:val>
+                                            <p:fltVal val="1"/>
+                                          </p:val>
+                                        </p:tav>
+                                        <p:tav tm="61800">
+                                          <p:val>
+                                            <p:fltVal val="1"/>
+                                          </p:val>
+                                        </p:tav>
+                                        <p:tav tm="62920">
+                                          <p:val>
+                                            <p:fltVal val="1"/>
+                                          </p:val>
+                                        </p:tav>
+                                        <p:tav tm="64040">
+                                          <p:val>
+                                            <p:fltVal val="1"/>
+                                          </p:val>
+                                        </p:tav>
+                                        <p:tav tm="65170">
+                                          <p:val>
+                                            <p:fltVal val="1"/>
+                                          </p:val>
+                                        </p:tav>
+                                        <p:tav tm="66290">
+                                          <p:val>
+                                            <p:fltVal val="1"/>
+                                          </p:val>
+                                        </p:tav>
+                                        <p:tav tm="67420">
+                                          <p:val>
+                                            <p:fltVal val="1"/>
+                                          </p:val>
+                                        </p:tav>
+                                        <p:tav tm="68540">
+                                          <p:val>
+                                            <p:fltVal val="1.0006"/>
+                                          </p:val>
+                                        </p:tav>
+                                        <p:tav tm="69660">
+                                          <p:val>
+                                            <p:fltVal val="1.0024"/>
+                                          </p:val>
+                                        </p:tav>
+                                        <p:tav tm="70790">
+                                          <p:val>
+                                            <p:fltVal val="1.006"/>
+                                          </p:val>
+                                        </p:tav>
+                                        <p:tav tm="71910">
+                                          <p:val>
+                                            <p:fltVal val="1.0121"/>
+                                          </p:val>
+                                        </p:tav>
+                                        <p:tav tm="73030">
+                                          <p:val>
+                                            <p:fltVal val="1.0213"/>
+                                          </p:val>
+                                        </p:tav>
+                                        <p:tav tm="74160">
+                                          <p:val>
+                                            <p:fltVal val="1.0331"/>
+                                          </p:val>
+                                        </p:tav>
+                                        <p:tav tm="75280">
+                                          <p:val>
+                                            <p:fltVal val="1.0422"/>
+                                          </p:val>
+                                        </p:tav>
+                                        <p:tav tm="76400">
+                                          <p:val>
+                                            <p:fltVal val="1.0482"/>
+                                          </p:val>
+                                        </p:tav>
+                                        <p:tav tm="77530">
+                                          <p:val>
+                                            <p:fltVal val="1.0516"/>
+                                          </p:val>
+                                        </p:tav>
+                                        <p:tav tm="78650">
+                                          <p:val>
+                                            <p:fltVal val="1.0534"/>
+                                          </p:val>
+                                        </p:tav>
+                                        <p:tav tm="79780">
+                                          <p:val>
+                                            <p:fltVal val="1.0539"/>
+                                          </p:val>
+                                        </p:tav>
+                                        <p:tav tm="80900">
+                                          <p:val>
+                                            <p:fltVal val="1.0539"/>
+                                          </p:val>
+                                        </p:tav>
+                                        <p:tav tm="82020">
+                                          <p:val>
+                                            <p:fltVal val="1.0534"/>
+                                          </p:val>
+                                        </p:tav>
+                                        <p:tav tm="83150">
+                                          <p:val>
+                                            <p:fltVal val="1.0506"/>
+                                          </p:val>
+                                        </p:tav>
+                                        <p:tav tm="84270">
+                                          <p:val>
+                                            <p:fltVal val="1.0439"/>
+                                          </p:val>
+                                        </p:tav>
+                                        <p:tav tm="85390">
+                                          <p:val>
+                                            <p:fltVal val="1.0312"/>
+                                          </p:val>
+                                        </p:tav>
+                                        <p:tav tm="86520">
+                                          <p:val>
+                                            <p:fltVal val="1.0156"/>
+                                          </p:val>
+                                        </p:tav>
+                                        <p:tav tm="87640">
+                                          <p:val>
+                                            <p:fltVal val="1.0061"/>
+                                          </p:val>
+                                        </p:tav>
+                                        <p:tav tm="88760">
+                                          <p:val>
+                                            <p:fltVal val="1.0015"/>
+                                          </p:val>
+                                        </p:tav>
+                                        <p:tav tm="89890">
+                                          <p:val>
+                                            <p:fltVal val="1.0001"/>
+                                          </p:val>
+                                        </p:tav>
+                                        <p:tav tm="91010">
+                                          <p:val>
+                                            <p:fltVal val="1"/>
+                                          </p:val>
+                                        </p:tav>
+                                        <p:tav tm="92130">
+                                          <p:val>
+                                            <p:fltVal val="1"/>
+                                          </p:val>
+                                        </p:tav>
+                                        <p:tav tm="93260">
+                                          <p:val>
+                                            <p:fltVal val="1"/>
+                                          </p:val>
+                                        </p:tav>
+                                        <p:tav tm="94380">
+                                          <p:val>
+                                            <p:fltVal val="1"/>
+                                          </p:val>
+                                        </p:tav>
+                                        <p:tav tm="95510">
+                                          <p:val>
+                                            <p:fltVal val="1"/>
+                                          </p:val>
+                                        </p:tav>
+                                        <p:tav tm="96630">
+                                          <p:val>
+                                            <p:fltVal val="1"/>
+                                          </p:val>
+                                        </p:tav>
+                                        <p:tav tm="97750">
+                                          <p:val>
+                                            <p:fltVal val="1"/>
+                                          </p:val>
+                                        </p:tav>
+                                        <p:tav tm="98880">
+                                          <p:val>
+                                            <p:fltVal val="1"/>
+                                          </p:val>
+                                        </p:tav>
+                                        <p:tav tm="100000">
+                                          <p:val>
+                                            <p:fltVal val="1"/>
+                                          </p:val>
+                                        </p:tav>
+                                      </p:tavLst>
+                                    </p:anim>
+                                  </p:childTnLst>
+                                </p:cTn>
+                              </p:par>
+                            </p:childTnLst>
+                          </p:cTn>
+                        </p:par>
+                      </p:childTnLst>
+                    </p:cTn>
+                  </p:par>
+                </p:childTnLst>
+              </p:cTn>
+              <p:prevCondLst>
+                <p:cond evt="onPrev" delay="0">
+                  <p:tgtEl>
+                    <p:sldTgt/>
+                  </p:tgtEl>
+                </p:cond>
+              </p:prevCondLst>
+              <p:nextCondLst>
+                <p:cond evt="onNext" delay="0">
+                  <p:tgtEl>
+                    <p:sldTgt/>
+                  </p:tgtEl>
+                </p:cond>
+              </p:nextCondLst>
+            </p:seq>
+          </p:childTnLst>
+        </p:cTn>
+      </p:par>
+    </p:tnLst>
+  </p:timing>
 </p:sld>
 </file>
 
@@ -10844,12 +13377,11 @@
 </file>
 
 <file path=customXml/item1.xml><?xml version="1.0" encoding="utf-8"?>
-<?mso-contentType ?>
-<FormTemplates xmlns="http://schemas.microsoft.com/sharepoint/v3/contenttype/forms">
-  <Display>DocumentLibraryForm</Display>
-  <Edit>DocumentLibraryForm</Edit>
-  <New>DocumentLibraryForm</New>
-</FormTemplates>
+<p:properties xmlns:p="http://schemas.microsoft.com/office/2006/metadata/properties" xmlns:xsi="http://www.w3.org/2001/XMLSchema-instance" xmlns:pc="http://schemas.microsoft.com/office/infopath/2007/PartnerControls">
+  <documentManagement>
+    <_activity xmlns="8d5dcd13-9b93-4860-8686-258dec0e23be" xsi:nil="true"/>
+  </documentManagement>
+</p:properties>
 </file>
 
 <file path=customXml/item2.xml><?xml version="1.0" encoding="utf-8"?>
@@ -11047,17 +13579,26 @@
 </file>
 
 <file path=customXml/item3.xml><?xml version="1.0" encoding="utf-8"?>
-<p:properties xmlns:p="http://schemas.microsoft.com/office/2006/metadata/properties" xmlns:xsi="http://www.w3.org/2001/XMLSchema-instance" xmlns:pc="http://schemas.microsoft.com/office/infopath/2007/PartnerControls">
-  <documentManagement>
-    <_activity xmlns="8d5dcd13-9b93-4860-8686-258dec0e23be" xsi:nil="true"/>
-  </documentManagement>
-</p:properties>
+<?mso-contentType ?>
+<FormTemplates xmlns="http://schemas.microsoft.com/sharepoint/v3/contenttype/forms">
+  <Display>DocumentLibraryForm</Display>
+  <Edit>DocumentLibraryForm</Edit>
+  <New>DocumentLibraryForm</New>
+</FormTemplates>
 </file>
 
 <file path=customXml/itemProps1.xml><?xml version="1.0" encoding="utf-8"?>
-<ds:datastoreItem xmlns:ds="http://schemas.openxmlformats.org/officeDocument/2006/customXml" ds:itemID="{33D4CFAA-434D-4462-B62D-1E23E4045646}">
+<ds:datastoreItem xmlns:ds="http://schemas.openxmlformats.org/officeDocument/2006/customXml" ds:itemID="{6BE63DC0-0E79-4D45-AB99-081F8145E24C}">
   <ds:schemaRefs>
-    <ds:schemaRef ds:uri="http://schemas.microsoft.com/sharepoint/v3/contenttype/forms"/>
+    <ds:schemaRef ds:uri="http://purl.org/dc/terms/"/>
+    <ds:schemaRef ds:uri="http://schemas.microsoft.com/office/infopath/2007/PartnerControls"/>
+    <ds:schemaRef ds:uri="http://schemas.openxmlformats.org/package/2006/metadata/core-properties"/>
+    <ds:schemaRef ds:uri="http://purl.org/dc/elements/1.1/"/>
+    <ds:schemaRef ds:uri="http://schemas.microsoft.com/office/2006/documentManagement/types"/>
+    <ds:schemaRef ds:uri="http://www.w3.org/XML/1998/namespace"/>
+    <ds:schemaRef ds:uri="8d5dcd13-9b93-4860-8686-258dec0e23be"/>
+    <ds:schemaRef ds:uri="http://schemas.microsoft.com/office/2006/metadata/properties"/>
+    <ds:schemaRef ds:uri="http://purl.org/dc/dcmitype/"/>
   </ds:schemaRefs>
 </ds:datastoreItem>
 </file>
@@ -11081,17 +13622,9 @@
 </file>
 
 <file path=customXml/itemProps3.xml><?xml version="1.0" encoding="utf-8"?>
-<ds:datastoreItem xmlns:ds="http://schemas.openxmlformats.org/officeDocument/2006/customXml" ds:itemID="{6BE63DC0-0E79-4D45-AB99-081F8145E24C}">
+<ds:datastoreItem xmlns:ds="http://schemas.openxmlformats.org/officeDocument/2006/customXml" ds:itemID="{33D4CFAA-434D-4462-B62D-1E23E4045646}">
   <ds:schemaRefs>
-    <ds:schemaRef ds:uri="http://purl.org/dc/terms/"/>
-    <ds:schemaRef ds:uri="http://schemas.microsoft.com/office/infopath/2007/PartnerControls"/>
-    <ds:schemaRef ds:uri="http://schemas.openxmlformats.org/package/2006/metadata/core-properties"/>
-    <ds:schemaRef ds:uri="http://purl.org/dc/elements/1.1/"/>
-    <ds:schemaRef ds:uri="http://schemas.microsoft.com/office/2006/documentManagement/types"/>
-    <ds:schemaRef ds:uri="http://www.w3.org/XML/1998/namespace"/>
-    <ds:schemaRef ds:uri="8d5dcd13-9b93-4860-8686-258dec0e23be"/>
-    <ds:schemaRef ds:uri="http://schemas.microsoft.com/office/2006/metadata/properties"/>
-    <ds:schemaRef ds:uri="http://purl.org/dc/dcmitype/"/>
+    <ds:schemaRef ds:uri="http://schemas.microsoft.com/sharepoint/v3/contenttype/forms"/>
   </ds:schemaRefs>
 </ds:datastoreItem>
 </file>
--- a/Presentaties/Sprint 4.pptx
+++ b/Presentaties/Sprint 4.pptx
@@ -11,11 +11,12 @@
     <p:sldId id="258" r:id="rId8"/>
     <p:sldId id="270" r:id="rId9"/>
     <p:sldId id="271" r:id="rId10"/>
-    <p:sldId id="272" r:id="rId11"/>
-    <p:sldId id="260" r:id="rId12"/>
-    <p:sldId id="262" r:id="rId13"/>
-    <p:sldId id="263" r:id="rId14"/>
-    <p:sldId id="264" r:id="rId15"/>
+    <p:sldId id="274" r:id="rId11"/>
+    <p:sldId id="272" r:id="rId12"/>
+    <p:sldId id="260" r:id="rId13"/>
+    <p:sldId id="262" r:id="rId14"/>
+    <p:sldId id="263" r:id="rId15"/>
+    <p:sldId id="264" r:id="rId16"/>
   </p:sldIdLst>
   <p:sldSz cx="12192000" cy="6858000"/>
   <p:notesSz cx="6858000" cy="9144000"/>
@@ -945,7 +946,7 @@
 <dgm:dataModel xmlns:dgm="http://schemas.openxmlformats.org/drawingml/2006/diagram" xmlns:a="http://schemas.openxmlformats.org/drawingml/2006/main">
   <dgm:ptLst>
     <dgm:pt modelId="{67DA44AA-7B44-4C6A-8E45-1D4360E100E0}" type="doc">
-      <dgm:prSet loTypeId="urn:microsoft.com/office/officeart/2008/layout/LinedList" loCatId="list" qsTypeId="urn:microsoft.com/office/officeart/2005/8/quickstyle/simple4" qsCatId="simple" csTypeId="urn:microsoft.com/office/officeart/2005/8/colors/colorful2" csCatId="colorful"/>
+      <dgm:prSet loTypeId="urn:microsoft.com/office/officeart/2008/layout/LinedList" loCatId="list" qsTypeId="urn:microsoft.com/office/officeart/2005/8/quickstyle/simple4" qsCatId="simple" csTypeId="urn:microsoft.com/office/officeart/2005/8/colors/colorful2" csCatId="colorful" phldr="1"/>
       <dgm:spPr/>
       <dgm:t>
         <a:bodyPr/>
@@ -1000,10 +1001,10 @@
         <a:lstStyle/>
         <a:p>
           <a:r>
-            <a:rPr lang="nl-NL"/>
+            <a:rPr lang="nl-NL" dirty="0"/>
             <a:t>Demo’s</a:t>
           </a:r>
-          <a:endParaRPr lang="en-US"/>
+          <a:endParaRPr lang="en-US" dirty="0"/>
         </a:p>
       </dgm:t>
     </dgm:pt>
@@ -1019,43 +1020,6 @@
       </dgm:t>
     </dgm:pt>
     <dgm:pt modelId="{4B73D859-E836-4727-B5BB-6E4C2028B132}" type="sibTrans" cxnId="{8BAB5D6A-2E83-4D8D-B5FD-F2F903F4931C}">
-      <dgm:prSet/>
-      <dgm:spPr/>
-      <dgm:t>
-        <a:bodyPr/>
-        <a:lstStyle/>
-        <a:p>
-          <a:endParaRPr lang="en-US"/>
-        </a:p>
-      </dgm:t>
-    </dgm:pt>
-    <dgm:pt modelId="{4EB9CECA-F548-41EA-8D74-27BCA268BEC8}">
-      <dgm:prSet/>
-      <dgm:spPr/>
-      <dgm:t>
-        <a:bodyPr/>
-        <a:lstStyle/>
-        <a:p>
-          <a:r>
-            <a:rPr lang="nl-NL"/>
-            <a:t>Voortgang user stories</a:t>
-          </a:r>
-          <a:endParaRPr lang="en-US"/>
-        </a:p>
-      </dgm:t>
-    </dgm:pt>
-    <dgm:pt modelId="{263AE03A-BA95-45DB-8675-A7B4F7E0DE4E}" type="parTrans" cxnId="{F5BE37AC-5E91-431D-BCA7-6F16C0D3D7F7}">
-      <dgm:prSet/>
-      <dgm:spPr/>
-      <dgm:t>
-        <a:bodyPr/>
-        <a:lstStyle/>
-        <a:p>
-          <a:endParaRPr lang="en-US"/>
-        </a:p>
-      </dgm:t>
-    </dgm:pt>
-    <dgm:pt modelId="{7544B1B7-6704-4DD7-BD3A-D91E59E728E3}" type="sibTrans" cxnId="{F5BE37AC-5E91-431D-BCA7-6F16C0D3D7F7}">
       <dgm:prSet/>
       <dgm:spPr/>
       <dgm:t>
@@ -1151,7 +1115,7 @@
       <dgm:spPr/>
     </dgm:pt>
     <dgm:pt modelId="{49B59DA5-7B4B-42CE-8046-C2F335250FCC}" type="pres">
-      <dgm:prSet presAssocID="{F1041D84-036D-4C99-9F44-6591B12AF9AD}" presName="thickLine" presStyleLbl="alignNode1" presStyleIdx="0" presStyleCnt="5"/>
+      <dgm:prSet presAssocID="{F1041D84-036D-4C99-9F44-6591B12AF9AD}" presName="thickLine" presStyleLbl="alignNode1" presStyleIdx="0" presStyleCnt="4"/>
       <dgm:spPr/>
     </dgm:pt>
     <dgm:pt modelId="{AC131272-9CCE-4D83-8594-92EF6523BC42}" type="pres">
@@ -1159,7 +1123,7 @@
       <dgm:spPr/>
     </dgm:pt>
     <dgm:pt modelId="{40848A1C-09E6-45A3-B202-2941E4141F6A}" type="pres">
-      <dgm:prSet presAssocID="{F1041D84-036D-4C99-9F44-6591B12AF9AD}" presName="tx1" presStyleLbl="revTx" presStyleIdx="0" presStyleCnt="5"/>
+      <dgm:prSet presAssocID="{F1041D84-036D-4C99-9F44-6591B12AF9AD}" presName="tx1" presStyleLbl="revTx" presStyleIdx="0" presStyleCnt="4"/>
       <dgm:spPr/>
     </dgm:pt>
     <dgm:pt modelId="{B86EF985-4AFB-4011-A22D-AA7E0435CDCC}" type="pres">
@@ -1167,7 +1131,7 @@
       <dgm:spPr/>
     </dgm:pt>
     <dgm:pt modelId="{AFAE369B-725F-4660-958B-1185EC50D468}" type="pres">
-      <dgm:prSet presAssocID="{6395127E-9425-4E4D-A825-6DE9888D5708}" presName="thickLine" presStyleLbl="alignNode1" presStyleIdx="1" presStyleCnt="5"/>
+      <dgm:prSet presAssocID="{6395127E-9425-4E4D-A825-6DE9888D5708}" presName="thickLine" presStyleLbl="alignNode1" presStyleIdx="1" presStyleCnt="4"/>
       <dgm:spPr/>
     </dgm:pt>
     <dgm:pt modelId="{2D574E48-CF93-48E5-854A-CD970C54B46B}" type="pres">
@@ -1175,31 +1139,15 @@
       <dgm:spPr/>
     </dgm:pt>
     <dgm:pt modelId="{9083DD31-3468-419C-9D06-BFAA4284E75C}" type="pres">
-      <dgm:prSet presAssocID="{6395127E-9425-4E4D-A825-6DE9888D5708}" presName="tx1" presStyleLbl="revTx" presStyleIdx="1" presStyleCnt="5"/>
+      <dgm:prSet presAssocID="{6395127E-9425-4E4D-A825-6DE9888D5708}" presName="tx1" presStyleLbl="revTx" presStyleIdx="1" presStyleCnt="4"/>
       <dgm:spPr/>
     </dgm:pt>
     <dgm:pt modelId="{531F0789-D21E-427C-9B97-D38D20C6D3E3}" type="pres">
       <dgm:prSet presAssocID="{6395127E-9425-4E4D-A825-6DE9888D5708}" presName="vert1" presStyleCnt="0"/>
       <dgm:spPr/>
     </dgm:pt>
-    <dgm:pt modelId="{CB7E08E1-7F1A-42DF-9E7C-67B68821F510}" type="pres">
-      <dgm:prSet presAssocID="{4EB9CECA-F548-41EA-8D74-27BCA268BEC8}" presName="thickLine" presStyleLbl="alignNode1" presStyleIdx="2" presStyleCnt="5"/>
-      <dgm:spPr/>
-    </dgm:pt>
-    <dgm:pt modelId="{D7DED5B1-C9FB-4F12-AC8D-6573E0522D23}" type="pres">
-      <dgm:prSet presAssocID="{4EB9CECA-F548-41EA-8D74-27BCA268BEC8}" presName="horz1" presStyleCnt="0"/>
-      <dgm:spPr/>
-    </dgm:pt>
-    <dgm:pt modelId="{BB4110CE-082E-4CF5-A870-379EADDF9829}" type="pres">
-      <dgm:prSet presAssocID="{4EB9CECA-F548-41EA-8D74-27BCA268BEC8}" presName="tx1" presStyleLbl="revTx" presStyleIdx="2" presStyleCnt="5"/>
-      <dgm:spPr/>
-    </dgm:pt>
-    <dgm:pt modelId="{6218ED1B-36BC-4AD8-A79A-8EDBF3181C6D}" type="pres">
-      <dgm:prSet presAssocID="{4EB9CECA-F548-41EA-8D74-27BCA268BEC8}" presName="vert1" presStyleCnt="0"/>
-      <dgm:spPr/>
-    </dgm:pt>
     <dgm:pt modelId="{C35132EF-1B63-49A9-B24F-8D83F6AC78E8}" type="pres">
-      <dgm:prSet presAssocID="{B06F7A36-16A3-4FB7-A6F2-5EE5F845E2A0}" presName="thickLine" presStyleLbl="alignNode1" presStyleIdx="3" presStyleCnt="5"/>
+      <dgm:prSet presAssocID="{B06F7A36-16A3-4FB7-A6F2-5EE5F845E2A0}" presName="thickLine" presStyleLbl="alignNode1" presStyleIdx="2" presStyleCnt="4"/>
       <dgm:spPr/>
     </dgm:pt>
     <dgm:pt modelId="{6F4B6D39-E6D9-4B1B-BCA0-3F469DF9A6B1}" type="pres">
@@ -1207,7 +1155,7 @@
       <dgm:spPr/>
     </dgm:pt>
     <dgm:pt modelId="{DFF207D5-F365-444F-9CC7-E6C594A14B1B}" type="pres">
-      <dgm:prSet presAssocID="{B06F7A36-16A3-4FB7-A6F2-5EE5F845E2A0}" presName="tx1" presStyleLbl="revTx" presStyleIdx="3" presStyleCnt="5"/>
+      <dgm:prSet presAssocID="{B06F7A36-16A3-4FB7-A6F2-5EE5F845E2A0}" presName="tx1" presStyleLbl="revTx" presStyleIdx="2" presStyleCnt="4"/>
       <dgm:spPr/>
     </dgm:pt>
     <dgm:pt modelId="{565CA483-617D-4ED4-8260-249D8684425F}" type="pres">
@@ -1215,7 +1163,7 @@
       <dgm:spPr/>
     </dgm:pt>
     <dgm:pt modelId="{0D5CEFA3-BEB2-479F-997C-27FBFB20ADC6}" type="pres">
-      <dgm:prSet presAssocID="{774E9802-F0ED-4251-ACFD-96C2E4BE2B81}" presName="thickLine" presStyleLbl="alignNode1" presStyleIdx="4" presStyleCnt="5"/>
+      <dgm:prSet presAssocID="{774E9802-F0ED-4251-ACFD-96C2E4BE2B81}" presName="thickLine" presStyleLbl="alignNode1" presStyleIdx="3" presStyleCnt="4"/>
       <dgm:spPr/>
     </dgm:pt>
     <dgm:pt modelId="{96BBC346-FA44-4ACD-8AD0-CD5D28783017}" type="pres">
@@ -1223,7 +1171,7 @@
       <dgm:spPr/>
     </dgm:pt>
     <dgm:pt modelId="{C78AF888-B2B8-4AA9-B27F-70EFB4BEE8CF}" type="pres">
-      <dgm:prSet presAssocID="{774E9802-F0ED-4251-ACFD-96C2E4BE2B81}" presName="tx1" presStyleLbl="revTx" presStyleIdx="4" presStyleCnt="5"/>
+      <dgm:prSet presAssocID="{774E9802-F0ED-4251-ACFD-96C2E4BE2B81}" presName="tx1" presStyleLbl="revTx" presStyleIdx="3" presStyleCnt="4"/>
       <dgm:spPr/>
     </dgm:pt>
     <dgm:pt modelId="{8C4BC65B-974C-448E-8D90-9BA7AD5DC01E}" type="pres">
@@ -1234,13 +1182,11 @@
   <dgm:cxnLst>
     <dgm:cxn modelId="{16F3DE1B-2CC7-4E91-BF46-7B0285B3D6C9}" type="presOf" srcId="{67DA44AA-7B44-4C6A-8E45-1D4360E100E0}" destId="{3864E01A-4732-458C-A7E4-C8D804A0389B}" srcOrd="0" destOrd="0" presId="urn:microsoft.com/office/officeart/2008/layout/LinedList"/>
     <dgm:cxn modelId="{83CC2227-1390-4EB6-86B4-2526AA2D24D9}" type="presOf" srcId="{774E9802-F0ED-4251-ACFD-96C2E4BE2B81}" destId="{C78AF888-B2B8-4AA9-B27F-70EFB4BEE8CF}" srcOrd="0" destOrd="0" presId="urn:microsoft.com/office/officeart/2008/layout/LinedList"/>
-    <dgm:cxn modelId="{2A85D742-EF0E-40C9-9790-CE7A8BE3AD25}" srcId="{67DA44AA-7B44-4C6A-8E45-1D4360E100E0}" destId="{774E9802-F0ED-4251-ACFD-96C2E4BE2B81}" srcOrd="4" destOrd="0" parTransId="{9FA6954E-0BBC-405F-89CC-A8CDC366307F}" sibTransId="{FBBB005E-76D7-4295-A905-DD5C8267DDE3}"/>
+    <dgm:cxn modelId="{2A85D742-EF0E-40C9-9790-CE7A8BE3AD25}" srcId="{67DA44AA-7B44-4C6A-8E45-1D4360E100E0}" destId="{774E9802-F0ED-4251-ACFD-96C2E4BE2B81}" srcOrd="3" destOrd="0" parTransId="{9FA6954E-0BBC-405F-89CC-A8CDC366307F}" sibTransId="{FBBB005E-76D7-4295-A905-DD5C8267DDE3}"/>
     <dgm:cxn modelId="{9FA5F663-1089-49DF-90DE-EFEC76EACA99}" type="presOf" srcId="{F1041D84-036D-4C99-9F44-6591B12AF9AD}" destId="{40848A1C-09E6-45A3-B202-2941E4141F6A}" srcOrd="0" destOrd="0" presId="urn:microsoft.com/office/officeart/2008/layout/LinedList"/>
     <dgm:cxn modelId="{7489E248-1A07-4FAD-88FA-5E066E50E256}" type="presOf" srcId="{6395127E-9425-4E4D-A825-6DE9888D5708}" destId="{9083DD31-3468-419C-9D06-BFAA4284E75C}" srcOrd="0" destOrd="0" presId="urn:microsoft.com/office/officeart/2008/layout/LinedList"/>
     <dgm:cxn modelId="{8BAB5D6A-2E83-4D8D-B5FD-F2F903F4931C}" srcId="{67DA44AA-7B44-4C6A-8E45-1D4360E100E0}" destId="{6395127E-9425-4E4D-A825-6DE9888D5708}" srcOrd="1" destOrd="0" parTransId="{D37EE379-4C3E-4BE2-9DBB-37AD4EBEF7A3}" sibTransId="{4B73D859-E836-4727-B5BB-6E4C2028B132}"/>
-    <dgm:cxn modelId="{67B933A1-0AE5-4C4D-A0B5-EBE0A80A2588}" srcId="{67DA44AA-7B44-4C6A-8E45-1D4360E100E0}" destId="{B06F7A36-16A3-4FB7-A6F2-5EE5F845E2A0}" srcOrd="3" destOrd="0" parTransId="{460049E4-946F-4E75-B49F-8568321AA4FE}" sibTransId="{E8B0655A-53FC-4E6E-82E3-745952A7FFA9}"/>
-    <dgm:cxn modelId="{F5BE37AC-5E91-431D-BCA7-6F16C0D3D7F7}" srcId="{67DA44AA-7B44-4C6A-8E45-1D4360E100E0}" destId="{4EB9CECA-F548-41EA-8D74-27BCA268BEC8}" srcOrd="2" destOrd="0" parTransId="{263AE03A-BA95-45DB-8675-A7B4F7E0DE4E}" sibTransId="{7544B1B7-6704-4DD7-BD3A-D91E59E728E3}"/>
-    <dgm:cxn modelId="{8804CFC0-CFF2-4B99-A5DF-26FDF7D3423C}" type="presOf" srcId="{4EB9CECA-F548-41EA-8D74-27BCA268BEC8}" destId="{BB4110CE-082E-4CF5-A870-379EADDF9829}" srcOrd="0" destOrd="0" presId="urn:microsoft.com/office/officeart/2008/layout/LinedList"/>
+    <dgm:cxn modelId="{67B933A1-0AE5-4C4D-A0B5-EBE0A80A2588}" srcId="{67DA44AA-7B44-4C6A-8E45-1D4360E100E0}" destId="{B06F7A36-16A3-4FB7-A6F2-5EE5F845E2A0}" srcOrd="2" destOrd="0" parTransId="{460049E4-946F-4E75-B49F-8568321AA4FE}" sibTransId="{E8B0655A-53FC-4E6E-82E3-745952A7FFA9}"/>
     <dgm:cxn modelId="{44F21DE2-BDCE-46D0-88F6-F0561C284F17}" srcId="{67DA44AA-7B44-4C6A-8E45-1D4360E100E0}" destId="{F1041D84-036D-4C99-9F44-6591B12AF9AD}" srcOrd="0" destOrd="0" parTransId="{B322792F-B228-47DD-A19E-4417979C5367}" sibTransId="{FE32F3CE-8862-453C-A83C-E6C4CC10271F}"/>
     <dgm:cxn modelId="{07141FF8-9303-41E4-B4B1-3886EB6533CA}" type="presOf" srcId="{B06F7A36-16A3-4FB7-A6F2-5EE5F845E2A0}" destId="{DFF207D5-F365-444F-9CC7-E6C594A14B1B}" srcOrd="0" destOrd="0" presId="urn:microsoft.com/office/officeart/2008/layout/LinedList"/>
     <dgm:cxn modelId="{7106D1B3-51EF-4C5C-B649-3AFD1F84CBB6}" type="presParOf" srcId="{3864E01A-4732-458C-A7E4-C8D804A0389B}" destId="{49B59DA5-7B4B-42CE-8046-C2F335250FCC}" srcOrd="0" destOrd="0" presId="urn:microsoft.com/office/officeart/2008/layout/LinedList"/>
@@ -1251,16 +1197,12 @@
     <dgm:cxn modelId="{7EEDB6EE-C78C-4ADF-B112-D693E4C0750E}" type="presParOf" srcId="{3864E01A-4732-458C-A7E4-C8D804A0389B}" destId="{2D574E48-CF93-48E5-854A-CD970C54B46B}" srcOrd="3" destOrd="0" presId="urn:microsoft.com/office/officeart/2008/layout/LinedList"/>
     <dgm:cxn modelId="{429CA191-44CF-42B1-B64E-38B99E905818}" type="presParOf" srcId="{2D574E48-CF93-48E5-854A-CD970C54B46B}" destId="{9083DD31-3468-419C-9D06-BFAA4284E75C}" srcOrd="0" destOrd="0" presId="urn:microsoft.com/office/officeart/2008/layout/LinedList"/>
     <dgm:cxn modelId="{3E3B636E-D1C5-4AD4-8443-4EE473CC129E}" type="presParOf" srcId="{2D574E48-CF93-48E5-854A-CD970C54B46B}" destId="{531F0789-D21E-427C-9B97-D38D20C6D3E3}" srcOrd="1" destOrd="0" presId="urn:microsoft.com/office/officeart/2008/layout/LinedList"/>
-    <dgm:cxn modelId="{C88A147B-E483-4089-B599-506A69C996C4}" type="presParOf" srcId="{3864E01A-4732-458C-A7E4-C8D804A0389B}" destId="{CB7E08E1-7F1A-42DF-9E7C-67B68821F510}" srcOrd="4" destOrd="0" presId="urn:microsoft.com/office/officeart/2008/layout/LinedList"/>
-    <dgm:cxn modelId="{5FA7ECB8-69FE-4D87-B4E5-7B654C99B66D}" type="presParOf" srcId="{3864E01A-4732-458C-A7E4-C8D804A0389B}" destId="{D7DED5B1-C9FB-4F12-AC8D-6573E0522D23}" srcOrd="5" destOrd="0" presId="urn:microsoft.com/office/officeart/2008/layout/LinedList"/>
-    <dgm:cxn modelId="{5AB6E121-9BCB-415C-AB98-1113D5F0F0FF}" type="presParOf" srcId="{D7DED5B1-C9FB-4F12-AC8D-6573E0522D23}" destId="{BB4110CE-082E-4CF5-A870-379EADDF9829}" srcOrd="0" destOrd="0" presId="urn:microsoft.com/office/officeart/2008/layout/LinedList"/>
-    <dgm:cxn modelId="{D109887D-78D0-4687-ABDD-5926B0A3EB42}" type="presParOf" srcId="{D7DED5B1-C9FB-4F12-AC8D-6573E0522D23}" destId="{6218ED1B-36BC-4AD8-A79A-8EDBF3181C6D}" srcOrd="1" destOrd="0" presId="urn:microsoft.com/office/officeart/2008/layout/LinedList"/>
-    <dgm:cxn modelId="{5BE1F15C-C3B8-48B1-8B29-44F7372E5ED4}" type="presParOf" srcId="{3864E01A-4732-458C-A7E4-C8D804A0389B}" destId="{C35132EF-1B63-49A9-B24F-8D83F6AC78E8}" srcOrd="6" destOrd="0" presId="urn:microsoft.com/office/officeart/2008/layout/LinedList"/>
-    <dgm:cxn modelId="{21E515BD-F8E8-43FD-949F-17CE09CF3B0B}" type="presParOf" srcId="{3864E01A-4732-458C-A7E4-C8D804A0389B}" destId="{6F4B6D39-E6D9-4B1B-BCA0-3F469DF9A6B1}" srcOrd="7" destOrd="0" presId="urn:microsoft.com/office/officeart/2008/layout/LinedList"/>
+    <dgm:cxn modelId="{5BE1F15C-C3B8-48B1-8B29-44F7372E5ED4}" type="presParOf" srcId="{3864E01A-4732-458C-A7E4-C8D804A0389B}" destId="{C35132EF-1B63-49A9-B24F-8D83F6AC78E8}" srcOrd="4" destOrd="0" presId="urn:microsoft.com/office/officeart/2008/layout/LinedList"/>
+    <dgm:cxn modelId="{21E515BD-F8E8-43FD-949F-17CE09CF3B0B}" type="presParOf" srcId="{3864E01A-4732-458C-A7E4-C8D804A0389B}" destId="{6F4B6D39-E6D9-4B1B-BCA0-3F469DF9A6B1}" srcOrd="5" destOrd="0" presId="urn:microsoft.com/office/officeart/2008/layout/LinedList"/>
     <dgm:cxn modelId="{3A25FA8F-1EBA-47E4-85DB-0A64BAD9AE03}" type="presParOf" srcId="{6F4B6D39-E6D9-4B1B-BCA0-3F469DF9A6B1}" destId="{DFF207D5-F365-444F-9CC7-E6C594A14B1B}" srcOrd="0" destOrd="0" presId="urn:microsoft.com/office/officeart/2008/layout/LinedList"/>
     <dgm:cxn modelId="{91D62EFA-74D5-4A5A-AA2E-C079BE1805B2}" type="presParOf" srcId="{6F4B6D39-E6D9-4B1B-BCA0-3F469DF9A6B1}" destId="{565CA483-617D-4ED4-8260-249D8684425F}" srcOrd="1" destOrd="0" presId="urn:microsoft.com/office/officeart/2008/layout/LinedList"/>
-    <dgm:cxn modelId="{54688775-C2CE-476D-8B84-E672752AF200}" type="presParOf" srcId="{3864E01A-4732-458C-A7E4-C8D804A0389B}" destId="{0D5CEFA3-BEB2-479F-997C-27FBFB20ADC6}" srcOrd="8" destOrd="0" presId="urn:microsoft.com/office/officeart/2008/layout/LinedList"/>
-    <dgm:cxn modelId="{004B3174-7274-4125-8203-26D2187533CE}" type="presParOf" srcId="{3864E01A-4732-458C-A7E4-C8D804A0389B}" destId="{96BBC346-FA44-4ACD-8AD0-CD5D28783017}" srcOrd="9" destOrd="0" presId="urn:microsoft.com/office/officeart/2008/layout/LinedList"/>
+    <dgm:cxn modelId="{54688775-C2CE-476D-8B84-E672752AF200}" type="presParOf" srcId="{3864E01A-4732-458C-A7E4-C8D804A0389B}" destId="{0D5CEFA3-BEB2-479F-997C-27FBFB20ADC6}" srcOrd="6" destOrd="0" presId="urn:microsoft.com/office/officeart/2008/layout/LinedList"/>
+    <dgm:cxn modelId="{004B3174-7274-4125-8203-26D2187533CE}" type="presParOf" srcId="{3864E01A-4732-458C-A7E4-C8D804A0389B}" destId="{96BBC346-FA44-4ACD-8AD0-CD5D28783017}" srcOrd="7" destOrd="0" presId="urn:microsoft.com/office/officeart/2008/layout/LinedList"/>
     <dgm:cxn modelId="{10092362-FB66-477A-B6DD-4CAC79482F24}" type="presParOf" srcId="{96BBC346-FA44-4ACD-8AD0-CD5D28783017}" destId="{C78AF888-B2B8-4AA9-B27F-70EFB4BEE8CF}" srcOrd="0" destOrd="0" presId="urn:microsoft.com/office/officeart/2008/layout/LinedList"/>
     <dgm:cxn modelId="{B5FFD282-F5C7-4654-96B6-83CF7671A967}" type="presParOf" srcId="{96BBC346-FA44-4ACD-8AD0-CD5D28783017}" destId="{8C4BC65B-974C-448E-8D90-9BA7AD5DC01E}" srcOrd="1" destOrd="0" presId="urn:microsoft.com/office/officeart/2008/layout/LinedList"/>
   </dgm:cxnLst>
@@ -1289,7 +1231,7 @@
       </dsp:nvSpPr>
       <dsp:spPr>
         <a:xfrm>
-          <a:off x="0" y="562"/>
+          <a:off x="0" y="0"/>
           <a:ext cx="6046132" cy="0"/>
         </a:xfrm>
         <a:prstGeom prst="line">
@@ -1361,8 +1303,8 @@
       </dsp:nvSpPr>
       <dsp:spPr>
         <a:xfrm>
-          <a:off x="0" y="562"/>
-          <a:ext cx="6046132" cy="920948"/>
+          <a:off x="0" y="0"/>
+          <a:ext cx="6046132" cy="1151466"/>
         </a:xfrm>
         <a:prstGeom prst="rect">
           <a:avLst/>
@@ -1386,12 +1328,12 @@
         <a:fontRef idx="minor"/>
       </dsp:style>
       <dsp:txBody>
-        <a:bodyPr spcFirstLastPara="0" vert="horz" wrap="square" lIns="160020" tIns="160020" rIns="160020" bIns="160020" numCol="1" spcCol="1270" anchor="t" anchorCtr="0">
+        <a:bodyPr spcFirstLastPara="0" vert="horz" wrap="square" lIns="201930" tIns="201930" rIns="201930" bIns="201930" numCol="1" spcCol="1270" anchor="t" anchorCtr="0">
           <a:noAutofit/>
         </a:bodyPr>
         <a:lstStyle/>
         <a:p>
-          <a:pPr marL="0" lvl="0" indent="0" algn="l" defTabSz="1866900">
+          <a:pPr marL="0" lvl="0" indent="0" algn="l" defTabSz="2355850">
             <a:lnSpc>
               <a:spcPct val="90000"/>
             </a:lnSpc>
@@ -1404,15 +1346,15 @@
             <a:buNone/>
           </a:pPr>
           <a:r>
-            <a:rPr lang="nl-NL" sz="4200" kern="1200"/>
+            <a:rPr lang="nl-NL" sz="5300" kern="1200"/>
             <a:t>Afgelopen Sprint</a:t>
           </a:r>
-          <a:endParaRPr lang="en-US" sz="4200" kern="1200"/>
+          <a:endParaRPr lang="en-US" sz="5300" kern="1200"/>
         </a:p>
       </dsp:txBody>
       <dsp:txXfrm>
-        <a:off x="0" y="562"/>
-        <a:ext cx="6046132" cy="920948"/>
+        <a:off x="0" y="0"/>
+        <a:ext cx="6046132" cy="1151466"/>
       </dsp:txXfrm>
     </dsp:sp>
     <dsp:sp modelId="{AFAE369B-725F-4660-958B-1185EC50D468}">
@@ -1422,7 +1364,7 @@
       </dsp:nvSpPr>
       <dsp:spPr>
         <a:xfrm>
-          <a:off x="0" y="921510"/>
+          <a:off x="0" y="1151466"/>
           <a:ext cx="6046132" cy="0"/>
         </a:xfrm>
         <a:prstGeom prst="line">
@@ -1432,9 +1374,9 @@
           <a:gsLst>
             <a:gs pos="0">
               <a:schemeClr val="accent2">
-                <a:hueOff val="-777537"/>
-                <a:satOff val="-4113"/>
-                <a:lumOff val="-1568"/>
+                <a:hueOff val="-1036716"/>
+                <a:satOff val="-5484"/>
+                <a:lumOff val="-2091"/>
                 <a:alphaOff val="0"/>
                 <a:tint val="98000"/>
                 <a:lumMod val="100000"/>
@@ -1442,9 +1384,9 @@
             </a:gs>
             <a:gs pos="100000">
               <a:schemeClr val="accent2">
-                <a:hueOff val="-777537"/>
-                <a:satOff val="-4113"/>
-                <a:lumOff val="-1568"/>
+                <a:hueOff val="-1036716"/>
+                <a:satOff val="-5484"/>
+                <a:lumOff val="-2091"/>
                 <a:alphaOff val="0"/>
                 <a:shade val="88000"/>
                 <a:lumMod val="88000"/>
@@ -1456,9 +1398,9 @@
         <a:ln w="9525" cap="rnd" cmpd="sng" algn="ctr">
           <a:solidFill>
             <a:schemeClr val="accent2">
-              <a:hueOff val="-777537"/>
-              <a:satOff val="-4113"/>
-              <a:lumOff val="-1568"/>
+              <a:hueOff val="-1036716"/>
+              <a:satOff val="-5484"/>
+              <a:lumOff val="-2091"/>
               <a:alphaOff val="0"/>
             </a:schemeClr>
           </a:solidFill>
@@ -1494,8 +1436,8 @@
       </dsp:nvSpPr>
       <dsp:spPr>
         <a:xfrm>
-          <a:off x="0" y="921510"/>
-          <a:ext cx="6046132" cy="920948"/>
+          <a:off x="0" y="1151466"/>
+          <a:ext cx="6046132" cy="1151466"/>
         </a:xfrm>
         <a:prstGeom prst="rect">
           <a:avLst/>
@@ -1519,12 +1461,12 @@
         <a:fontRef idx="minor"/>
       </dsp:style>
       <dsp:txBody>
-        <a:bodyPr spcFirstLastPara="0" vert="horz" wrap="square" lIns="160020" tIns="160020" rIns="160020" bIns="160020" numCol="1" spcCol="1270" anchor="t" anchorCtr="0">
+        <a:bodyPr spcFirstLastPara="0" vert="horz" wrap="square" lIns="201930" tIns="201930" rIns="201930" bIns="201930" numCol="1" spcCol="1270" anchor="t" anchorCtr="0">
           <a:noAutofit/>
         </a:bodyPr>
         <a:lstStyle/>
         <a:p>
-          <a:pPr marL="0" lvl="0" indent="0" algn="l" defTabSz="1866900">
+          <a:pPr marL="0" lvl="0" indent="0" algn="l" defTabSz="2355850">
             <a:lnSpc>
               <a:spcPct val="90000"/>
             </a:lnSpc>
@@ -1537,25 +1479,25 @@
             <a:buNone/>
           </a:pPr>
           <a:r>
-            <a:rPr lang="nl-NL" sz="4200" kern="1200"/>
+            <a:rPr lang="nl-NL" sz="5300" kern="1200" dirty="0"/>
             <a:t>Demo’s</a:t>
           </a:r>
-          <a:endParaRPr lang="en-US" sz="4200" kern="1200"/>
+          <a:endParaRPr lang="en-US" sz="5300" kern="1200" dirty="0"/>
         </a:p>
       </dsp:txBody>
       <dsp:txXfrm>
-        <a:off x="0" y="921510"/>
-        <a:ext cx="6046132" cy="920948"/>
+        <a:off x="0" y="1151466"/>
+        <a:ext cx="6046132" cy="1151466"/>
       </dsp:txXfrm>
     </dsp:sp>
-    <dsp:sp modelId="{CB7E08E1-7F1A-42DF-9E7C-67B68821F510}">
+    <dsp:sp modelId="{C35132EF-1B63-49A9-B24F-8D83F6AC78E8}">
       <dsp:nvSpPr>
         <dsp:cNvPr id="0" name=""/>
         <dsp:cNvSpPr/>
       </dsp:nvSpPr>
       <dsp:spPr>
         <a:xfrm>
-          <a:off x="0" y="1842458"/>
+          <a:off x="0" y="2302933"/>
           <a:ext cx="6046132" cy="0"/>
         </a:xfrm>
         <a:prstGeom prst="line">
@@ -1565,9 +1507,9 @@
           <a:gsLst>
             <a:gs pos="0">
               <a:schemeClr val="accent2">
-                <a:hueOff val="-1555074"/>
-                <a:satOff val="-8227"/>
-                <a:lumOff val="-3137"/>
+                <a:hueOff val="-2073432"/>
+                <a:satOff val="-10969"/>
+                <a:lumOff val="-4183"/>
                 <a:alphaOff val="0"/>
                 <a:tint val="98000"/>
                 <a:lumMod val="100000"/>
@@ -1575,9 +1517,9 @@
             </a:gs>
             <a:gs pos="100000">
               <a:schemeClr val="accent2">
-                <a:hueOff val="-1555074"/>
-                <a:satOff val="-8227"/>
-                <a:lumOff val="-3137"/>
+                <a:hueOff val="-2073432"/>
+                <a:satOff val="-10969"/>
+                <a:lumOff val="-4183"/>
                 <a:alphaOff val="0"/>
                 <a:shade val="88000"/>
                 <a:lumMod val="88000"/>
@@ -1589,142 +1531,9 @@
         <a:ln w="9525" cap="rnd" cmpd="sng" algn="ctr">
           <a:solidFill>
             <a:schemeClr val="accent2">
-              <a:hueOff val="-1555074"/>
-              <a:satOff val="-8227"/>
-              <a:lumOff val="-3137"/>
-              <a:alphaOff val="0"/>
-            </a:schemeClr>
-          </a:solidFill>
-          <a:prstDash val="solid"/>
-        </a:ln>
-        <a:effectLst>
-          <a:outerShdw blurRad="50800" dist="38100" dir="5400000" rotWithShape="0">
-            <a:srgbClr val="000000">
-              <a:alpha val="35000"/>
-            </a:srgbClr>
-          </a:outerShdw>
-        </a:effectLst>
-      </dsp:spPr>
-      <dsp:style>
-        <a:lnRef idx="1">
-          <a:scrgbClr r="0" g="0" b="0"/>
-        </a:lnRef>
-        <a:fillRef idx="3">
-          <a:scrgbClr r="0" g="0" b="0"/>
-        </a:fillRef>
-        <a:effectRef idx="2">
-          <a:scrgbClr r="0" g="0" b="0"/>
-        </a:effectRef>
-        <a:fontRef idx="minor">
-          <a:schemeClr val="lt1"/>
-        </a:fontRef>
-      </dsp:style>
-    </dsp:sp>
-    <dsp:sp modelId="{BB4110CE-082E-4CF5-A870-379EADDF9829}">
-      <dsp:nvSpPr>
-        <dsp:cNvPr id="0" name=""/>
-        <dsp:cNvSpPr/>
-      </dsp:nvSpPr>
-      <dsp:spPr>
-        <a:xfrm>
-          <a:off x="0" y="1842458"/>
-          <a:ext cx="6046132" cy="920948"/>
-        </a:xfrm>
-        <a:prstGeom prst="rect">
-          <a:avLst/>
-        </a:prstGeom>
-        <a:noFill/>
-        <a:ln>
-          <a:noFill/>
-        </a:ln>
-        <a:effectLst/>
-      </dsp:spPr>
-      <dsp:style>
-        <a:lnRef idx="0">
-          <a:scrgbClr r="0" g="0" b="0"/>
-        </a:lnRef>
-        <a:fillRef idx="0">
-          <a:scrgbClr r="0" g="0" b="0"/>
-        </a:fillRef>
-        <a:effectRef idx="0">
-          <a:scrgbClr r="0" g="0" b="0"/>
-        </a:effectRef>
-        <a:fontRef idx="minor"/>
-      </dsp:style>
-      <dsp:txBody>
-        <a:bodyPr spcFirstLastPara="0" vert="horz" wrap="square" lIns="160020" tIns="160020" rIns="160020" bIns="160020" numCol="1" spcCol="1270" anchor="t" anchorCtr="0">
-          <a:noAutofit/>
-        </a:bodyPr>
-        <a:lstStyle/>
-        <a:p>
-          <a:pPr marL="0" lvl="0" indent="0" algn="l" defTabSz="1866900">
-            <a:lnSpc>
-              <a:spcPct val="90000"/>
-            </a:lnSpc>
-            <a:spcBef>
-              <a:spcPct val="0"/>
-            </a:spcBef>
-            <a:spcAft>
-              <a:spcPct val="35000"/>
-            </a:spcAft>
-            <a:buNone/>
-          </a:pPr>
-          <a:r>
-            <a:rPr lang="nl-NL" sz="4200" kern="1200"/>
-            <a:t>Voortgang user stories</a:t>
-          </a:r>
-          <a:endParaRPr lang="en-US" sz="4200" kern="1200"/>
-        </a:p>
-      </dsp:txBody>
-      <dsp:txXfrm>
-        <a:off x="0" y="1842458"/>
-        <a:ext cx="6046132" cy="920948"/>
-      </dsp:txXfrm>
-    </dsp:sp>
-    <dsp:sp modelId="{C35132EF-1B63-49A9-B24F-8D83F6AC78E8}">
-      <dsp:nvSpPr>
-        <dsp:cNvPr id="0" name=""/>
-        <dsp:cNvSpPr/>
-      </dsp:nvSpPr>
-      <dsp:spPr>
-        <a:xfrm>
-          <a:off x="0" y="2763407"/>
-          <a:ext cx="6046132" cy="0"/>
-        </a:xfrm>
-        <a:prstGeom prst="line">
-          <a:avLst/>
-        </a:prstGeom>
-        <a:gradFill rotWithShape="0">
-          <a:gsLst>
-            <a:gs pos="0">
-              <a:schemeClr val="accent2">
-                <a:hueOff val="-2332611"/>
-                <a:satOff val="-12340"/>
-                <a:lumOff val="-4705"/>
-                <a:alphaOff val="0"/>
-                <a:tint val="98000"/>
-                <a:lumMod val="100000"/>
-              </a:schemeClr>
-            </a:gs>
-            <a:gs pos="100000">
-              <a:schemeClr val="accent2">
-                <a:hueOff val="-2332611"/>
-                <a:satOff val="-12340"/>
-                <a:lumOff val="-4705"/>
-                <a:alphaOff val="0"/>
-                <a:shade val="88000"/>
-                <a:lumMod val="88000"/>
-              </a:schemeClr>
-            </a:gs>
-          </a:gsLst>
-          <a:lin ang="5400000" scaled="1"/>
-        </a:gradFill>
-        <a:ln w="9525" cap="rnd" cmpd="sng" algn="ctr">
-          <a:solidFill>
-            <a:schemeClr val="accent2">
-              <a:hueOff val="-2332611"/>
-              <a:satOff val="-12340"/>
-              <a:lumOff val="-4705"/>
+              <a:hueOff val="-2073432"/>
+              <a:satOff val="-10969"/>
+              <a:lumOff val="-4183"/>
               <a:alphaOff val="0"/>
             </a:schemeClr>
           </a:solidFill>
@@ -1760,8 +1569,8 @@
       </dsp:nvSpPr>
       <dsp:spPr>
         <a:xfrm>
-          <a:off x="0" y="2763407"/>
-          <a:ext cx="6046132" cy="920948"/>
+          <a:off x="0" y="2302933"/>
+          <a:ext cx="6046132" cy="1151466"/>
         </a:xfrm>
         <a:prstGeom prst="rect">
           <a:avLst/>
@@ -1785,12 +1594,12 @@
         <a:fontRef idx="minor"/>
       </dsp:style>
       <dsp:txBody>
-        <a:bodyPr spcFirstLastPara="0" vert="horz" wrap="square" lIns="160020" tIns="160020" rIns="160020" bIns="160020" numCol="1" spcCol="1270" anchor="t" anchorCtr="0">
+        <a:bodyPr spcFirstLastPara="0" vert="horz" wrap="square" lIns="201930" tIns="201930" rIns="201930" bIns="201930" numCol="1" spcCol="1270" anchor="t" anchorCtr="0">
           <a:noAutofit/>
         </a:bodyPr>
         <a:lstStyle/>
         <a:p>
-          <a:pPr marL="0" lvl="0" indent="0" algn="l" defTabSz="1866900">
+          <a:pPr marL="0" lvl="0" indent="0" algn="l" defTabSz="2355850">
             <a:lnSpc>
               <a:spcPct val="90000"/>
             </a:lnSpc>
@@ -1803,15 +1612,15 @@
             <a:buNone/>
           </a:pPr>
           <a:r>
-            <a:rPr lang="nl-NL" sz="4200" kern="1200"/>
+            <a:rPr lang="nl-NL" sz="5300" kern="1200"/>
             <a:t>Retrospective</a:t>
           </a:r>
-          <a:endParaRPr lang="en-US" sz="4200" kern="1200"/>
+          <a:endParaRPr lang="en-US" sz="5300" kern="1200"/>
         </a:p>
       </dsp:txBody>
       <dsp:txXfrm>
-        <a:off x="0" y="2763407"/>
-        <a:ext cx="6046132" cy="920948"/>
+        <a:off x="0" y="2302933"/>
+        <a:ext cx="6046132" cy="1151466"/>
       </dsp:txXfrm>
     </dsp:sp>
     <dsp:sp modelId="{0D5CEFA3-BEB2-479F-997C-27FBFB20ADC6}">
@@ -1821,7 +1630,7 @@
       </dsp:nvSpPr>
       <dsp:spPr>
         <a:xfrm>
-          <a:off x="0" y="3684355"/>
+          <a:off x="0" y="3454399"/>
           <a:ext cx="6046132" cy="0"/>
         </a:xfrm>
         <a:prstGeom prst="line">
@@ -1893,8 +1702,8 @@
       </dsp:nvSpPr>
       <dsp:spPr>
         <a:xfrm>
-          <a:off x="0" y="3684355"/>
-          <a:ext cx="6046132" cy="920948"/>
+          <a:off x="0" y="3454399"/>
+          <a:ext cx="6046132" cy="1151466"/>
         </a:xfrm>
         <a:prstGeom prst="rect">
           <a:avLst/>
@@ -1918,12 +1727,12 @@
         <a:fontRef idx="minor"/>
       </dsp:style>
       <dsp:txBody>
-        <a:bodyPr spcFirstLastPara="0" vert="horz" wrap="square" lIns="160020" tIns="160020" rIns="160020" bIns="160020" numCol="1" spcCol="1270" anchor="t" anchorCtr="0">
+        <a:bodyPr spcFirstLastPara="0" vert="horz" wrap="square" lIns="201930" tIns="201930" rIns="201930" bIns="201930" numCol="1" spcCol="1270" anchor="t" anchorCtr="0">
           <a:noAutofit/>
         </a:bodyPr>
         <a:lstStyle/>
         <a:p>
-          <a:pPr marL="0" lvl="0" indent="0" algn="l" defTabSz="1866900">
+          <a:pPr marL="0" lvl="0" indent="0" algn="l" defTabSz="2355850">
             <a:lnSpc>
               <a:spcPct val="90000"/>
             </a:lnSpc>
@@ -1936,15 +1745,15 @@
             <a:buNone/>
           </a:pPr>
           <a:r>
-            <a:rPr lang="nl-NL" sz="4200" kern="1200"/>
+            <a:rPr lang="nl-NL" sz="5300" kern="1200"/>
             <a:t>Volgende Sprint</a:t>
           </a:r>
-          <a:endParaRPr lang="en-US" sz="4200" kern="1200"/>
+          <a:endParaRPr lang="en-US" sz="5300" kern="1200"/>
         </a:p>
       </dsp:txBody>
       <dsp:txXfrm>
-        <a:off x="0" y="3684355"/>
-        <a:ext cx="6046132" cy="920948"/>
+        <a:off x="0" y="3454399"/>
+        <a:ext cx="6046132" cy="1151466"/>
       </dsp:txXfrm>
     </dsp:sp>
   </dsp:spTree>
@@ -3451,6 +3260,198 @@
 </dgm:styleDef>
 </file>
 
+<file path=ppt/ink/ink1.xml><?xml version="1.0" encoding="utf-8"?>
+<inkml:ink xmlns:inkml="http://www.w3.org/2003/InkML">
+  <inkml:definitions>
+    <inkml:context xml:id="ctx0">
+      <inkml:inkSource xml:id="inkSrc0">
+        <inkml:traceFormat>
+          <inkml:channel name="X" type="integer" min="-2.14748E9" max="2.14748E9" units="cm"/>
+          <inkml:channel name="Y" type="integer" min="-2.14748E9" max="2.14748E9" units="cm"/>
+          <inkml:channel name="F" type="integer" max="32767" units="dev"/>
+        </inkml:traceFormat>
+        <inkml:channelProperties>
+          <inkml:channelProperty channel="X" name="resolution" value="1000" units="1/cm"/>
+          <inkml:channelProperty channel="Y" name="resolution" value="1000" units="1/cm"/>
+          <inkml:channelProperty channel="F" name="resolution" value="0" units="1/dev"/>
+        </inkml:channelProperties>
+      </inkml:inkSource>
+      <inkml:timestamp xml:id="ts0" timeString="2025-11-25T12:36:55.864"/>
+    </inkml:context>
+    <inkml:brush xml:id="br0">
+      <inkml:brushProperty name="width" value="0.05" units="cm"/>
+      <inkml:brushProperty name="height" value="0.05" units="cm"/>
+      <inkml:brushProperty name="color" value="#AE198D"/>
+      <inkml:brushProperty name="inkEffects" value="galaxy"/>
+      <inkml:brushProperty name="anchorX" value="-3831.70801"/>
+      <inkml:brushProperty name="anchorY" value="-16873.80469"/>
+      <inkml:brushProperty name="scaleFactor" value="0.5"/>
+    </inkml:brush>
+  </inkml:definitions>
+  <inkml:trace contextRef="#ctx0" brushRef="#br0">0 1 24575,'0'0'0</inkml:trace>
+</inkml:ink>
+</file>
+
+<file path=ppt/ink/ink2.xml><?xml version="1.0" encoding="utf-8"?>
+<inkml:ink xmlns:inkml="http://www.w3.org/2003/InkML">
+  <inkml:definitions>
+    <inkml:context xml:id="ctx0">
+      <inkml:inkSource xml:id="inkSrc0">
+        <inkml:traceFormat>
+          <inkml:channel name="X" type="integer" min="-2.14748E9" max="2.14748E9" units="cm"/>
+          <inkml:channel name="Y" type="integer" min="-2.14748E9" max="2.14748E9" units="cm"/>
+          <inkml:channel name="F" type="integer" max="32767" units="dev"/>
+        </inkml:traceFormat>
+        <inkml:channelProperties>
+          <inkml:channelProperty channel="X" name="resolution" value="1000" units="1/cm"/>
+          <inkml:channelProperty channel="Y" name="resolution" value="1000" units="1/cm"/>
+          <inkml:channelProperty channel="F" name="resolution" value="0" units="1/dev"/>
+        </inkml:channelProperties>
+      </inkml:inkSource>
+      <inkml:timestamp xml:id="ts0" timeString="2025-11-25T12:36:06.863"/>
+    </inkml:context>
+    <inkml:brush xml:id="br0">
+      <inkml:brushProperty name="width" value="0.05" units="cm"/>
+      <inkml:brushProperty name="height" value="0.05" units="cm"/>
+      <inkml:brushProperty name="color" value="#AE198D"/>
+      <inkml:brushProperty name="inkEffects" value="galaxy"/>
+      <inkml:brushProperty name="anchorX" value="2350.49829"/>
+      <inkml:brushProperty name="anchorY" value="-11057.19922"/>
+      <inkml:brushProperty name="scaleFactor" value="0.5"/>
+    </inkml:brush>
+  </inkml:definitions>
+  <inkml:trace contextRef="#ctx0" brushRef="#br0">1 1 24575,'0'0'0,"3"0"0,4 0 0,3 0 0,3 0 0,1 0 0,3 0 0,-1 0 0,2 0 0,-1 0 0,0 0 0,0 0 0,-4 3 0,0 0 0,1 0 0,-1 0 0,2-1 0,0-1 0,1 0 0,-3 3 0,0-1 0,0 0 0,1 0 0,0-1 0,2-1 0,-1 0 0,2-1 0,-1 3 0,1 1 0,0-1 0,-1 0 0,4-1 0,0-1 0,3 0 0,0-1 0,5 0-959,0 0 1233,1 0-411,-5 3 137,-3 0 0,1 0 0,-2 0 0,0-1 0,-2 2 0,0 0-141,-1 0 181,0-1-60,-1-1 20,4 2 0,0 0 0,-1 0 0,0-1 0,0 2 0,-2-1 0,1 0 0,-2-1 0,1-1 0,-1-1 954,1 3-1226,-1-1 554,0 1-324,1-2 63,-1 3-21,1 0 0,-1-1 0,1-1 0,-1-1 0,1-1 0,-4 3 0,0-1 0,0 1 0,1-2 0,-3 0 0</inkml:trace>
+</inkml:ink>
+</file>
+
+<file path=ppt/ink/ink3.xml><?xml version="1.0" encoding="utf-8"?>
+<inkml:ink xmlns:inkml="http://www.w3.org/2003/InkML">
+  <inkml:definitions>
+    <inkml:context xml:id="ctx0">
+      <inkml:inkSource xml:id="inkSrc0">
+        <inkml:traceFormat>
+          <inkml:channel name="X" type="integer" min="-2.14748E9" max="2.14748E9" units="cm"/>
+          <inkml:channel name="Y" type="integer" min="-2.14748E9" max="2.14748E9" units="cm"/>
+          <inkml:channel name="F" type="integer" max="32767" units="dev"/>
+        </inkml:traceFormat>
+        <inkml:channelProperties>
+          <inkml:channelProperty channel="X" name="resolution" value="1000" units="1/cm"/>
+          <inkml:channelProperty channel="Y" name="resolution" value="1000" units="1/cm"/>
+          <inkml:channelProperty channel="F" name="resolution" value="0" units="1/dev"/>
+        </inkml:channelProperties>
+      </inkml:inkSource>
+      <inkml:timestamp xml:id="ts0" timeString="2025-11-25T12:36:07.489"/>
+    </inkml:context>
+    <inkml:brush xml:id="br0">
+      <inkml:brushProperty name="width" value="0.05" units="cm"/>
+      <inkml:brushProperty name="height" value="0.05" units="cm"/>
+      <inkml:brushProperty name="color" value="#AE198D"/>
+      <inkml:brushProperty name="inkEffects" value="galaxy"/>
+      <inkml:brushProperty name="anchorX" value="300.76978"/>
+      <inkml:brushProperty name="anchorY" value="-12067.19043"/>
+      <inkml:brushProperty name="scaleFactor" value="0.5"/>
+    </inkml:brush>
+  </inkml:definitions>
+  <inkml:trace contextRef="#ctx0" brushRef="#br0">48 321 24575,'0'0'0,"-3"0"0,-4 0 0,-3 0 0,-3 0 0,5 0 0,2-3 0,6 0 0,2-4 0,4 1 0,4 0 0,3-1 0,1-2 0,3 1 0,-1 1 0,-2-1 0,0 1 0,0-2 0,0-1 0,0 1 0,2-1 0,0 1 0,0 3 0,1 1 0,-4-1 0,0 1 0,0 1 0,1-2 0,1 1 0,0 1 0,1-2 0,0-3 0,0 1 0,1 1 0,0-1 0,-1 2 0,1-3 0,-1 2 0,1 2 0,0 1 0,-1 2 0,0-3 0,1 2 0,-4-4 0,0 1 0,0 1 0,1 1 0,-3-2 0,1 1 0,0 1 0,-1-2 0,0 1 0,1 1 0,1-3 0,1 2 0,1 0 0,1 2 0,-3-3 0,-3 2 0</inkml:trace>
+</inkml:ink>
+</file>
+
+<file path=ppt/ink/ink4.xml><?xml version="1.0" encoding="utf-8"?>
+<inkml:ink xmlns:inkml="http://www.w3.org/2003/InkML">
+  <inkml:definitions>
+    <inkml:context xml:id="ctx0">
+      <inkml:inkSource xml:id="inkSrc0">
+        <inkml:traceFormat>
+          <inkml:channel name="X" type="integer" min="-2.14748E9" max="2.14748E9" units="cm"/>
+          <inkml:channel name="Y" type="integer" min="-2.14748E9" max="2.14748E9" units="cm"/>
+          <inkml:channel name="F" type="integer" max="32767" units="dev"/>
+        </inkml:traceFormat>
+        <inkml:channelProperties>
+          <inkml:channelProperty channel="X" name="resolution" value="1000" units="1/cm"/>
+          <inkml:channelProperty channel="Y" name="resolution" value="1000" units="1/cm"/>
+          <inkml:channelProperty channel="F" name="resolution" value="0" units="1/dev"/>
+        </inkml:channelProperties>
+      </inkml:inkSource>
+      <inkml:timestamp xml:id="ts0" timeString="2025-11-25T12:36:08.016"/>
+    </inkml:context>
+    <inkml:brush xml:id="br0">
+      <inkml:brushProperty name="width" value="0.05" units="cm"/>
+      <inkml:brushProperty name="height" value="0.05" units="cm"/>
+      <inkml:brushProperty name="color" value="#AE198D"/>
+      <inkml:brushProperty name="inkEffects" value="galaxy"/>
+      <inkml:brushProperty name="anchorX" value="-1212.00623"/>
+      <inkml:brushProperty name="anchorY" value="-12593.24512"/>
+      <inkml:brushProperty name="scaleFactor" value="0.5"/>
+    </inkml:brush>
+  </inkml:definitions>
+  <inkml:trace contextRef="#ctx0" brushRef="#br0">0 4 24575,'0'0'0,"0"-3"0,0 2 0,4 1 0,-1 4 0,3 4 0,1 2 0,1 0 0,0 2 0,1 1 0,-1 1 0,1-2 0,-1 1 0,1 0 0,2 0 0,-2 2 0,2-3 0,-2 1 0,1 0 0,1 1 0,-2 0 0,2 2 0,1-4 0,-3 1 0,3-3 0,0 1 0,-2 0 0,-2 2 0,0-3 0,-1 2 0,1 0 0,2-2 0,-1 2 0,1-3 0,2 4 0,1-2 0,-2 1 0,1 2 0,-2 0 0,0 1 0,2 1 0,0-3 0,-1 0 0,1-3 0,0 1 0,-2 0 0,-2 2 0,1-3 0,1 2 0,2-3 0,1 1 0,-1 1 0,0-2 0,-2 2 0,0-3 0,-2 2 0,2 1 0,0-1 0,0 0 0,0-1 0,2-3 0,-2 2 0,0-2 0,3 2 0,-3-1 0</inkml:trace>
+</inkml:ink>
+</file>
+
+<file path=ppt/ink/ink5.xml><?xml version="1.0" encoding="utf-8"?>
+<inkml:ink xmlns:inkml="http://www.w3.org/2003/InkML">
+  <inkml:definitions>
+    <inkml:context xml:id="ctx0">
+      <inkml:inkSource xml:id="inkSrc0">
+        <inkml:traceFormat>
+          <inkml:channel name="X" type="integer" min="-2.14748E9" max="2.14748E9" units="cm"/>
+          <inkml:channel name="Y" type="integer" min="-2.14748E9" max="2.14748E9" units="cm"/>
+          <inkml:channel name="F" type="integer" max="32767" units="dev"/>
+        </inkml:traceFormat>
+        <inkml:channelProperties>
+          <inkml:channelProperty channel="X" name="resolution" value="1000" units="1/cm"/>
+          <inkml:channelProperty channel="Y" name="resolution" value="1000" units="1/cm"/>
+          <inkml:channelProperty channel="F" name="resolution" value="0" units="1/dev"/>
+        </inkml:channelProperties>
+      </inkml:inkSource>
+      <inkml:timestamp xml:id="ts0" timeString="2025-11-25T12:36:10.384"/>
+    </inkml:context>
+    <inkml:brush xml:id="br0">
+      <inkml:brushProperty name="width" value="0.05" units="cm"/>
+      <inkml:brushProperty name="height" value="0.05" units="cm"/>
+      <inkml:brushProperty name="color" value="#AE198D"/>
+      <inkml:brushProperty name="inkEffects" value="galaxy"/>
+      <inkml:brushProperty name="anchorX" value="-2668.81226"/>
+      <inkml:brushProperty name="anchorY" value="-14120.58887"/>
+      <inkml:brushProperty name="scaleFactor" value="0.5"/>
+    </inkml:brush>
+  </inkml:definitions>
+  <inkml:trace contextRef="#ctx0" brushRef="#br0">638 1 24575,'0'0'0,"0"3"0,-3 1 0,-1 2 0,-2 0 0,-4 3 0,-2 2 0,-2-2 0,2 2 0,-1 1 0,-1-1 0,0-3 0,-1 1 0,-1 1 0,0-2 0,3 2 0,0-2 0,3 2 0,0-2 0,-2-3 0,3 3 0,-2-2 0,3 1 0,-1 0 0,-2-2 0,-5 2 0,2 2 0,-1 0 0,-1 0 0,1-1 0,-1 2 0,-1 1 0,1 2 0,-1-2 0,1-3 0,-1 2 0,1-3 0,3 2 0,-1 1 0,1 2 0,0-2 0,1 2 0,1-3 0,1 2 0,0-3 0,-1-2 0,2 1 0,-1-1 0,1 2 0,-1-2 0,3 3 0,-2-2 0,1 2 0,-1-2 0,2 2 0,1-1 0</inkml:trace>
+</inkml:ink>
+</file>
+
+<file path=ppt/ink/ink6.xml><?xml version="1.0" encoding="utf-8"?>
+<inkml:ink xmlns:inkml="http://www.w3.org/2003/InkML">
+  <inkml:definitions>
+    <inkml:context xml:id="ctx0">
+      <inkml:inkSource xml:id="inkSrc0">
+        <inkml:traceFormat>
+          <inkml:channel name="X" type="integer" min="-2.14748E9" max="2.14748E9" units="cm"/>
+          <inkml:channel name="Y" type="integer" min="-2.14748E9" max="2.14748E9" units="cm"/>
+          <inkml:channel name="F" type="integer" max="32767" units="dev"/>
+        </inkml:traceFormat>
+        <inkml:channelProperties>
+          <inkml:channelProperty channel="X" name="resolution" value="1000" units="1/cm"/>
+          <inkml:channelProperty channel="Y" name="resolution" value="1000" units="1/cm"/>
+          <inkml:channelProperty channel="F" name="resolution" value="0" units="1/dev"/>
+        </inkml:channelProperties>
+      </inkml:inkSource>
+      <inkml:timestamp xml:id="ts0" timeString="2025-11-25T12:36:10.861"/>
+    </inkml:context>
+    <inkml:brush xml:id="br0">
+      <inkml:brushProperty name="width" value="0.05" units="cm"/>
+      <inkml:brushProperty name="height" value="0.05" units="cm"/>
+      <inkml:brushProperty name="color" value="#AE198D"/>
+      <inkml:brushProperty name="inkEffects" value="galaxy"/>
+      <inkml:brushProperty name="anchorX" value="-1185.33569"/>
+      <inkml:brushProperty name="anchorY" value="-13739.55371"/>
+      <inkml:brushProperty name="scaleFactor" value="0.5"/>
+    </inkml:brush>
+  </inkml:definitions>
+  <inkml:trace contextRef="#ctx0" brushRef="#br0">1 1 24575,'0'0'0,"0"3"0,0 4 0,0 3 0,0 3 0,0 2 0,0 1 0,0 1 0,0 0 0,0 0 0,0 0 0,0 0 0,0 0 0,0 0 0,0-1 0,0 1 0,0-1 0,0 1 0,0-1 0,0 1 0,0-1 0,0 1 0,0-1 0,0 1 0,0-1 0,0 1 0,0-1 0,0 1 0,0-1 0,0 1 0,0-1 0,0 1 0,0-1 0,3-3 0,0 0 0,4 0 0,2-2 0,0 0 0,2 1 0,1-3 0,-2 2 0,2-2 0,-3 1 0,1 0 0,1 0 0,2-3 0,1-2 0,-2 1 0,0-1 0,1-1 0,1-1 0,1-1 0,1-1 0,0-1 0,0 0 0,1 0 0,-1 0 0,1-1 0,-1 1 0,1 0 0,0 0 0,-4-3 0,0-1 0,0 1 0,1 0 0,0-2 0,2 0 0,-1 1 0,2-2 0,-1 0 0,0 2 0,1 0 0,0 2 0,-1-2 0,1 0 0,-1 0 0,-2-2 0,-1 1 0,0 1 0,1 1 0,0 1 0,1 0 0,-2-1 0,-4-4 0,-3 0 0</inkml:trace>
+</inkml:ink>
+</file>
+
 <file path=ppt/slideLayouts/slideLayout1.xml><?xml version="1.0" encoding="utf-8"?>
 <p:sldLayout xmlns:a="http://schemas.openxmlformats.org/drawingml/2006/main" xmlns:r="http://schemas.openxmlformats.org/officeDocument/2006/relationships" xmlns:p="http://schemas.openxmlformats.org/presentationml/2006/main" type="title" preserve="1">
   <p:cSld name="Title Slide">
@@ -3732,7 +3733,7 @@
           <a:p>
             <a:fld id="{D5EC4132-83FF-430E-8473-4C6C1D8D7455}" type="slidenum">
               <a:rPr lang="nl-NL" smtClean="0"/>
-              <a:t>‹nr.›</a:t>
+              <a:t>‹#›</a:t>
             </a:fld>
             <a:endParaRPr lang="nl-NL"/>
           </a:p>
@@ -4056,7 +4057,7 @@
           <a:p>
             <a:fld id="{D5EC4132-83FF-430E-8473-4C6C1D8D7455}" type="slidenum">
               <a:rPr lang="nl-NL" smtClean="0"/>
-              <a:t>‹nr.›</a:t>
+              <a:t>‹#›</a:t>
             </a:fld>
             <a:endParaRPr lang="nl-NL"/>
           </a:p>
@@ -4334,7 +4335,7 @@
           <a:p>
             <a:fld id="{D5EC4132-83FF-430E-8473-4C6C1D8D7455}" type="slidenum">
               <a:rPr lang="nl-NL" smtClean="0"/>
-              <a:t>‹nr.›</a:t>
+              <a:t>‹#›</a:t>
             </a:fld>
             <a:endParaRPr lang="nl-NL"/>
           </a:p>
@@ -4902,7 +4903,7 @@
           <a:p>
             <a:fld id="{D5EC4132-83FF-430E-8473-4C6C1D8D7455}" type="slidenum">
               <a:rPr lang="nl-NL" smtClean="0"/>
-              <a:t>‹nr.›</a:t>
+              <a:t>‹#›</a:t>
             </a:fld>
             <a:endParaRPr lang="nl-NL"/>
           </a:p>
@@ -5180,7 +5181,7 @@
           <a:p>
             <a:fld id="{D5EC4132-83FF-430E-8473-4C6C1D8D7455}" type="slidenum">
               <a:rPr lang="nl-NL" smtClean="0"/>
-              <a:t>‹nr.›</a:t>
+              <a:t>‹#›</a:t>
             </a:fld>
             <a:endParaRPr lang="nl-NL"/>
           </a:p>
@@ -5742,7 +5743,7 @@
           <a:p>
             <a:fld id="{D5EC4132-83FF-430E-8473-4C6C1D8D7455}" type="slidenum">
               <a:rPr lang="nl-NL" smtClean="0"/>
-              <a:t>‹nr.›</a:t>
+              <a:t>‹#›</a:t>
             </a:fld>
             <a:endParaRPr lang="nl-NL"/>
           </a:p>
@@ -6069,7 +6070,7 @@
           <a:p>
             <a:fld id="{D5EC4132-83FF-430E-8473-4C6C1D8D7455}" type="slidenum">
               <a:rPr lang="nl-NL" smtClean="0"/>
-              <a:t>‹nr.›</a:t>
+              <a:t>‹#›</a:t>
             </a:fld>
             <a:endParaRPr lang="nl-NL"/>
           </a:p>
@@ -6246,7 +6247,7 @@
           <a:p>
             <a:fld id="{D5EC4132-83FF-430E-8473-4C6C1D8D7455}" type="slidenum">
               <a:rPr lang="nl-NL" smtClean="0"/>
-              <a:t>‹nr.›</a:t>
+              <a:t>‹#›</a:t>
             </a:fld>
             <a:endParaRPr lang="nl-NL"/>
           </a:p>
@@ -6484,7 +6485,7 @@
           <a:p>
             <a:fld id="{D5EC4132-83FF-430E-8473-4C6C1D8D7455}" type="slidenum">
               <a:rPr lang="nl-NL" smtClean="0"/>
-              <a:t>‹nr.›</a:t>
+              <a:t>‹#›</a:t>
             </a:fld>
             <a:endParaRPr lang="nl-NL"/>
           </a:p>
@@ -6684,7 +6685,7 @@
           <a:p>
             <a:fld id="{D5EC4132-83FF-430E-8473-4C6C1D8D7455}" type="slidenum">
               <a:rPr lang="nl-NL" smtClean="0"/>
-              <a:t>‹nr.›</a:t>
+              <a:t>‹#›</a:t>
             </a:fld>
             <a:endParaRPr lang="nl-NL"/>
           </a:p>
@@ -6960,7 +6961,7 @@
           <a:p>
             <a:fld id="{D5EC4132-83FF-430E-8473-4C6C1D8D7455}" type="slidenum">
               <a:rPr lang="nl-NL" smtClean="0"/>
-              <a:t>‹nr.›</a:t>
+              <a:t>‹#›</a:t>
             </a:fld>
             <a:endParaRPr lang="nl-NL"/>
           </a:p>
@@ -7226,7 +7227,7 @@
           <a:p>
             <a:fld id="{D5EC4132-83FF-430E-8473-4C6C1D8D7455}" type="slidenum">
               <a:rPr lang="nl-NL" smtClean="0"/>
-              <a:t>‹nr.›</a:t>
+              <a:t>‹#›</a:t>
             </a:fld>
             <a:endParaRPr lang="nl-NL"/>
           </a:p>
@@ -7600,7 +7601,7 @@
           <a:p>
             <a:fld id="{D5EC4132-83FF-430E-8473-4C6C1D8D7455}" type="slidenum">
               <a:rPr lang="nl-NL" smtClean="0"/>
-              <a:t>‹nr.›</a:t>
+              <a:t>‹#›</a:t>
             </a:fld>
             <a:endParaRPr lang="nl-NL"/>
           </a:p>
@@ -7748,7 +7749,7 @@
           <a:p>
             <a:fld id="{D5EC4132-83FF-430E-8473-4C6C1D8D7455}" type="slidenum">
               <a:rPr lang="nl-NL" smtClean="0"/>
-              <a:t>‹nr.›</a:t>
+              <a:t>‹#›</a:t>
             </a:fld>
             <a:endParaRPr lang="nl-NL"/>
           </a:p>
@@ -7873,7 +7874,7 @@
           <a:p>
             <a:fld id="{D5EC4132-83FF-430E-8473-4C6C1D8D7455}" type="slidenum">
               <a:rPr lang="nl-NL" smtClean="0"/>
-              <a:t>‹nr.›</a:t>
+              <a:t>‹#›</a:t>
             </a:fld>
             <a:endParaRPr lang="nl-NL"/>
           </a:p>
@@ -8158,7 +8159,7 @@
           <a:p>
             <a:fld id="{D5EC4132-83FF-430E-8473-4C6C1D8D7455}" type="slidenum">
               <a:rPr lang="nl-NL" smtClean="0"/>
-              <a:t>‹nr.›</a:t>
+              <a:t>‹#›</a:t>
             </a:fld>
             <a:endParaRPr lang="nl-NL"/>
           </a:p>
@@ -8482,7 +8483,7 @@
           <a:p>
             <a:fld id="{D5EC4132-83FF-430E-8473-4C6C1D8D7455}" type="slidenum">
               <a:rPr lang="nl-NL" smtClean="0"/>
-              <a:t>‹nr.›</a:t>
+              <a:t>‹#›</a:t>
             </a:fld>
             <a:endParaRPr lang="nl-NL"/>
           </a:p>
@@ -8732,7 +8733,7 @@
           <a:p>
             <a:fld id="{D5EC4132-83FF-430E-8473-4C6C1D8D7455}" type="slidenum">
               <a:rPr lang="nl-NL" smtClean="0"/>
-              <a:t>‹nr.›</a:t>
+              <a:t>‹#›</a:t>
             </a:fld>
             <a:endParaRPr lang="nl-NL"/>
           </a:p>
@@ -9250,6 +9251,57 @@
           </a:p>
         </p:txBody>
       </p:sp>
+      <mc:AlternateContent xmlns:mc="http://schemas.openxmlformats.org/markup-compatibility/2006">
+        <mc:Choice xmlns:p14="http://schemas.microsoft.com/office/powerpoint/2010/main" xmlns:aink="http://schemas.microsoft.com/office/drawing/2016/ink" Requires="p14 aink">
+          <p:contentPart p14:bwMode="auto" r:id="rId2">
+            <p14:nvContentPartPr>
+              <p14:cNvPr id="4" name="Ink 3">
+                <a:extLst>
+                  <a:ext uri="{FF2B5EF4-FFF2-40B4-BE49-F238E27FC236}">
+                    <a16:creationId xmlns:a16="http://schemas.microsoft.com/office/drawing/2014/main" id="{5E243B34-3AAF-44D6-D2FB-0C26DE47150C}"/>
+                  </a:ext>
+                </a:extLst>
+              </p14:cNvPr>
+              <p14:cNvContentPartPr/>
+              <p14:nvPr/>
+            </p14:nvContentPartPr>
+            <p14:xfrm>
+              <a:off x="10082029" y="2345119"/>
+              <a:ext cx="360" cy="360"/>
+            </p14:xfrm>
+          </p:contentPart>
+        </mc:Choice>
+        <mc:Fallback>
+          <p:pic>
+            <p:nvPicPr>
+              <p:cNvPr id="4" name="Ink 3">
+                <a:extLst>
+                  <a:ext uri="{FF2B5EF4-FFF2-40B4-BE49-F238E27FC236}">
+                    <a16:creationId xmlns:a16="http://schemas.microsoft.com/office/drawing/2014/main" id="{5E243B34-3AAF-44D6-D2FB-0C26DE47150C}"/>
+                  </a:ext>
+                </a:extLst>
+              </p:cNvPr>
+              <p:cNvPicPr/>
+              <p:nvPr/>
+            </p:nvPicPr>
+            <p:blipFill>
+              <a:blip r:embed="rId3"/>
+              <a:stretch>
+                <a:fillRect/>
+              </a:stretch>
+            </p:blipFill>
+            <p:spPr>
+              <a:xfrm>
+                <a:off x="10073029" y="2336479"/>
+                <a:ext cx="18000" cy="18000"/>
+              </a:xfrm>
+              <a:prstGeom prst="rect">
+                <a:avLst/>
+              </a:prstGeom>
+            </p:spPr>
+          </p:pic>
+        </mc:Fallback>
+      </mc:AlternateContent>
     </p:spTree>
     <p:extLst>
       <p:ext uri="{BB962C8B-B14F-4D97-AF65-F5344CB8AC3E}">
@@ -9264,6 +9316,103 @@
 </file>
 
 <file path=ppt/slides/slide10.xml><?xml version="1.0" encoding="utf-8"?>
+<p:sld xmlns:a="http://schemas.openxmlformats.org/drawingml/2006/main" xmlns:r="http://schemas.openxmlformats.org/officeDocument/2006/relationships" xmlns:p="http://schemas.openxmlformats.org/presentationml/2006/main">
+  <p:cSld>
+    <p:spTree>
+      <p:nvGrpSpPr>
+        <p:cNvPr id="1" name=""/>
+        <p:cNvGrpSpPr/>
+        <p:nvPr/>
+      </p:nvGrpSpPr>
+      <p:grpSpPr>
+        <a:xfrm>
+          <a:off x="0" y="0"/>
+          <a:ext cx="0" cy="0"/>
+          <a:chOff x="0" y="0"/>
+          <a:chExt cx="0" cy="0"/>
+        </a:xfrm>
+      </p:grpSpPr>
+      <p:sp>
+        <p:nvSpPr>
+          <p:cNvPr id="2" name="Title 1">
+            <a:extLst>
+              <a:ext uri="{FF2B5EF4-FFF2-40B4-BE49-F238E27FC236}">
+                <a16:creationId xmlns:a16="http://schemas.microsoft.com/office/drawing/2014/main" id="{3B316FE2-8D8C-7F98-35F4-2C37C5FA7FDA}"/>
+              </a:ext>
+            </a:extLst>
+          </p:cNvPr>
+          <p:cNvSpPr>
+            <a:spLocks noGrp="1"/>
+          </p:cNvSpPr>
+          <p:nvPr>
+            <p:ph type="title"/>
+          </p:nvPr>
+        </p:nvSpPr>
+        <p:spPr/>
+        <p:txBody>
+          <a:bodyPr/>
+          <a:lstStyle/>
+          <a:p>
+            <a:r>
+              <a:rPr lang="nl-NL" dirty="0" err="1"/>
+              <a:t>retrospective</a:t>
+            </a:r>
+            <a:endParaRPr lang="nl-NL" dirty="0"/>
+          </a:p>
+        </p:txBody>
+      </p:sp>
+      <p:sp>
+        <p:nvSpPr>
+          <p:cNvPr id="3" name="Content Placeholder 2">
+            <a:extLst>
+              <a:ext uri="{FF2B5EF4-FFF2-40B4-BE49-F238E27FC236}">
+                <a16:creationId xmlns:a16="http://schemas.microsoft.com/office/drawing/2014/main" id="{D7A0D1E5-C72E-270B-6A56-8AB180F6AB69}"/>
+              </a:ext>
+            </a:extLst>
+          </p:cNvPr>
+          <p:cNvSpPr>
+            <a:spLocks noGrp="1"/>
+          </p:cNvSpPr>
+          <p:nvPr>
+            <p:ph idx="1"/>
+          </p:nvPr>
+        </p:nvSpPr>
+        <p:spPr/>
+        <p:txBody>
+          <a:bodyPr/>
+          <a:lstStyle/>
+          <a:p>
+            <a:r>
+              <a:rPr lang="nl-NL" dirty="0"/>
+              <a:t>Algemene communicatie</a:t>
+            </a:r>
+          </a:p>
+          <a:p>
+            <a:r>
+              <a:rPr lang="nl-NL" dirty="0"/>
+              <a:t>Budget -&gt; keuze materialen zeer verminderd</a:t>
+            </a:r>
+            <a:br>
+              <a:rPr lang="nl-NL" dirty="0"/>
+            </a:br>
+            <a:endParaRPr lang="nl-NL" dirty="0"/>
+          </a:p>
+        </p:txBody>
+      </p:sp>
+    </p:spTree>
+    <p:extLst>
+      <p:ext uri="{BB962C8B-B14F-4D97-AF65-F5344CB8AC3E}">
+        <p14:creationId xmlns:p14="http://schemas.microsoft.com/office/powerpoint/2010/main" val="3188886355"/>
+      </p:ext>
+    </p:extLst>
+  </p:cSld>
+  <p:clrMapOvr>
+    <a:masterClrMapping/>
+  </p:clrMapOvr>
+</p:sld>
+</file>
+
+<file path=ppt/slides/slide11.xml><?xml version="1.0" encoding="utf-8"?>
 <p:sld xmlns:a="http://schemas.openxmlformats.org/drawingml/2006/main" xmlns:r="http://schemas.openxmlformats.org/officeDocument/2006/relationships" xmlns:p="http://schemas.openxmlformats.org/presentationml/2006/main">
   <p:cSld>
     <p:spTree>
@@ -9355,7 +9504,7 @@
 </p:sld>
 </file>
 
-<file path=ppt/slides/slide11.xml><?xml version="1.0" encoding="utf-8"?>
+<file path=ppt/slides/slide12.xml><?xml version="1.0" encoding="utf-8"?>
 <p:sld xmlns:a="http://schemas.openxmlformats.org/drawingml/2006/main" xmlns:r="http://schemas.openxmlformats.org/officeDocument/2006/relationships" xmlns:p="http://schemas.openxmlformats.org/presentationml/2006/main">
   <p:cSld>
     <p:spTree>
@@ -9675,6 +9824,11 @@
           </p:cNvGraphicFramePr>
           <p:nvPr>
             <p:ph idx="1"/>
+            <p:extLst>
+              <p:ext uri="{D42A27DB-BD31-4B8C-83A1-F6EECF244321}">
+                <p14:modId xmlns:p14="http://schemas.microsoft.com/office/powerpoint/2010/main" val="1718981718"/>
+              </p:ext>
+            </p:extLst>
           </p:nvPr>
         </p:nvGraphicFramePr>
         <p:xfrm>
@@ -9900,14 +10054,14 @@
               <p:nvPr>
                 <p:extLst>
                   <p:ext uri="{D42A27DB-BD31-4B8C-83A1-F6EECF244321}">
-                    <p14:modId xmlns:p14="http://schemas.microsoft.com/office/powerpoint/2010/main" val="3380427729"/>
+                    <p14:modId xmlns:p14="http://schemas.microsoft.com/office/powerpoint/2010/main" val="559047981"/>
                   </p:ext>
                 </p:extLst>
               </p:nvPr>
             </p:nvGraphicFramePr>
             <p:xfrm>
-              <a:off x="5803389" y="480228"/>
-              <a:ext cx="4602725" cy="3411453"/>
+              <a:off x="5810451" y="474521"/>
+              <a:ext cx="4588600" cy="3422866"/>
             </p:xfrm>
             <a:graphic>
               <a:graphicData uri="http://schemas.microsoft.com/office/drawing/2017/model3d">
@@ -9915,7 +10069,7 @@
                   <am3d:spPr>
                     <a:xfrm>
                       <a:off x="0" y="0"/>
-                      <a:ext cx="4602725" cy="3411453"/>
+                      <a:ext cx="4588600" cy="3422866"/>
                     </a:xfrm>
                     <a:prstGeom prst="rect">
                       <a:avLst/>
@@ -9935,13 +10089,13 @@
                       <am3d:sy n="1000000" d="1000000"/>
                       <am3d:sz n="1000000" d="1000000"/>
                     </am3d:scale>
-                    <am3d:rot ax="-2992648" ay="75217" az="-89225"/>
+                    <am3d:rot ax="-2933942" ay="60289" az="-69097"/>
                     <am3d:postTrans dx="0" dy="0" dz="0"/>
                   </am3d:trans>
                   <am3d:raster rName="Office3DRenderer" rVer="16.0.8326">
                     <am3d:blip r:embed="rId3"/>
                   </am3d:raster>
-                  <am3d:objViewport viewportSz="5418660"/>
+                  <am3d:objViewport viewportSz="5418659"/>
                   <am3d:ambientLight>
                     <am3d:clr>
                       <a:scrgbClr r="50000" g="50000" b="50000"/>
@@ -9997,8 +10151,8 @@
             </p:blipFill>
             <p:spPr>
               <a:xfrm>
-                <a:off x="5803389" y="480228"/>
-                <a:ext cx="4602725" cy="3411453"/>
+                <a:off x="5810451" y="474521"/>
+                <a:ext cx="4588600" cy="3422866"/>
               </a:xfrm>
               <a:prstGeom prst="rect">
                 <a:avLst/>
@@ -12673,6 +12827,375 @@
           </a:prstGeom>
         </p:spPr>
       </p:pic>
+      <p:pic>
+        <p:nvPicPr>
+          <p:cNvPr id="4" name="Picture 3" descr="A close-up of a microchip&#10;&#10;AI-generated content may be incorrect.">
+            <a:extLst>
+              <a:ext uri="{FF2B5EF4-FFF2-40B4-BE49-F238E27FC236}">
+                <a16:creationId xmlns:a16="http://schemas.microsoft.com/office/drawing/2014/main" id="{D1095524-CEE5-C2A2-4609-B41769C43E23}"/>
+              </a:ext>
+            </a:extLst>
+          </p:cNvPr>
+          <p:cNvPicPr>
+            <a:picLocks noChangeAspect="1"/>
+          </p:cNvPicPr>
+          <p:nvPr/>
+        </p:nvPicPr>
+        <p:blipFill>
+          <a:blip r:embed="rId10">
+            <a:extLst>
+              <a:ext uri="{BEBA8EAE-BF5A-486C-A8C5-ECC9F3942E4B}">
+                <a14:imgProps xmlns:a14="http://schemas.microsoft.com/office/drawing/2010/main">
+                  <a14:imgLayer r:embed="rId11">
+                    <a14:imgEffect>
+                      <a14:backgroundRemoval t="10000" b="90000" l="9600" r="90800">
+                        <a14:foregroundMark x1="13200" y1="53900" x2="13200" y2="53900"/>
+                        <a14:foregroundMark x1="12400" y1="53000" x2="12400" y2="53000"/>
+                        <a14:foregroundMark x1="10800" y1="50700" x2="10800" y2="50700"/>
+                        <a14:foregroundMark x1="10100" y1="50000" x2="10100" y2="50000"/>
+                        <a14:foregroundMark x1="9700" y1="49300" x2="12200" y2="52400"/>
+                        <a14:foregroundMark x1="33500" y1="75900" x2="33500" y2="75900"/>
+                        <a14:foregroundMark x1="33600" y1="74000" x2="34000" y2="77400"/>
+                        <a14:foregroundMark x1="36639" y1="73900" x2="36700" y2="75900"/>
+                        <a14:foregroundMark x1="36600" y1="72600" x2="36639" y2="73900"/>
+                        <a14:foregroundMark x1="39500" y1="71000" x2="39600" y2="75100"/>
+                        <a14:foregroundMark x1="29900" y1="73200" x2="29900" y2="73200"/>
+                        <a14:foregroundMark x1="28400" y1="73100" x2="28400" y2="73100"/>
+                        <a14:foregroundMark x1="27500" y1="72400" x2="27500" y2="72400"/>
+                        <a14:foregroundMark x1="26300" y1="70400" x2="26300" y2="70400"/>
+                        <a14:foregroundMark x1="25600" y1="69500" x2="25600" y2="69500"/>
+                        <a14:foregroundMark x1="22400" y1="65900" x2="27700" y2="72500"/>
+                        <a14:foregroundMark x1="90800" y1="41600" x2="90800" y2="41600"/>
+                        <a14:foregroundMark x1="90300" y1="43500" x2="90300" y2="43500"/>
+                        <a14:foregroundMark x1="17500" y1="59300" x2="17500" y2="59300"/>
+                        <a14:foregroundMark x1="17800" y1="60500" x2="17800" y2="60500"/>
+                        <a14:foregroundMark x1="18700" y1="61600" x2="18700" y2="61600"/>
+                        <a14:foregroundMark x1="16800" y1="58500" x2="16800" y2="58500"/>
+                        <a14:foregroundMark x1="16500" y1="58100" x2="16500" y2="58100"/>
+                        <a14:foregroundMark x1="15500" y1="57700" x2="15500" y2="57700"/>
+                        <a14:foregroundMark x1="15700" y1="57700" x2="19300" y2="62200"/>
+                        <a14:backgroundMark x1="35100" y1="73900" x2="35100" y2="73900"/>
+                      </a14:backgroundRemoval>
+                    </a14:imgEffect>
+                  </a14:imgLayer>
+                </a14:imgProps>
+              </a:ext>
+              <a:ext uri="{28A0092B-C50C-407E-A947-70E740481C1C}">
+                <a14:useLocalDpi xmlns:a14="http://schemas.microsoft.com/office/drawing/2010/main" val="0"/>
+              </a:ext>
+            </a:extLst>
+          </a:blip>
+          <a:stretch>
+            <a:fillRect/>
+          </a:stretch>
+        </p:blipFill>
+        <p:spPr>
+          <a:xfrm>
+            <a:off x="4835568" y="4723155"/>
+            <a:ext cx="3138083" cy="3138083"/>
+          </a:xfrm>
+          <a:prstGeom prst="rect">
+            <a:avLst/>
+          </a:prstGeom>
+        </p:spPr>
+      </p:pic>
+      <p:grpSp>
+        <p:nvGrpSpPr>
+          <p:cNvPr id="17" name="Group 16">
+            <a:extLst>
+              <a:ext uri="{FF2B5EF4-FFF2-40B4-BE49-F238E27FC236}">
+                <a16:creationId xmlns:a16="http://schemas.microsoft.com/office/drawing/2014/main" id="{A6D4B63E-87BE-8A00-D046-9365ABCA6414}"/>
+              </a:ext>
+            </a:extLst>
+          </p:cNvPr>
+          <p:cNvGrpSpPr/>
+          <p:nvPr/>
+        </p:nvGrpSpPr>
+        <p:grpSpPr>
+          <a:xfrm>
+            <a:off x="6566989" y="1891206"/>
+            <a:ext cx="451080" cy="420480"/>
+            <a:chOff x="6566989" y="1891206"/>
+            <a:chExt cx="451080" cy="420480"/>
+          </a:xfrm>
+        </p:grpSpPr>
+        <mc:AlternateContent xmlns:mc="http://schemas.openxmlformats.org/markup-compatibility/2006">
+          <mc:Choice xmlns:p14="http://schemas.microsoft.com/office/powerpoint/2010/main" xmlns:aink="http://schemas.microsoft.com/office/drawing/2016/ink" Requires="p14 aink">
+            <p:contentPart p14:bwMode="auto" r:id="rId12">
+              <p14:nvContentPartPr>
+                <p14:cNvPr id="11" name="Ink 10">
+                  <a:extLst>
+                    <a:ext uri="{FF2B5EF4-FFF2-40B4-BE49-F238E27FC236}">
+                      <a16:creationId xmlns:a16="http://schemas.microsoft.com/office/drawing/2014/main" id="{4B90FBF5-122E-3637-9650-81AED31347A2}"/>
+                    </a:ext>
+                  </a:extLst>
+                </p14:cNvPr>
+                <p14:cNvContentPartPr/>
+                <p14:nvPr/>
+              </p14:nvContentPartPr>
+              <p14:xfrm>
+                <a:off x="6584629" y="2030526"/>
+                <a:ext cx="433440" cy="59040"/>
+              </p14:xfrm>
+            </p:contentPart>
+          </mc:Choice>
+          <mc:Fallback>
+            <p:pic>
+              <p:nvPicPr>
+                <p:cNvPr id="11" name="Ink 10">
+                  <a:extLst>
+                    <a:ext uri="{FF2B5EF4-FFF2-40B4-BE49-F238E27FC236}">
+                      <a16:creationId xmlns:a16="http://schemas.microsoft.com/office/drawing/2014/main" id="{4B90FBF5-122E-3637-9650-81AED31347A2}"/>
+                    </a:ext>
+                  </a:extLst>
+                </p:cNvPr>
+                <p:cNvPicPr/>
+                <p:nvPr/>
+              </p:nvPicPr>
+              <p:blipFill>
+                <a:blip r:embed="rId13"/>
+                <a:stretch>
+                  <a:fillRect/>
+                </a:stretch>
+              </p:blipFill>
+              <p:spPr>
+                <a:xfrm>
+                  <a:off x="6575989" y="2021886"/>
+                  <a:ext cx="451080" cy="76680"/>
+                </a:xfrm>
+                <a:prstGeom prst="rect">
+                  <a:avLst/>
+                </a:prstGeom>
+              </p:spPr>
+            </p:pic>
+          </mc:Fallback>
+        </mc:AlternateContent>
+        <mc:AlternateContent xmlns:mc="http://schemas.openxmlformats.org/markup-compatibility/2006">
+          <mc:Choice xmlns:p14="http://schemas.microsoft.com/office/powerpoint/2010/main" xmlns:aink="http://schemas.microsoft.com/office/drawing/2016/ink" Requires="p14 aink">
+            <p:contentPart p14:bwMode="auto" r:id="rId14">
+              <p14:nvContentPartPr>
+                <p14:cNvPr id="12" name="Ink 11">
+                  <a:extLst>
+                    <a:ext uri="{FF2B5EF4-FFF2-40B4-BE49-F238E27FC236}">
+                      <a16:creationId xmlns:a16="http://schemas.microsoft.com/office/drawing/2014/main" id="{03684E8E-2DB7-0BFB-6704-673BCD08E70A}"/>
+                    </a:ext>
+                  </a:extLst>
+                </p14:cNvPr>
+                <p14:cNvContentPartPr/>
+                <p14:nvPr/>
+              </p14:nvContentPartPr>
+              <p14:xfrm>
+                <a:off x="6597229" y="1891206"/>
+                <a:ext cx="257400" cy="115920"/>
+              </p14:xfrm>
+            </p:contentPart>
+          </mc:Choice>
+          <mc:Fallback>
+            <p:pic>
+              <p:nvPicPr>
+                <p:cNvPr id="12" name="Ink 11">
+                  <a:extLst>
+                    <a:ext uri="{FF2B5EF4-FFF2-40B4-BE49-F238E27FC236}">
+                      <a16:creationId xmlns:a16="http://schemas.microsoft.com/office/drawing/2014/main" id="{03684E8E-2DB7-0BFB-6704-673BCD08E70A}"/>
+                    </a:ext>
+                  </a:extLst>
+                </p:cNvPr>
+                <p:cNvPicPr/>
+                <p:nvPr/>
+              </p:nvPicPr>
+              <p:blipFill>
+                <a:blip r:embed="rId15"/>
+                <a:stretch>
+                  <a:fillRect/>
+                </a:stretch>
+              </p:blipFill>
+              <p:spPr>
+                <a:xfrm>
+                  <a:off x="6588589" y="1882566"/>
+                  <a:ext cx="275040" cy="133560"/>
+                </a:xfrm>
+                <a:prstGeom prst="rect">
+                  <a:avLst/>
+                </a:prstGeom>
+              </p:spPr>
+            </p:pic>
+          </mc:Fallback>
+        </mc:AlternateContent>
+        <mc:AlternateContent xmlns:mc="http://schemas.openxmlformats.org/markup-compatibility/2006">
+          <mc:Choice xmlns:p14="http://schemas.microsoft.com/office/powerpoint/2010/main" xmlns:aink="http://schemas.microsoft.com/office/drawing/2016/ink" Requires="p14 aink">
+            <p:contentPart p14:bwMode="auto" r:id="rId16">
+              <p14:nvContentPartPr>
+                <p14:cNvPr id="14" name="Ink 13">
+                  <a:extLst>
+                    <a:ext uri="{FF2B5EF4-FFF2-40B4-BE49-F238E27FC236}">
+                      <a16:creationId xmlns:a16="http://schemas.microsoft.com/office/drawing/2014/main" id="{CA52FA29-B898-5DCF-0A7F-4170714ED0F2}"/>
+                    </a:ext>
+                  </a:extLst>
+                </p14:cNvPr>
+                <p14:cNvContentPartPr/>
+                <p14:nvPr/>
+              </p14:nvContentPartPr>
+              <p14:xfrm>
+                <a:off x="6566989" y="2065086"/>
+                <a:ext cx="219960" cy="246600"/>
+              </p14:xfrm>
+            </p:contentPart>
+          </mc:Choice>
+          <mc:Fallback>
+            <p:pic>
+              <p:nvPicPr>
+                <p:cNvPr id="14" name="Ink 13">
+                  <a:extLst>
+                    <a:ext uri="{FF2B5EF4-FFF2-40B4-BE49-F238E27FC236}">
+                      <a16:creationId xmlns:a16="http://schemas.microsoft.com/office/drawing/2014/main" id="{CA52FA29-B898-5DCF-0A7F-4170714ED0F2}"/>
+                    </a:ext>
+                  </a:extLst>
+                </p:cNvPr>
+                <p:cNvPicPr/>
+                <p:nvPr/>
+              </p:nvPicPr>
+              <p:blipFill>
+                <a:blip r:embed="rId17"/>
+                <a:stretch>
+                  <a:fillRect/>
+                </a:stretch>
+              </p:blipFill>
+              <p:spPr>
+                <a:xfrm>
+                  <a:off x="6557989" y="2056086"/>
+                  <a:ext cx="237600" cy="264240"/>
+                </a:xfrm>
+                <a:prstGeom prst="rect">
+                  <a:avLst/>
+                </a:prstGeom>
+              </p:spPr>
+            </p:pic>
+          </mc:Fallback>
+        </mc:AlternateContent>
+      </p:grpSp>
+      <p:grpSp>
+        <p:nvGrpSpPr>
+          <p:cNvPr id="20" name="Group 19">
+            <a:extLst>
+              <a:ext uri="{FF2B5EF4-FFF2-40B4-BE49-F238E27FC236}">
+                <a16:creationId xmlns:a16="http://schemas.microsoft.com/office/drawing/2014/main" id="{5597F53D-B21C-4119-9E6D-F7B66D78CC48}"/>
+              </a:ext>
+            </a:extLst>
+          </p:cNvPr>
+          <p:cNvGrpSpPr/>
+          <p:nvPr/>
+        </p:nvGrpSpPr>
+        <p:grpSpPr>
+          <a:xfrm>
+            <a:off x="5533789" y="3045726"/>
+            <a:ext cx="285120" cy="279720"/>
+            <a:chOff x="5533789" y="3045726"/>
+            <a:chExt cx="285120" cy="279720"/>
+          </a:xfrm>
+        </p:grpSpPr>
+        <mc:AlternateContent xmlns:mc="http://schemas.openxmlformats.org/markup-compatibility/2006">
+          <mc:Choice xmlns:p14="http://schemas.microsoft.com/office/powerpoint/2010/main" xmlns:aink="http://schemas.microsoft.com/office/drawing/2016/ink" Requires="p14 aink">
+            <p:contentPart p14:bwMode="auto" r:id="rId18">
+              <p14:nvContentPartPr>
+                <p14:cNvPr id="18" name="Ink 17">
+                  <a:extLst>
+                    <a:ext uri="{FF2B5EF4-FFF2-40B4-BE49-F238E27FC236}">
+                      <a16:creationId xmlns:a16="http://schemas.microsoft.com/office/drawing/2014/main" id="{27D44BC2-E7B7-A1DB-8F57-0DAB77040650}"/>
+                    </a:ext>
+                  </a:extLst>
+                </p14:cNvPr>
+                <p14:cNvContentPartPr/>
+                <p14:nvPr/>
+              </p14:nvContentPartPr>
+              <p14:xfrm>
+                <a:off x="5589229" y="3045726"/>
+                <a:ext cx="229680" cy="168120"/>
+              </p14:xfrm>
+            </p:contentPart>
+          </mc:Choice>
+          <mc:Fallback>
+            <p:pic>
+              <p:nvPicPr>
+                <p:cNvPr id="18" name="Ink 17">
+                  <a:extLst>
+                    <a:ext uri="{FF2B5EF4-FFF2-40B4-BE49-F238E27FC236}">
+                      <a16:creationId xmlns:a16="http://schemas.microsoft.com/office/drawing/2014/main" id="{27D44BC2-E7B7-A1DB-8F57-0DAB77040650}"/>
+                    </a:ext>
+                  </a:extLst>
+                </p:cNvPr>
+                <p:cNvPicPr/>
+                <p:nvPr/>
+              </p:nvPicPr>
+              <p:blipFill>
+                <a:blip r:embed="rId19"/>
+                <a:stretch>
+                  <a:fillRect/>
+                </a:stretch>
+              </p:blipFill>
+              <p:spPr>
+                <a:xfrm>
+                  <a:off x="5580589" y="3037086"/>
+                  <a:ext cx="247320" cy="185760"/>
+                </a:xfrm>
+                <a:prstGeom prst="rect">
+                  <a:avLst/>
+                </a:prstGeom>
+              </p:spPr>
+            </p:pic>
+          </mc:Fallback>
+        </mc:AlternateContent>
+        <mc:AlternateContent xmlns:mc="http://schemas.openxmlformats.org/markup-compatibility/2006">
+          <mc:Choice xmlns:p14="http://schemas.microsoft.com/office/powerpoint/2010/main" xmlns:aink="http://schemas.microsoft.com/office/drawing/2016/ink" Requires="p14 aink">
+            <p:contentPart p14:bwMode="auto" r:id="rId20">
+              <p14:nvContentPartPr>
+                <p14:cNvPr id="19" name="Ink 18">
+                  <a:extLst>
+                    <a:ext uri="{FF2B5EF4-FFF2-40B4-BE49-F238E27FC236}">
+                      <a16:creationId xmlns:a16="http://schemas.microsoft.com/office/drawing/2014/main" id="{68D4AC56-AD3E-DAD5-2F84-37F2C43F6D0A}"/>
+                    </a:ext>
+                  </a:extLst>
+                </p14:cNvPr>
+                <p14:cNvContentPartPr/>
+                <p14:nvPr/>
+              </p14:nvContentPartPr>
+              <p14:xfrm>
+                <a:off x="5533789" y="3087126"/>
+                <a:ext cx="248400" cy="238320"/>
+              </p14:xfrm>
+            </p:contentPart>
+          </mc:Choice>
+          <mc:Fallback>
+            <p:pic>
+              <p:nvPicPr>
+                <p:cNvPr id="19" name="Ink 18">
+                  <a:extLst>
+                    <a:ext uri="{FF2B5EF4-FFF2-40B4-BE49-F238E27FC236}">
+                      <a16:creationId xmlns:a16="http://schemas.microsoft.com/office/drawing/2014/main" id="{68D4AC56-AD3E-DAD5-2F84-37F2C43F6D0A}"/>
+                    </a:ext>
+                  </a:extLst>
+                </p:cNvPr>
+                <p:cNvPicPr/>
+                <p:nvPr/>
+              </p:nvPicPr>
+              <p:blipFill>
+                <a:blip r:embed="rId21"/>
+                <a:stretch>
+                  <a:fillRect/>
+                </a:stretch>
+              </p:blipFill>
+              <p:spPr>
+                <a:xfrm>
+                  <a:off x="5525149" y="3078486"/>
+                  <a:ext cx="266040" cy="255960"/>
+                </a:xfrm>
+                <a:prstGeom prst="rect">
+                  <a:avLst/>
+                </a:prstGeom>
+              </p:spPr>
+            </p:pic>
+          </mc:Fallback>
+        </mc:AlternateContent>
+      </p:grpSp>
     </p:spTree>
     <p:extLst>
       <p:ext uri="{BB962C8B-B14F-4D97-AF65-F5344CB8AC3E}">
@@ -12687,6 +13210,297 @@
 </file>
 
 <file path=ppt/slides/slide7.xml><?xml version="1.0" encoding="utf-8"?>
+<p:sld xmlns:a="http://schemas.openxmlformats.org/drawingml/2006/main" xmlns:r="http://schemas.openxmlformats.org/officeDocument/2006/relationships" xmlns:p="http://schemas.openxmlformats.org/presentationml/2006/main">
+  <p:cSld>
+    <p:spTree>
+      <p:nvGrpSpPr>
+        <p:cNvPr id="1" name="">
+          <a:extLst>
+            <a:ext uri="{FF2B5EF4-FFF2-40B4-BE49-F238E27FC236}">
+              <a16:creationId xmlns:a16="http://schemas.microsoft.com/office/drawing/2014/main" id="{F010BB67-7EBB-D597-30C2-FF15A02A0D01}"/>
+            </a:ext>
+          </a:extLst>
+        </p:cNvPr>
+        <p:cNvGrpSpPr/>
+        <p:nvPr/>
+      </p:nvGrpSpPr>
+      <p:grpSpPr>
+        <a:xfrm>
+          <a:off x="0" y="0"/>
+          <a:ext cx="0" cy="0"/>
+          <a:chOff x="0" y="0"/>
+          <a:chExt cx="0" cy="0"/>
+        </a:xfrm>
+      </p:grpSpPr>
+      <p:sp>
+        <p:nvSpPr>
+          <p:cNvPr id="2" name="Title 1">
+            <a:extLst>
+              <a:ext uri="{FF2B5EF4-FFF2-40B4-BE49-F238E27FC236}">
+                <a16:creationId xmlns:a16="http://schemas.microsoft.com/office/drawing/2014/main" id="{A2CB80F9-DC56-3FF8-99EC-46405501228D}"/>
+              </a:ext>
+            </a:extLst>
+          </p:cNvPr>
+          <p:cNvSpPr>
+            <a:spLocks noGrp="1"/>
+          </p:cNvSpPr>
+          <p:nvPr>
+            <p:ph type="title"/>
+          </p:nvPr>
+        </p:nvSpPr>
+        <p:spPr>
+          <a:xfrm>
+            <a:off x="723276" y="0"/>
+            <a:ext cx="10131425" cy="1456267"/>
+          </a:xfrm>
+        </p:spPr>
+        <p:txBody>
+          <a:bodyPr/>
+          <a:lstStyle/>
+          <a:p>
+            <a:r>
+              <a:rPr lang="nl-NL" dirty="0"/>
+              <a:t>Schakeling voor waterpompen</a:t>
+            </a:r>
+          </a:p>
+        </p:txBody>
+      </p:sp>
+      <p:pic>
+        <p:nvPicPr>
+          <p:cNvPr id="5" name="Content Placeholder 4">
+            <a:extLst>
+              <a:ext uri="{FF2B5EF4-FFF2-40B4-BE49-F238E27FC236}">
+                <a16:creationId xmlns:a16="http://schemas.microsoft.com/office/drawing/2014/main" id="{325CC453-24EE-9902-FAA1-D91851875BAA}"/>
+              </a:ext>
+            </a:extLst>
+          </p:cNvPr>
+          <p:cNvPicPr>
+            <a:picLocks noGrp="1" noChangeAspect="1"/>
+          </p:cNvPicPr>
+          <p:nvPr>
+            <p:ph idx="1"/>
+          </p:nvPr>
+        </p:nvPicPr>
+        <p:blipFill>
+          <a:blip r:embed="rId2"/>
+          <a:stretch>
+            <a:fillRect/>
+          </a:stretch>
+        </p:blipFill>
+        <p:spPr>
+          <a:xfrm>
+            <a:off x="0" y="-428966"/>
+            <a:ext cx="17192660" cy="9761333"/>
+          </a:xfrm>
+        </p:spPr>
+      </p:pic>
+      <p:pic>
+        <p:nvPicPr>
+          <p:cNvPr id="7" name="Picture 6">
+            <a:extLst>
+              <a:ext uri="{FF2B5EF4-FFF2-40B4-BE49-F238E27FC236}">
+                <a16:creationId xmlns:a16="http://schemas.microsoft.com/office/drawing/2014/main" id="{DBECE253-4F81-CDB0-2639-068856413311}"/>
+              </a:ext>
+            </a:extLst>
+          </p:cNvPr>
+          <p:cNvPicPr>
+            <a:picLocks noChangeAspect="1"/>
+          </p:cNvPicPr>
+          <p:nvPr/>
+        </p:nvPicPr>
+        <p:blipFill>
+          <a:blip r:embed="rId3">
+            <a:extLst>
+              <a:ext uri="{BEBA8EAE-BF5A-486C-A8C5-ECC9F3942E4B}">
+                <a14:imgProps xmlns:a14="http://schemas.microsoft.com/office/drawing/2010/main">
+                  <a14:imgLayer r:embed="rId4">
+                    <a14:imgEffect>
+                      <a14:backgroundRemoval t="8511" b="89942" l="983" r="99017">
+                        <a14:foregroundMark x1="5160" y1="28627" x2="5160" y2="28627"/>
+                        <a14:foregroundMark x1="983" y1="36750" x2="983" y2="36750"/>
+                        <a14:foregroundMark x1="33907" y1="8511" x2="33907" y2="8511"/>
+                        <a14:foregroundMark x1="93120" y1="51257" x2="93120" y2="51257"/>
+                        <a14:foregroundMark x1="95086" y1="34236" x2="95086" y2="34236"/>
+                        <a14:foregroundMark x1="99017" y1="37331" x2="99017" y2="37331"/>
+                        <a14:foregroundMark x1="66339" y1="89555" x2="66339" y2="89555"/>
+                        <a14:foregroundMark x1="56265" y1="88588" x2="56265" y2="88588"/>
+                      </a14:backgroundRemoval>
+                    </a14:imgEffect>
+                  </a14:imgLayer>
+                </a14:imgProps>
+              </a:ext>
+            </a:extLst>
+          </a:blip>
+          <a:stretch>
+            <a:fillRect/>
+          </a:stretch>
+        </p:blipFill>
+        <p:spPr>
+          <a:xfrm>
+            <a:off x="0" y="728133"/>
+            <a:ext cx="2268148" cy="2881161"/>
+          </a:xfrm>
+          <a:prstGeom prst="rect">
+            <a:avLst/>
+          </a:prstGeom>
+        </p:spPr>
+      </p:pic>
+      <p:pic>
+        <p:nvPicPr>
+          <p:cNvPr id="13" name="Picture 12">
+            <a:extLst>
+              <a:ext uri="{FF2B5EF4-FFF2-40B4-BE49-F238E27FC236}">
+                <a16:creationId xmlns:a16="http://schemas.microsoft.com/office/drawing/2014/main" id="{AE335D1C-1253-7154-C56D-F8D87951BDF0}"/>
+              </a:ext>
+            </a:extLst>
+          </p:cNvPr>
+          <p:cNvPicPr>
+            <a:picLocks noChangeAspect="1"/>
+          </p:cNvPicPr>
+          <p:nvPr/>
+        </p:nvPicPr>
+        <p:blipFill>
+          <a:blip r:embed="rId5">
+            <a:extLst>
+              <a:ext uri="{BEBA8EAE-BF5A-486C-A8C5-ECC9F3942E4B}">
+                <a14:imgProps xmlns:a14="http://schemas.microsoft.com/office/drawing/2010/main">
+                  <a14:imgLayer r:embed="rId6">
+                    <a14:imgEffect>
+                      <a14:backgroundRemoval t="4167" b="95625" l="8544" r="91772">
+                        <a14:foregroundMark x1="51899" y1="14167" x2="51899" y2="14167"/>
+                        <a14:foregroundMark x1="56487" y1="4167" x2="56487" y2="4167"/>
+                        <a14:foregroundMark x1="48734" y1="79375" x2="48734" y2="79375"/>
+                        <a14:foregroundMark x1="48734" y1="84271" x2="48734" y2="84271"/>
+                        <a14:foregroundMark x1="49842" y1="95833" x2="49842" y2="95833"/>
+                        <a14:foregroundMark x1="63608" y1="76458" x2="63608" y2="76458"/>
+                        <a14:foregroundMark x1="63291" y1="82708" x2="63291" y2="82708"/>
+                        <a14:foregroundMark x1="63608" y1="48750" x2="63608" y2="48750"/>
+                        <a14:foregroundMark x1="62816" y1="48542" x2="62816" y2="48542"/>
+                        <a14:foregroundMark x1="63133" y1="51667" x2="63133" y2="51667"/>
+                        <a14:foregroundMark x1="62184" y1="51667" x2="62184" y2="51667"/>
+                        <a14:foregroundMark x1="62816" y1="43021" x2="62816" y2="43021"/>
+                        <a14:foregroundMark x1="62658" y1="45938" x2="62658" y2="45938"/>
+                        <a14:foregroundMark x1="64557" y1="76458" x2="64557" y2="76458"/>
+                        <a14:foregroundMark x1="63924" y1="81771" x2="63924" y2="81771"/>
+                        <a14:foregroundMark x1="63766" y1="81875" x2="63766" y2="81875"/>
+                        <a14:foregroundMark x1="63291" y1="81875" x2="63291" y2="81875"/>
+                        <a14:foregroundMark x1="64082" y1="82396" x2="63924" y2="83333"/>
+                        <a14:foregroundMark x1="63924" y1="82083" x2="64082" y2="87604"/>
+                        <a14:foregroundMark x1="63133" y1="80000" x2="63133" y2="80000"/>
+                        <a14:foregroundMark x1="63449" y1="80104" x2="63449" y2="80104"/>
+                        <a14:foregroundMark x1="63608" y1="81042" x2="63608" y2="80208"/>
+                        <a14:foregroundMark x1="91930" y1="86667" x2="91930" y2="86667"/>
+                        <a14:foregroundMark x1="34019" y1="78958" x2="34019" y2="78958"/>
+                        <a14:foregroundMark x1="34019" y1="83958" x2="34019" y2="83958"/>
+                        <a14:foregroundMark x1="8544" y1="87917" x2="8544" y2="87917"/>
+                        <a14:backgroundMark x1="7911" y1="88542" x2="7911" y2="88542"/>
+                      </a14:backgroundRemoval>
+                    </a14:imgEffect>
+                  </a14:imgLayer>
+                </a14:imgProps>
+              </a:ext>
+            </a:extLst>
+          </a:blip>
+          <a:stretch>
+            <a:fillRect/>
+          </a:stretch>
+        </p:blipFill>
+        <p:spPr>
+          <a:xfrm>
+            <a:off x="6982939" y="516096"/>
+            <a:ext cx="1353306" cy="2055655"/>
+          </a:xfrm>
+          <a:prstGeom prst="rect">
+            <a:avLst/>
+          </a:prstGeom>
+        </p:spPr>
+      </p:pic>
+      <p:pic>
+        <p:nvPicPr>
+          <p:cNvPr id="4" name="Picture 3" descr="A close-up of a microchip&#10;&#10;AI-generated content may be incorrect.">
+            <a:extLst>
+              <a:ext uri="{FF2B5EF4-FFF2-40B4-BE49-F238E27FC236}">
+                <a16:creationId xmlns:a16="http://schemas.microsoft.com/office/drawing/2014/main" id="{C935879F-9796-3675-5AFC-A35CFCDA8103}"/>
+              </a:ext>
+            </a:extLst>
+          </p:cNvPr>
+          <p:cNvPicPr>
+            <a:picLocks noChangeAspect="1"/>
+          </p:cNvPicPr>
+          <p:nvPr/>
+        </p:nvPicPr>
+        <p:blipFill>
+          <a:blip r:embed="rId7">
+            <a:extLst>
+              <a:ext uri="{BEBA8EAE-BF5A-486C-A8C5-ECC9F3942E4B}">
+                <a14:imgProps xmlns:a14="http://schemas.microsoft.com/office/drawing/2010/main">
+                  <a14:imgLayer r:embed="rId8">
+                    <a14:imgEffect>
+                      <a14:backgroundRemoval t="10000" b="90000" l="9600" r="90800">
+                        <a14:foregroundMark x1="13200" y1="53900" x2="13200" y2="53900"/>
+                        <a14:foregroundMark x1="12400" y1="53000" x2="12400" y2="53000"/>
+                        <a14:foregroundMark x1="10800" y1="50700" x2="10800" y2="50700"/>
+                        <a14:foregroundMark x1="10100" y1="50000" x2="10100" y2="50000"/>
+                        <a14:foregroundMark x1="9700" y1="49300" x2="12200" y2="52400"/>
+                        <a14:foregroundMark x1="33500" y1="75900" x2="33500" y2="75900"/>
+                        <a14:foregroundMark x1="33600" y1="74000" x2="34000" y2="77400"/>
+                        <a14:foregroundMark x1="36639" y1="73900" x2="36700" y2="75900"/>
+                        <a14:foregroundMark x1="36600" y1="72600" x2="36639" y2="73900"/>
+                        <a14:foregroundMark x1="39500" y1="71000" x2="39600" y2="75100"/>
+                        <a14:foregroundMark x1="29900" y1="73200" x2="29900" y2="73200"/>
+                        <a14:foregroundMark x1="28400" y1="73100" x2="28400" y2="73100"/>
+                        <a14:foregroundMark x1="27500" y1="72400" x2="27500" y2="72400"/>
+                        <a14:foregroundMark x1="26300" y1="70400" x2="26300" y2="70400"/>
+                        <a14:foregroundMark x1="25600" y1="69500" x2="25600" y2="69500"/>
+                        <a14:foregroundMark x1="22400" y1="65900" x2="27700" y2="72500"/>
+                        <a14:foregroundMark x1="90800" y1="41600" x2="90800" y2="41600"/>
+                        <a14:foregroundMark x1="90300" y1="43500" x2="90300" y2="43500"/>
+                        <a14:foregroundMark x1="17500" y1="59300" x2="17500" y2="59300"/>
+                        <a14:foregroundMark x1="17800" y1="60500" x2="17800" y2="60500"/>
+                        <a14:foregroundMark x1="18700" y1="61600" x2="18700" y2="61600"/>
+                        <a14:foregroundMark x1="16800" y1="58500" x2="16800" y2="58500"/>
+                        <a14:foregroundMark x1="16500" y1="58100" x2="16500" y2="58100"/>
+                        <a14:foregroundMark x1="15500" y1="57700" x2="15500" y2="57700"/>
+                        <a14:foregroundMark x1="15700" y1="57700" x2="19300" y2="62200"/>
+                        <a14:backgroundMark x1="35100" y1="73900" x2="35100" y2="73900"/>
+                      </a14:backgroundRemoval>
+                    </a14:imgEffect>
+                  </a14:imgLayer>
+                </a14:imgProps>
+              </a:ext>
+              <a:ext uri="{28A0092B-C50C-407E-A947-70E740481C1C}">
+                <a14:useLocalDpi xmlns:a14="http://schemas.microsoft.com/office/drawing/2010/main" val="0"/>
+              </a:ext>
+            </a:extLst>
+          </a:blip>
+          <a:stretch>
+            <a:fillRect/>
+          </a:stretch>
+        </p:blipFill>
+        <p:spPr>
+          <a:xfrm>
+            <a:off x="5878554" y="5601767"/>
+            <a:ext cx="3138083" cy="3138083"/>
+          </a:xfrm>
+          <a:prstGeom prst="rect">
+            <a:avLst/>
+          </a:prstGeom>
+        </p:spPr>
+      </p:pic>
+    </p:spTree>
+    <p:extLst>
+      <p:ext uri="{BB962C8B-B14F-4D97-AF65-F5344CB8AC3E}">
+        <p14:creationId xmlns:p14="http://schemas.microsoft.com/office/powerpoint/2010/main" val="3546152998"/>
+      </p:ext>
+    </p:extLst>
+  </p:cSld>
+  <p:clrMapOvr>
+    <a:masterClrMapping/>
+  </p:clrMapOvr>
+</p:sld>
+</file>
+
+<file path=ppt/slides/slide8.xml><?xml version="1.0" encoding="utf-8"?>
 <p:sld xmlns:a="http://schemas.openxmlformats.org/drawingml/2006/main" xmlns:r="http://schemas.openxmlformats.org/officeDocument/2006/relationships" xmlns:p="http://schemas.openxmlformats.org/presentationml/2006/main">
   <p:cSld>
     <p:spTree>
@@ -12935,7 +13749,7 @@
 </p:sld>
 </file>
 
-<file path=ppt/slides/slide8.xml><?xml version="1.0" encoding="utf-8"?>
+<file path=ppt/slides/slide9.xml><?xml version="1.0" encoding="utf-8"?>
 <p:sld xmlns:a="http://schemas.openxmlformats.org/drawingml/2006/main" xmlns:r="http://schemas.openxmlformats.org/officeDocument/2006/relationships" xmlns:p="http://schemas.openxmlformats.org/presentationml/2006/main">
   <p:cSld>
     <p:spTree>
@@ -13021,103 +13835,6 @@
     <p:extLst>
       <p:ext uri="{BB962C8B-B14F-4D97-AF65-F5344CB8AC3E}">
         <p14:creationId xmlns:p14="http://schemas.microsoft.com/office/powerpoint/2010/main" val="2894543031"/>
-      </p:ext>
-    </p:extLst>
-  </p:cSld>
-  <p:clrMapOvr>
-    <a:masterClrMapping/>
-  </p:clrMapOvr>
-</p:sld>
-</file>
-
-<file path=ppt/slides/slide9.xml><?xml version="1.0" encoding="utf-8"?>
-<p:sld xmlns:a="http://schemas.openxmlformats.org/drawingml/2006/main" xmlns:r="http://schemas.openxmlformats.org/officeDocument/2006/relationships" xmlns:p="http://schemas.openxmlformats.org/presentationml/2006/main">
-  <p:cSld>
-    <p:spTree>
-      <p:nvGrpSpPr>
-        <p:cNvPr id="1" name=""/>
-        <p:cNvGrpSpPr/>
-        <p:nvPr/>
-      </p:nvGrpSpPr>
-      <p:grpSpPr>
-        <a:xfrm>
-          <a:off x="0" y="0"/>
-          <a:ext cx="0" cy="0"/>
-          <a:chOff x="0" y="0"/>
-          <a:chExt cx="0" cy="0"/>
-        </a:xfrm>
-      </p:grpSpPr>
-      <p:sp>
-        <p:nvSpPr>
-          <p:cNvPr id="2" name="Title 1">
-            <a:extLst>
-              <a:ext uri="{FF2B5EF4-FFF2-40B4-BE49-F238E27FC236}">
-                <a16:creationId xmlns:a16="http://schemas.microsoft.com/office/drawing/2014/main" id="{3B316FE2-8D8C-7F98-35F4-2C37C5FA7FDA}"/>
-              </a:ext>
-            </a:extLst>
-          </p:cNvPr>
-          <p:cNvSpPr>
-            <a:spLocks noGrp="1"/>
-          </p:cNvSpPr>
-          <p:nvPr>
-            <p:ph type="title"/>
-          </p:nvPr>
-        </p:nvSpPr>
-        <p:spPr/>
-        <p:txBody>
-          <a:bodyPr/>
-          <a:lstStyle/>
-          <a:p>
-            <a:r>
-              <a:rPr lang="nl-NL" dirty="0" err="1"/>
-              <a:t>retrospective</a:t>
-            </a:r>
-            <a:endParaRPr lang="nl-NL" dirty="0"/>
-          </a:p>
-        </p:txBody>
-      </p:sp>
-      <p:sp>
-        <p:nvSpPr>
-          <p:cNvPr id="3" name="Content Placeholder 2">
-            <a:extLst>
-              <a:ext uri="{FF2B5EF4-FFF2-40B4-BE49-F238E27FC236}">
-                <a16:creationId xmlns:a16="http://schemas.microsoft.com/office/drawing/2014/main" id="{D7A0D1E5-C72E-270B-6A56-8AB180F6AB69}"/>
-              </a:ext>
-            </a:extLst>
-          </p:cNvPr>
-          <p:cNvSpPr>
-            <a:spLocks noGrp="1"/>
-          </p:cNvSpPr>
-          <p:nvPr>
-            <p:ph idx="1"/>
-          </p:nvPr>
-        </p:nvSpPr>
-        <p:spPr/>
-        <p:txBody>
-          <a:bodyPr/>
-          <a:lstStyle/>
-          <a:p>
-            <a:r>
-              <a:rPr lang="nl-NL" dirty="0"/>
-              <a:t>Algemene communicatie</a:t>
-            </a:r>
-          </a:p>
-          <a:p>
-            <a:r>
-              <a:rPr lang="nl-NL" dirty="0"/>
-              <a:t>Budget -&gt; keuze materialen zeer verminderd</a:t>
-            </a:r>
-            <a:br>
-              <a:rPr lang="nl-NL" dirty="0"/>
-            </a:br>
-            <a:endParaRPr lang="nl-NL" dirty="0"/>
-          </a:p>
-        </p:txBody>
-      </p:sp>
-    </p:spTree>
-    <p:extLst>
-      <p:ext uri="{BB962C8B-B14F-4D97-AF65-F5344CB8AC3E}">
-        <p14:creationId xmlns:p14="http://schemas.microsoft.com/office/powerpoint/2010/main" val="3188886355"/>
       </p:ext>
     </p:extLst>
   </p:cSld>
@@ -13377,11 +14094,12 @@
 </file>
 
 <file path=customXml/item1.xml><?xml version="1.0" encoding="utf-8"?>
-<p:properties xmlns:p="http://schemas.microsoft.com/office/2006/metadata/properties" xmlns:xsi="http://www.w3.org/2001/XMLSchema-instance" xmlns:pc="http://schemas.microsoft.com/office/infopath/2007/PartnerControls">
-  <documentManagement>
-    <_activity xmlns="8d5dcd13-9b93-4860-8686-258dec0e23be" xsi:nil="true"/>
-  </documentManagement>
-</p:properties>
+<?mso-contentType ?>
+<FormTemplates xmlns="http://schemas.microsoft.com/sharepoint/v3/contenttype/forms">
+  <Display>DocumentLibraryForm</Display>
+  <Edit>DocumentLibraryForm</Edit>
+  <New>DocumentLibraryForm</New>
+</FormTemplates>
 </file>
 
 <file path=customXml/item2.xml><?xml version="1.0" encoding="utf-8"?>
@@ -13579,26 +14297,17 @@
 </file>
 
 <file path=customXml/item3.xml><?xml version="1.0" encoding="utf-8"?>
-<?mso-contentType ?>
-<FormTemplates xmlns="http://schemas.microsoft.com/sharepoint/v3/contenttype/forms">
-  <Display>DocumentLibraryForm</Display>
-  <Edit>DocumentLibraryForm</Edit>
-  <New>DocumentLibraryForm</New>
-</FormTemplates>
+<p:properties xmlns:p="http://schemas.microsoft.com/office/2006/metadata/properties" xmlns:xsi="http://www.w3.org/2001/XMLSchema-instance" xmlns:pc="http://schemas.microsoft.com/office/infopath/2007/PartnerControls">
+  <documentManagement>
+    <_activity xmlns="8d5dcd13-9b93-4860-8686-258dec0e23be" xsi:nil="true"/>
+  </documentManagement>
+</p:properties>
 </file>
 
 <file path=customXml/itemProps1.xml><?xml version="1.0" encoding="utf-8"?>
-<ds:datastoreItem xmlns:ds="http://schemas.openxmlformats.org/officeDocument/2006/customXml" ds:itemID="{6BE63DC0-0E79-4D45-AB99-081F8145E24C}">
+<ds:datastoreItem xmlns:ds="http://schemas.openxmlformats.org/officeDocument/2006/customXml" ds:itemID="{33D4CFAA-434D-4462-B62D-1E23E4045646}">
   <ds:schemaRefs>
-    <ds:schemaRef ds:uri="http://purl.org/dc/terms/"/>
-    <ds:schemaRef ds:uri="http://schemas.microsoft.com/office/infopath/2007/PartnerControls"/>
-    <ds:schemaRef ds:uri="http://schemas.openxmlformats.org/package/2006/metadata/core-properties"/>
-    <ds:schemaRef ds:uri="http://purl.org/dc/elements/1.1/"/>
-    <ds:schemaRef ds:uri="http://schemas.microsoft.com/office/2006/documentManagement/types"/>
-    <ds:schemaRef ds:uri="http://www.w3.org/XML/1998/namespace"/>
-    <ds:schemaRef ds:uri="8d5dcd13-9b93-4860-8686-258dec0e23be"/>
-    <ds:schemaRef ds:uri="http://schemas.microsoft.com/office/2006/metadata/properties"/>
-    <ds:schemaRef ds:uri="http://purl.org/dc/dcmitype/"/>
+    <ds:schemaRef ds:uri="http://schemas.microsoft.com/sharepoint/v3/contenttype/forms"/>
   </ds:schemaRefs>
 </ds:datastoreItem>
 </file>
@@ -13622,9 +14331,17 @@
 </file>
 
 <file path=customXml/itemProps3.xml><?xml version="1.0" encoding="utf-8"?>
-<ds:datastoreItem xmlns:ds="http://schemas.openxmlformats.org/officeDocument/2006/customXml" ds:itemID="{33D4CFAA-434D-4462-B62D-1E23E4045646}">
+<ds:datastoreItem xmlns:ds="http://schemas.openxmlformats.org/officeDocument/2006/customXml" ds:itemID="{6BE63DC0-0E79-4D45-AB99-081F8145E24C}">
   <ds:schemaRefs>
-    <ds:schemaRef ds:uri="http://schemas.microsoft.com/sharepoint/v3/contenttype/forms"/>
+    <ds:schemaRef ds:uri="http://purl.org/dc/terms/"/>
+    <ds:schemaRef ds:uri="http://schemas.microsoft.com/office/infopath/2007/PartnerControls"/>
+    <ds:schemaRef ds:uri="http://schemas.openxmlformats.org/package/2006/metadata/core-properties"/>
+    <ds:schemaRef ds:uri="http://purl.org/dc/elements/1.1/"/>
+    <ds:schemaRef ds:uri="http://schemas.microsoft.com/office/2006/documentManagement/types"/>
+    <ds:schemaRef ds:uri="http://www.w3.org/XML/1998/namespace"/>
+    <ds:schemaRef ds:uri="8d5dcd13-9b93-4860-8686-258dec0e23be"/>
+    <ds:schemaRef ds:uri="http://schemas.microsoft.com/office/2006/metadata/properties"/>
+    <ds:schemaRef ds:uri="http://purl.org/dc/dcmitype/"/>
   </ds:schemaRefs>
 </ds:datastoreItem>
 </file>
--- a/Presentaties/Sprint 4.pptx
+++ b/Presentaties/Sprint 4.pptx
@@ -9251,8 +9251,8 @@
           </a:p>
         </p:txBody>
       </p:sp>
-      <mc:AlternateContent xmlns:mc="http://schemas.openxmlformats.org/markup-compatibility/2006">
-        <mc:Choice xmlns:p14="http://schemas.microsoft.com/office/powerpoint/2010/main" xmlns:aink="http://schemas.microsoft.com/office/drawing/2016/ink" Requires="p14 aink">
+      <mc:AlternateContent xmlns:mc="http://schemas.openxmlformats.org/markup-compatibility/2006" xmlns:p14="http://schemas.microsoft.com/office/powerpoint/2010/main" xmlns:aink="http://schemas.microsoft.com/office/drawing/2016/ink">
+        <mc:Choice Requires="p14 aink">
           <p:contentPart p14:bwMode="auto" r:id="rId2">
             <p14:nvContentPartPr>
               <p14:cNvPr id="4" name="Ink 3">
@@ -9271,7 +9271,7 @@
             </p14:xfrm>
           </p:contentPart>
         </mc:Choice>
-        <mc:Fallback>
+        <mc:Fallback xmlns="">
           <p:pic>
             <p:nvPicPr>
               <p:cNvPr id="4" name="Ink 3">
@@ -12919,8 +12919,8 @@
             <a:chExt cx="451080" cy="420480"/>
           </a:xfrm>
         </p:grpSpPr>
-        <mc:AlternateContent xmlns:mc="http://schemas.openxmlformats.org/markup-compatibility/2006">
-          <mc:Choice xmlns:p14="http://schemas.microsoft.com/office/powerpoint/2010/main" xmlns:aink="http://schemas.microsoft.com/office/drawing/2016/ink" Requires="p14 aink">
+        <mc:AlternateContent xmlns:mc="http://schemas.openxmlformats.org/markup-compatibility/2006" xmlns:p14="http://schemas.microsoft.com/office/powerpoint/2010/main" xmlns:aink="http://schemas.microsoft.com/office/drawing/2016/ink">
+          <mc:Choice Requires="p14 aink">
             <p:contentPart p14:bwMode="auto" r:id="rId12">
               <p14:nvContentPartPr>
                 <p14:cNvPr id="11" name="Ink 10">
@@ -12939,7 +12939,7 @@
               </p14:xfrm>
             </p:contentPart>
           </mc:Choice>
-          <mc:Fallback>
+          <mc:Fallback xmlns="">
             <p:pic>
               <p:nvPicPr>
                 <p:cNvPr id="11" name="Ink 10">
@@ -12970,8 +12970,8 @@
             </p:pic>
           </mc:Fallback>
         </mc:AlternateContent>
-        <mc:AlternateContent xmlns:mc="http://schemas.openxmlformats.org/markup-compatibility/2006">
-          <mc:Choice xmlns:p14="http://schemas.microsoft.com/office/powerpoint/2010/main" xmlns:aink="http://schemas.microsoft.com/office/drawing/2016/ink" Requires="p14 aink">
+        <mc:AlternateContent xmlns:mc="http://schemas.openxmlformats.org/markup-compatibility/2006" xmlns:p14="http://schemas.microsoft.com/office/powerpoint/2010/main" xmlns:aink="http://schemas.microsoft.com/office/drawing/2016/ink">
+          <mc:Choice Requires="p14 aink">
             <p:contentPart p14:bwMode="auto" r:id="rId14">
               <p14:nvContentPartPr>
                 <p14:cNvPr id="12" name="Ink 11">
@@ -12990,7 +12990,7 @@
               </p14:xfrm>
             </p:contentPart>
           </mc:Choice>
-          <mc:Fallback>
+          <mc:Fallback xmlns="">
             <p:pic>
               <p:nvPicPr>
                 <p:cNvPr id="12" name="Ink 11">
@@ -13021,8 +13021,8 @@
             </p:pic>
           </mc:Fallback>
         </mc:AlternateContent>
-        <mc:AlternateContent xmlns:mc="http://schemas.openxmlformats.org/markup-compatibility/2006">
-          <mc:Choice xmlns:p14="http://schemas.microsoft.com/office/powerpoint/2010/main" xmlns:aink="http://schemas.microsoft.com/office/drawing/2016/ink" Requires="p14 aink">
+        <mc:AlternateContent xmlns:mc="http://schemas.openxmlformats.org/markup-compatibility/2006" xmlns:p14="http://schemas.microsoft.com/office/powerpoint/2010/main" xmlns:aink="http://schemas.microsoft.com/office/drawing/2016/ink">
+          <mc:Choice Requires="p14 aink">
             <p:contentPart p14:bwMode="auto" r:id="rId16">
               <p14:nvContentPartPr>
                 <p14:cNvPr id="14" name="Ink 13">
@@ -13041,7 +13041,7 @@
               </p14:xfrm>
             </p:contentPart>
           </mc:Choice>
-          <mc:Fallback>
+          <mc:Fallback xmlns="">
             <p:pic>
               <p:nvPicPr>
                 <p:cNvPr id="14" name="Ink 13">
@@ -13093,8 +13093,8 @@
             <a:chExt cx="285120" cy="279720"/>
           </a:xfrm>
         </p:grpSpPr>
-        <mc:AlternateContent xmlns:mc="http://schemas.openxmlformats.org/markup-compatibility/2006">
-          <mc:Choice xmlns:p14="http://schemas.microsoft.com/office/powerpoint/2010/main" xmlns:aink="http://schemas.microsoft.com/office/drawing/2016/ink" Requires="p14 aink">
+        <mc:AlternateContent xmlns:mc="http://schemas.openxmlformats.org/markup-compatibility/2006" xmlns:p14="http://schemas.microsoft.com/office/powerpoint/2010/main" xmlns:aink="http://schemas.microsoft.com/office/drawing/2016/ink">
+          <mc:Choice Requires="p14 aink">
             <p:contentPart p14:bwMode="auto" r:id="rId18">
               <p14:nvContentPartPr>
                 <p14:cNvPr id="18" name="Ink 17">
@@ -13113,7 +13113,7 @@
               </p14:xfrm>
             </p:contentPart>
           </mc:Choice>
-          <mc:Fallback>
+          <mc:Fallback xmlns="">
             <p:pic>
               <p:nvPicPr>
                 <p:cNvPr id="18" name="Ink 17">
@@ -13144,8 +13144,8 @@
             </p:pic>
           </mc:Fallback>
         </mc:AlternateContent>
-        <mc:AlternateContent xmlns:mc="http://schemas.openxmlformats.org/markup-compatibility/2006">
-          <mc:Choice xmlns:p14="http://schemas.microsoft.com/office/powerpoint/2010/main" xmlns:aink="http://schemas.microsoft.com/office/drawing/2016/ink" Requires="p14 aink">
+        <mc:AlternateContent xmlns:mc="http://schemas.openxmlformats.org/markup-compatibility/2006" xmlns:p14="http://schemas.microsoft.com/office/powerpoint/2010/main" xmlns:aink="http://schemas.microsoft.com/office/drawing/2016/ink">
+          <mc:Choice Requires="p14 aink">
             <p:contentPart p14:bwMode="auto" r:id="rId20">
               <p14:nvContentPartPr>
                 <p14:cNvPr id="19" name="Ink 18">
@@ -13164,7 +13164,7 @@
               </p14:xfrm>
             </p:contentPart>
           </mc:Choice>
-          <mc:Fallback>
+          <mc:Fallback xmlns="">
             <p:pic>
               <p:nvPicPr>
                 <p:cNvPr id="19" name="Ink 18">
@@ -14094,12 +14094,11 @@
 </file>
 
 <file path=customXml/item1.xml><?xml version="1.0" encoding="utf-8"?>
-<?mso-contentType ?>
-<FormTemplates xmlns="http://schemas.microsoft.com/sharepoint/v3/contenttype/forms">
-  <Display>DocumentLibraryForm</Display>
-  <Edit>DocumentLibraryForm</Edit>
-  <New>DocumentLibraryForm</New>
-</FormTemplates>
+<p:properties xmlns:p="http://schemas.microsoft.com/office/2006/metadata/properties" xmlns:xsi="http://www.w3.org/2001/XMLSchema-instance" xmlns:pc="http://schemas.microsoft.com/office/infopath/2007/PartnerControls">
+  <documentManagement>
+    <_activity xmlns="8d5dcd13-9b93-4860-8686-258dec0e23be" xsi:nil="true"/>
+  </documentManagement>
+</p:properties>
 </file>
 
 <file path=customXml/item2.xml><?xml version="1.0" encoding="utf-8"?>
@@ -14297,17 +14296,26 @@
 </file>
 
 <file path=customXml/item3.xml><?xml version="1.0" encoding="utf-8"?>
-<p:properties xmlns:p="http://schemas.microsoft.com/office/2006/metadata/properties" xmlns:xsi="http://www.w3.org/2001/XMLSchema-instance" xmlns:pc="http://schemas.microsoft.com/office/infopath/2007/PartnerControls">
-  <documentManagement>
-    <_activity xmlns="8d5dcd13-9b93-4860-8686-258dec0e23be" xsi:nil="true"/>
-  </documentManagement>
-</p:properties>
+<?mso-contentType ?>
+<FormTemplates xmlns="http://schemas.microsoft.com/sharepoint/v3/contenttype/forms">
+  <Display>DocumentLibraryForm</Display>
+  <Edit>DocumentLibraryForm</Edit>
+  <New>DocumentLibraryForm</New>
+</FormTemplates>
 </file>
 
 <file path=customXml/itemProps1.xml><?xml version="1.0" encoding="utf-8"?>
-<ds:datastoreItem xmlns:ds="http://schemas.openxmlformats.org/officeDocument/2006/customXml" ds:itemID="{33D4CFAA-434D-4462-B62D-1E23E4045646}">
+<ds:datastoreItem xmlns:ds="http://schemas.openxmlformats.org/officeDocument/2006/customXml" ds:itemID="{6BE63DC0-0E79-4D45-AB99-081F8145E24C}">
   <ds:schemaRefs>
-    <ds:schemaRef ds:uri="http://schemas.microsoft.com/sharepoint/v3/contenttype/forms"/>
+    <ds:schemaRef ds:uri="http://purl.org/dc/terms/"/>
+    <ds:schemaRef ds:uri="http://schemas.microsoft.com/office/infopath/2007/PartnerControls"/>
+    <ds:schemaRef ds:uri="http://schemas.openxmlformats.org/package/2006/metadata/core-properties"/>
+    <ds:schemaRef ds:uri="http://purl.org/dc/elements/1.1/"/>
+    <ds:schemaRef ds:uri="http://schemas.microsoft.com/office/2006/documentManagement/types"/>
+    <ds:schemaRef ds:uri="http://www.w3.org/XML/1998/namespace"/>
+    <ds:schemaRef ds:uri="8d5dcd13-9b93-4860-8686-258dec0e23be"/>
+    <ds:schemaRef ds:uri="http://schemas.microsoft.com/office/2006/metadata/properties"/>
+    <ds:schemaRef ds:uri="http://purl.org/dc/dcmitype/"/>
   </ds:schemaRefs>
 </ds:datastoreItem>
 </file>
@@ -14331,17 +14339,9 @@
 </file>
 
 <file path=customXml/itemProps3.xml><?xml version="1.0" encoding="utf-8"?>
-<ds:datastoreItem xmlns:ds="http://schemas.openxmlformats.org/officeDocument/2006/customXml" ds:itemID="{6BE63DC0-0E79-4D45-AB99-081F8145E24C}">
+<ds:datastoreItem xmlns:ds="http://schemas.openxmlformats.org/officeDocument/2006/customXml" ds:itemID="{33D4CFAA-434D-4462-B62D-1E23E4045646}">
   <ds:schemaRefs>
-    <ds:schemaRef ds:uri="http://purl.org/dc/terms/"/>
-    <ds:schemaRef ds:uri="http://schemas.microsoft.com/office/infopath/2007/PartnerControls"/>
-    <ds:schemaRef ds:uri="http://schemas.openxmlformats.org/package/2006/metadata/core-properties"/>
-    <ds:schemaRef ds:uri="http://purl.org/dc/elements/1.1/"/>
-    <ds:schemaRef ds:uri="http://schemas.microsoft.com/office/2006/documentManagement/types"/>
-    <ds:schemaRef ds:uri="http://www.w3.org/XML/1998/namespace"/>
-    <ds:schemaRef ds:uri="8d5dcd13-9b93-4860-8686-258dec0e23be"/>
-    <ds:schemaRef ds:uri="http://schemas.microsoft.com/office/2006/metadata/properties"/>
-    <ds:schemaRef ds:uri="http://purl.org/dc/dcmitype/"/>
+    <ds:schemaRef ds:uri="http://schemas.microsoft.com/sharepoint/v3/contenttype/forms"/>
   </ds:schemaRefs>
 </ds:datastoreItem>
 </file>